--- a/tutorials/Uncertainty Analysis.pptx
+++ b/tutorials/Uncertainty Analysis.pptx
@@ -6,10 +6,10 @@
     <p:sldMasterId id="2147484074" r:id="rId2"/>
   </p:sldMasterIdLst>
   <p:notesMasterIdLst>
-    <p:notesMasterId r:id="rId19"/>
+    <p:notesMasterId r:id="rId18"/>
   </p:notesMasterIdLst>
   <p:handoutMasterIdLst>
-    <p:handoutMasterId r:id="rId20"/>
+    <p:handoutMasterId r:id="rId19"/>
   </p:handoutMasterIdLst>
   <p:sldIdLst>
     <p:sldId id="530" r:id="rId3"/>
@@ -25,14 +25,13 @@
     <p:sldId id="543" r:id="rId13"/>
     <p:sldId id="544" r:id="rId14"/>
     <p:sldId id="513" r:id="rId15"/>
-    <p:sldId id="516" r:id="rId16"/>
-    <p:sldId id="517" r:id="rId17"/>
-    <p:sldId id="551" r:id="rId18"/>
+    <p:sldId id="517" r:id="rId16"/>
+    <p:sldId id="551" r:id="rId17"/>
   </p:sldIdLst>
   <p:sldSz cx="9144000" cy="6858000" type="screen4x3"/>
   <p:notesSz cx="7010400" cy="9296400"/>
   <p:custDataLst>
-    <p:tags r:id="rId21"/>
+    <p:tags r:id="rId20"/>
   </p:custDataLst>
   <p:defaultTextStyle>
     <a:defPPr>
@@ -161,7 +160,7 @@
   </p:defaultTextStyle>
   <p:extLst>
     <p:ext uri="{EFAFB233-063F-42B5-8137-9DF3F51BA10A}">
-      <p15:sldGuideLst xmlns:p15="http://schemas.microsoft.com/office/powerpoint/2012/main" xmlns="">
+      <p15:sldGuideLst xmlns:p15="http://schemas.microsoft.com/office/powerpoint/2012/main">
         <p15:guide id="1" orient="horz" pos="864">
           <p15:clr>
             <a:srgbClr val="A4A3A4"/>
@@ -180,7 +179,7 @@
       </p15:sldGuideLst>
     </p:ext>
     <p:ext uri="{2D200454-40CA-4A62-9FC3-DE9A4176ACB9}">
-      <p15:notesGuideLst xmlns:p15="http://schemas.microsoft.com/office/powerpoint/2012/main" xmlns="">
+      <p15:notesGuideLst xmlns:p15="http://schemas.microsoft.com/office/powerpoint/2012/main">
         <p15:guide id="1" orient="horz" pos="2928">
           <p15:clr>
             <a:srgbClr val="A4A3A4"/>
@@ -206,15 +205,6 @@
   <p:cmAuthor id="4" name="Yuming Sun" initials="" lastIdx="0" clrIdx="4"/>
   <p:cmAuthor id="5" name="Zhang, Yuna" initials="ZY" lastIdx="7" clrIdx="5"/>
 </p:cmAuthorLst>
-</file>
-
-<file path=ppt/comments/comment1.xml><?xml version="1.0" encoding="utf-8"?>
-<p:cmLst xmlns:a="http://schemas.openxmlformats.org/drawingml/2006/main" xmlns:r="http://schemas.openxmlformats.org/officeDocument/2006/relationships" xmlns:p="http://schemas.openxmlformats.org/presentationml/2006/main">
-  <p:cm authorId="5" dt="2015-10-09T14:28:01.398" idx="7">
-    <p:pos x="5238" y="1338"/>
-    <p:text/>
-  </p:cm>
-</p:cmLst>
 </file>
 
 <file path=ppt/handoutMasters/handoutMaster1.xml><?xml version="1.0" encoding="utf-8"?>
@@ -442,7 +432,7 @@
               <a:pPr>
                 <a:defRPr/>
               </a:pPr>
-              <a:t>8/18/2016</a:t>
+              <a:t>9/10/2019</a:t>
             </a:fld>
             <a:endParaRPr lang="en-US"/>
           </a:p>
@@ -678,7 +668,7 @@
               <a:pPr>
                 <a:defRPr/>
               </a:pPr>
-              <a:t>8/18/2016</a:t>
+              <a:t>9/10/2019</a:t>
             </a:fld>
             <a:endParaRPr lang="en-US"/>
           </a:p>
@@ -754,38 +744,37 @@
           <a:p>
             <a:pPr lvl="0"/>
             <a:r>
-              <a:rPr lang="en-US" noProof="0" smtClean="0"/>
+              <a:rPr lang="en-US" noProof="0"/>
               <a:t>Click to edit Master text styles</a:t>
             </a:r>
           </a:p>
           <a:p>
             <a:pPr lvl="1"/>
             <a:r>
-              <a:rPr lang="en-US" noProof="0" smtClean="0"/>
+              <a:rPr lang="en-US" noProof="0"/>
               <a:t>Second level</a:t>
             </a:r>
           </a:p>
           <a:p>
             <a:pPr lvl="2"/>
             <a:r>
-              <a:rPr lang="en-US" noProof="0" smtClean="0"/>
+              <a:rPr lang="en-US" noProof="0"/>
               <a:t>Third level</a:t>
             </a:r>
           </a:p>
           <a:p>
             <a:pPr lvl="3"/>
             <a:r>
-              <a:rPr lang="en-US" noProof="0" smtClean="0"/>
+              <a:rPr lang="en-US" noProof="0"/>
               <a:t>Fourth level</a:t>
             </a:r>
           </a:p>
           <a:p>
             <a:pPr lvl="4"/>
             <a:r>
-              <a:rPr lang="en-US" noProof="0" smtClean="0"/>
+              <a:rPr lang="en-US" noProof="0"/>
               <a:t>Fifth level</a:t>
             </a:r>
-            <a:endParaRPr lang="en-US" noProof="0"/>
           </a:p>
         </p:txBody>
       </p:sp>
@@ -1119,13 +1108,13 @@
           <a:bodyPr/>
           <a:lstStyle/>
           <a:p>
-            <a:endParaRPr lang="en-US" baseline="0" dirty="0" smtClean="0"/>
-          </a:p>
-          <a:p>
-            <a:endParaRPr lang="en-US" baseline="0" dirty="0" smtClean="0"/>
-          </a:p>
-          <a:p>
-            <a:endParaRPr lang="en-US" dirty="0" smtClean="0"/>
+            <a:endParaRPr lang="en-US" baseline="0" dirty="0"/>
+          </a:p>
+          <a:p>
+            <a:endParaRPr lang="en-US" baseline="0" dirty="0"/>
+          </a:p>
+          <a:p>
+            <a:endParaRPr lang="en-US" dirty="0"/>
           </a:p>
           <a:p>
             <a:endParaRPr lang="en-US" dirty="0"/>
@@ -1219,7 +1208,7 @@
           <a:lstStyle/>
           <a:p>
             <a:r>
-              <a:rPr lang="en-US" sz="1200" dirty="0" smtClean="0">
+              <a:rPr lang="en-US" sz="1200" dirty="0">
                 <a:solidFill>
                   <a:srgbClr val="000000"/>
                 </a:solidFill>
@@ -1227,7 +1216,7 @@
               <a:t>-</a:t>
             </a:r>
             <a:r>
-              <a:rPr lang="en-US" sz="1200" baseline="0" dirty="0" smtClean="0">
+              <a:rPr lang="en-US" sz="1200" baseline="0" dirty="0">
                 <a:solidFill>
                   <a:srgbClr val="000000"/>
                 </a:solidFill>
@@ -1235,12 +1224,12 @@
               <a:t>   </a:t>
             </a:r>
             <a:r>
-              <a:rPr lang="en-US" sz="1200" dirty="0" smtClean="0">
+              <a:rPr lang="en-US" sz="1200" dirty="0">
                 <a:solidFill>
                   <a:srgbClr val="000000"/>
                 </a:solidFill>
               </a:rPr>
-              <a:t>To use Ruby from OpenStudio Installation Package: Add path environmental variable: e.g., C:\Program Files\OpenStudio 1.6.0\ruby-install\ruby\bin</a:t>
+              <a:t>To use Ruby from OpenStudio Installation Package: Add path environmental variable: e.g., C:\Program Files\openstudio-2.7.0\ruby-install\ruby\bin</a:t>
             </a:r>
           </a:p>
           <a:p>
@@ -1249,67 +1238,38 @@
               <a:buChar char="-"/>
             </a:pPr>
             <a:r>
-              <a:rPr lang="en-US" sz="1200" dirty="0" smtClean="0">
+              <a:rPr lang="en-US" sz="1200" dirty="0">
                 <a:solidFill>
                   <a:srgbClr val="000000"/>
                 </a:solidFill>
               </a:rPr>
-              <a:t>Install </a:t>
-            </a:r>
-            <a:r>
-              <a:rPr lang="en-US" sz="1200" dirty="0" err="1" smtClean="0">
+              <a:t>Install Ruby gems: run cmd.exe as administrator, then install required gems like e.g. “gem install </a:t>
+            </a:r>
+            <a:r>
+              <a:rPr lang="en-US" sz="1200" dirty="0" err="1">
                 <a:solidFill>
                   <a:srgbClr val="000000"/>
                 </a:solidFill>
               </a:rPr>
-              <a:t>RubyXL</a:t>
-            </a:r>
-            <a:r>
-              <a:rPr lang="en-US" sz="1200" dirty="0" smtClean="0">
+              <a:t>rinruby</a:t>
+            </a:r>
+            <a:r>
+              <a:rPr lang="en-US" sz="1200" dirty="0">
                 <a:solidFill>
                   <a:srgbClr val="000000"/>
                 </a:solidFill>
               </a:rPr>
-              <a:t>: run </a:t>
-            </a:r>
-            <a:r>
-              <a:rPr lang="en-US" sz="1200" dirty="0" err="1" smtClean="0">
-                <a:solidFill>
-                  <a:srgbClr val="000000"/>
-                </a:solidFill>
-              </a:rPr>
-              <a:t>cmd.exe</a:t>
-            </a:r>
-            <a:r>
-              <a:rPr lang="en-US" sz="1200" dirty="0" smtClean="0">
-                <a:solidFill>
-                  <a:srgbClr val="000000"/>
-                </a:solidFill>
-              </a:rPr>
-              <a:t> as administrator, then gem install </a:t>
-            </a:r>
-            <a:r>
-              <a:rPr lang="en-US" sz="1200" dirty="0" err="1" smtClean="0">
-                <a:solidFill>
-                  <a:srgbClr val="000000"/>
-                </a:solidFill>
-              </a:rPr>
-              <a:t>rubyXL</a:t>
-            </a:r>
-            <a:endParaRPr lang="en-US" sz="1200" dirty="0" smtClean="0">
-              <a:solidFill>
-                <a:srgbClr val="000000"/>
-              </a:solidFill>
-            </a:endParaRPr>
-          </a:p>
-          <a:p>
-            <a:endParaRPr lang="en-US" baseline="0" dirty="0" smtClean="0"/>
-          </a:p>
-          <a:p>
-            <a:endParaRPr lang="en-US" baseline="0" dirty="0" smtClean="0"/>
-          </a:p>
-          <a:p>
-            <a:endParaRPr lang="en-US" dirty="0" smtClean="0"/>
+              <a:t>”</a:t>
+            </a:r>
+          </a:p>
+          <a:p>
+            <a:endParaRPr lang="en-US" baseline="0" dirty="0"/>
+          </a:p>
+          <a:p>
+            <a:endParaRPr lang="en-US" baseline="0" dirty="0"/>
+          </a:p>
+          <a:p>
+            <a:endParaRPr lang="en-US" dirty="0"/>
           </a:p>
           <a:p>
             <a:endParaRPr lang="en-US" dirty="0"/>
@@ -1429,7 +1389,7 @@
               <a:pPr>
                 <a:defRPr/>
               </a:pPr>
-              <a:t>15</a:t>
+              <a:t>14</a:t>
             </a:fld>
             <a:endParaRPr lang="en-US"/>
           </a:p>
@@ -1554,7 +1514,7 @@
           </a:lstStyle>
           <a:p>
             <a:r>
-              <a:rPr lang="en-US" smtClean="0"/>
+              <a:rPr lang="en-US"/>
               <a:t>Click to edit Master title style</a:t>
             </a:r>
             <a:endParaRPr lang="en-US" dirty="0"/>
@@ -1588,7 +1548,7 @@
           </a:lstStyle>
           <a:p>
             <a:r>
-              <a:rPr lang="en-US" smtClean="0"/>
+              <a:rPr lang="en-US"/>
               <a:t>Click to edit Master subtitle style</a:t>
             </a:r>
             <a:endParaRPr lang="en-US" dirty="0"/>
@@ -1618,7 +1578,7 @@
           <a:lstStyle/>
           <a:p>
             <a:r>
-              <a:rPr lang="en-US" sz="1100" b="1" dirty="0" smtClean="0">
+              <a:rPr lang="en-US" sz="1100" b="1" dirty="0">
                 <a:solidFill>
                   <a:srgbClr val="008000"/>
                 </a:solidFill>
@@ -1628,7 +1588,7 @@
               <a:t>B</a:t>
             </a:r>
             <a:r>
-              <a:rPr lang="en-US" sz="1100" b="0" dirty="0" smtClean="0">
+              <a:rPr lang="en-US" sz="1100" b="0" dirty="0">
                 <a:solidFill>
                   <a:schemeClr val="bg2">
                     <a:lumMod val="10000"/>
@@ -1640,7 +1600,7 @@
               <a:t>uilding </a:t>
             </a:r>
             <a:r>
-              <a:rPr lang="en-US" sz="1100" b="1" dirty="0" smtClean="0">
+              <a:rPr lang="en-US" sz="1100" b="1" dirty="0">
                 <a:solidFill>
                   <a:srgbClr val="008000"/>
                 </a:solidFill>
@@ -1650,7 +1610,7 @@
               <a:t>E</a:t>
             </a:r>
             <a:r>
-              <a:rPr lang="en-US" sz="1100" b="0" dirty="0" smtClean="0">
+              <a:rPr lang="en-US" sz="1100" b="0" dirty="0">
                 <a:solidFill>
                   <a:schemeClr val="bg2">
                     <a:lumMod val="10000"/>
@@ -1662,7 +1622,7 @@
               <a:t>nergy </a:t>
             </a:r>
             <a:r>
-              <a:rPr lang="en-US" sz="1100" b="1" dirty="0" smtClean="0">
+              <a:rPr lang="en-US" sz="1100" b="1" dirty="0">
                 <a:solidFill>
                   <a:srgbClr val="008000"/>
                 </a:solidFill>
@@ -1672,7 +1632,7 @@
               <a:t>D</a:t>
             </a:r>
             <a:r>
-              <a:rPr lang="en-US" sz="1100" b="0" dirty="0" smtClean="0">
+              <a:rPr lang="en-US" sz="1100" b="0" dirty="0">
                 <a:solidFill>
                   <a:schemeClr val="bg2">
                     <a:lumMod val="10000"/>
@@ -1684,7 +1644,7 @@
               <a:t>ecision and </a:t>
             </a:r>
             <a:r>
-              <a:rPr lang="en-US" sz="1100" b="1" dirty="0" smtClean="0">
+              <a:rPr lang="en-US" sz="1100" b="1" dirty="0">
                 <a:solidFill>
                   <a:srgbClr val="008000"/>
                 </a:solidFill>
@@ -1694,7 +1654,7 @@
               <a:t>T</a:t>
             </a:r>
             <a:r>
-              <a:rPr lang="en-US" sz="1100" b="0" dirty="0" smtClean="0">
+              <a:rPr lang="en-US" sz="1100" b="0" dirty="0">
                 <a:solidFill>
                   <a:schemeClr val="bg2">
                     <a:lumMod val="10000"/>
@@ -1706,7 +1666,7 @@
               <a:t>echnology </a:t>
             </a:r>
             <a:r>
-              <a:rPr lang="en-US" sz="1100" b="1" dirty="0" smtClean="0">
+              <a:rPr lang="en-US" sz="1100" b="1" dirty="0">
                 <a:solidFill>
                   <a:srgbClr val="008000"/>
                 </a:solidFill>
@@ -1716,7 +1676,7 @@
               <a:t>R</a:t>
             </a:r>
             <a:r>
-              <a:rPr lang="en-US" sz="1100" b="0" dirty="0" smtClean="0">
+              <a:rPr lang="en-US" sz="1100" b="0" dirty="0">
                 <a:solidFill>
                   <a:schemeClr val="bg2">
                     <a:lumMod val="10000"/>
@@ -1747,7 +1707,7 @@
               <a:defRPr/>
             </a:pPr>
             <a:r>
-              <a:rPr lang="en-US" sz="1100" b="0" dirty="0" smtClean="0">
+              <a:rPr lang="en-US" sz="1100" b="0" dirty="0">
                 <a:solidFill>
                   <a:srgbClr val="000000"/>
                 </a:solidFill>
@@ -1833,13 +1793,6 @@
   <p:clrMapOvr>
     <a:masterClrMapping/>
   </p:clrMapOvr>
-  <p:timing>
-    <p:tnLst>
-      <p:par>
-        <p:cTn id="1" dur="indefinite" restart="never" nodeType="tmRoot"/>
-      </p:par>
-    </p:tnLst>
-  </p:timing>
 </p:sldLayout>
 </file>
 
@@ -1880,7 +1833,7 @@
           </a:lstStyle>
           <a:p>
             <a:r>
-              <a:rPr lang="en-US" smtClean="0"/>
+              <a:rPr lang="en-US"/>
               <a:t>Click to edit Master title style</a:t>
             </a:r>
             <a:endParaRPr lang="en-US" dirty="0"/>
@@ -1920,35 +1873,35 @@
           <a:p>
             <a:pPr lvl="0"/>
             <a:r>
-              <a:rPr lang="en-US" smtClean="0"/>
+              <a:rPr lang="en-US"/>
               <a:t>Click to edit Master text styles</a:t>
             </a:r>
           </a:p>
           <a:p>
             <a:pPr lvl="1"/>
             <a:r>
-              <a:rPr lang="en-US" smtClean="0"/>
+              <a:rPr lang="en-US"/>
               <a:t>Second level</a:t>
             </a:r>
           </a:p>
           <a:p>
             <a:pPr lvl="2"/>
             <a:r>
-              <a:rPr lang="en-US" smtClean="0"/>
+              <a:rPr lang="en-US"/>
               <a:t>Third level</a:t>
             </a:r>
           </a:p>
           <a:p>
             <a:pPr lvl="3"/>
             <a:r>
-              <a:rPr lang="en-US" smtClean="0"/>
+              <a:rPr lang="en-US"/>
               <a:t>Fourth level</a:t>
             </a:r>
           </a:p>
           <a:p>
             <a:pPr lvl="4"/>
             <a:r>
-              <a:rPr lang="en-US" smtClean="0"/>
+              <a:rPr lang="en-US"/>
               <a:t>Fifth level</a:t>
             </a:r>
             <a:endParaRPr lang="en-US" dirty="0"/>
@@ -2008,7 +1961,7 @@
               <a:pPr>
                 <a:defRPr/>
               </a:pPr>
-              <a:t>8/18/2016</a:t>
+              <a:t>9/10/2019</a:t>
             </a:fld>
             <a:endParaRPr lang="en-US"/>
           </a:p>
@@ -2087,13 +2040,6 @@
   <p:clrMapOvr>
     <a:masterClrMapping/>
   </p:clrMapOvr>
-  <p:timing>
-    <p:tnLst>
-      <p:par>
-        <p:cTn id="1" dur="indefinite" restart="never" nodeType="tmRoot"/>
-      </p:par>
-    </p:tnLst>
-  </p:timing>
 </p:sldLayout>
 </file>
 
@@ -2139,7 +2085,7 @@
           </a:lstStyle>
           <a:p>
             <a:r>
-              <a:rPr lang="en-US" smtClean="0"/>
+              <a:rPr lang="en-US"/>
               <a:t>Click to edit Master title style</a:t>
             </a:r>
             <a:endParaRPr lang="en-US" dirty="0"/>
@@ -2184,35 +2130,35 @@
           <a:p>
             <a:pPr lvl="0"/>
             <a:r>
-              <a:rPr lang="en-US" smtClean="0"/>
+              <a:rPr lang="en-US"/>
               <a:t>Click to edit Master text styles</a:t>
             </a:r>
           </a:p>
           <a:p>
             <a:pPr lvl="1"/>
             <a:r>
-              <a:rPr lang="en-US" smtClean="0"/>
+              <a:rPr lang="en-US"/>
               <a:t>Second level</a:t>
             </a:r>
           </a:p>
           <a:p>
             <a:pPr lvl="2"/>
             <a:r>
-              <a:rPr lang="en-US" smtClean="0"/>
+              <a:rPr lang="en-US"/>
               <a:t>Third level</a:t>
             </a:r>
           </a:p>
           <a:p>
             <a:pPr lvl="3"/>
             <a:r>
-              <a:rPr lang="en-US" smtClean="0"/>
+              <a:rPr lang="en-US"/>
               <a:t>Fourth level</a:t>
             </a:r>
           </a:p>
           <a:p>
             <a:pPr lvl="4"/>
             <a:r>
-              <a:rPr lang="en-US" smtClean="0"/>
+              <a:rPr lang="en-US"/>
               <a:t>Fifth level</a:t>
             </a:r>
             <a:endParaRPr lang="en-US" dirty="0"/>
@@ -2344,13 +2290,6 @@
   <p:clrMapOvr>
     <a:masterClrMapping/>
   </p:clrMapOvr>
-  <p:timing>
-    <p:tnLst>
-      <p:par>
-        <p:cTn id="1" dur="indefinite" restart="never" nodeType="tmRoot"/>
-      </p:par>
-    </p:tnLst>
-  </p:timing>
 </p:sldLayout>
 </file>
 
@@ -2460,7 +2399,7 @@
           </a:lstStyle>
           <a:p>
             <a:r>
-              <a:rPr lang="en-US" smtClean="0"/>
+              <a:rPr lang="en-US"/>
               <a:t>Click to edit Master title style</a:t>
             </a:r>
             <a:endParaRPr lang="en-US" dirty="0"/>
@@ -2494,7 +2433,7 @@
           </a:lstStyle>
           <a:p>
             <a:r>
-              <a:rPr lang="en-US" smtClean="0"/>
+              <a:rPr lang="en-US"/>
               <a:t>Click to edit Master subtitle style</a:t>
             </a:r>
             <a:endParaRPr lang="en-US" dirty="0"/>
@@ -2524,7 +2463,7 @@
           <a:lstStyle/>
           <a:p>
             <a:r>
-              <a:rPr lang="en-US" sz="1100" b="1" dirty="0" smtClean="0">
+              <a:rPr lang="en-US" sz="1100" b="1" dirty="0">
                 <a:solidFill>
                   <a:srgbClr val="008000"/>
                 </a:solidFill>
@@ -2534,7 +2473,7 @@
               <a:t>B</a:t>
             </a:r>
             <a:r>
-              <a:rPr lang="en-US" sz="1100" dirty="0" smtClean="0">
+              <a:rPr lang="en-US" sz="1100" dirty="0">
                 <a:solidFill>
                   <a:srgbClr val="D2D2D2">
                     <a:lumMod val="10000"/>
@@ -2546,7 +2485,7 @@
               <a:t>uilding </a:t>
             </a:r>
             <a:r>
-              <a:rPr lang="en-US" sz="1100" b="1" dirty="0" smtClean="0">
+              <a:rPr lang="en-US" sz="1100" b="1" dirty="0">
                 <a:solidFill>
                   <a:srgbClr val="008000"/>
                 </a:solidFill>
@@ -2556,7 +2495,7 @@
               <a:t>E</a:t>
             </a:r>
             <a:r>
-              <a:rPr lang="en-US" sz="1100" dirty="0" smtClean="0">
+              <a:rPr lang="en-US" sz="1100" dirty="0">
                 <a:solidFill>
                   <a:srgbClr val="D2D2D2">
                     <a:lumMod val="10000"/>
@@ -2568,7 +2507,7 @@
               <a:t>nergy </a:t>
             </a:r>
             <a:r>
-              <a:rPr lang="en-US" sz="1100" b="1" dirty="0" smtClean="0">
+              <a:rPr lang="en-US" sz="1100" b="1" dirty="0">
                 <a:solidFill>
                   <a:srgbClr val="008000"/>
                 </a:solidFill>
@@ -2578,7 +2517,7 @@
               <a:t>D</a:t>
             </a:r>
             <a:r>
-              <a:rPr lang="en-US" sz="1100" dirty="0" smtClean="0">
+              <a:rPr lang="en-US" sz="1100" dirty="0">
                 <a:solidFill>
                   <a:srgbClr val="D2D2D2">
                     <a:lumMod val="10000"/>
@@ -2590,7 +2529,7 @@
               <a:t>ecision and </a:t>
             </a:r>
             <a:r>
-              <a:rPr lang="en-US" sz="1100" b="1" dirty="0" smtClean="0">
+              <a:rPr lang="en-US" sz="1100" b="1" dirty="0">
                 <a:solidFill>
                   <a:srgbClr val="008000"/>
                 </a:solidFill>
@@ -2600,7 +2539,7 @@
               <a:t>T</a:t>
             </a:r>
             <a:r>
-              <a:rPr lang="en-US" sz="1100" dirty="0" smtClean="0">
+              <a:rPr lang="en-US" sz="1100" dirty="0">
                 <a:solidFill>
                   <a:srgbClr val="D2D2D2">
                     <a:lumMod val="10000"/>
@@ -2612,7 +2551,7 @@
               <a:t>echnology </a:t>
             </a:r>
             <a:r>
-              <a:rPr lang="en-US" sz="1100" b="1" dirty="0" smtClean="0">
+              <a:rPr lang="en-US" sz="1100" b="1" dirty="0">
                 <a:solidFill>
                   <a:srgbClr val="008000"/>
                 </a:solidFill>
@@ -2622,7 +2561,7 @@
               <a:t>R</a:t>
             </a:r>
             <a:r>
-              <a:rPr lang="en-US" sz="1100" dirty="0" smtClean="0">
+              <a:rPr lang="en-US" sz="1100" dirty="0">
                 <a:solidFill>
                   <a:srgbClr val="D2D2D2">
                     <a:lumMod val="10000"/>
@@ -2639,7 +2578,7 @@
               <a:defRPr/>
             </a:pPr>
             <a:r>
-              <a:rPr lang="en-US" sz="1100" dirty="0" smtClean="0">
+              <a:rPr lang="en-US" sz="1100" dirty="0">
                 <a:solidFill>
                   <a:srgbClr val="000000"/>
                 </a:solidFill>
@@ -2725,13 +2664,6 @@
   <p:clrMapOvr>
     <a:masterClrMapping/>
   </p:clrMapOvr>
-  <p:timing>
-    <p:tnLst>
-      <p:par>
-        <p:cTn id="1" dur="indefinite" restart="never" nodeType="tmRoot"/>
-      </p:par>
-    </p:tnLst>
-  </p:timing>
 </p:sldLayout>
 </file>
 
@@ -2777,7 +2709,7 @@
           </a:lstStyle>
           <a:p>
             <a:r>
-              <a:rPr lang="en-US" smtClean="0"/>
+              <a:rPr lang="en-US"/>
               <a:t>Click to edit Master title style</a:t>
             </a:r>
             <a:endParaRPr lang="en-US" dirty="0"/>
@@ -2843,7 +2775,7 @@
           <a:p>
             <a:pPr lvl="0"/>
             <a:r>
-              <a:rPr lang="en-US" smtClean="0"/>
+              <a:rPr lang="en-US"/>
               <a:t>Click to edit Master text styles</a:t>
             </a:r>
           </a:p>
@@ -2918,13 +2850,6 @@
   <p:clrMapOvr>
     <a:masterClrMapping/>
   </p:clrMapOvr>
-  <p:timing>
-    <p:tnLst>
-      <p:par>
-        <p:cTn id="1" dur="indefinite" restart="never" nodeType="tmRoot"/>
-      </p:par>
-    </p:tnLst>
-  </p:timing>
 </p:sldLayout>
 </file>
 
@@ -2965,7 +2890,7 @@
           </a:lstStyle>
           <a:p>
             <a:r>
-              <a:rPr lang="en-US" smtClean="0"/>
+              <a:rPr lang="en-US"/>
               <a:t>Click to edit Master title style</a:t>
             </a:r>
             <a:endParaRPr lang="en-US" dirty="0"/>
@@ -3035,35 +2960,35 @@
           <a:p>
             <a:pPr lvl="0"/>
             <a:r>
-              <a:rPr lang="en-US" smtClean="0"/>
+              <a:rPr lang="en-US"/>
               <a:t>Click to edit Master text styles</a:t>
             </a:r>
           </a:p>
           <a:p>
             <a:pPr lvl="1"/>
             <a:r>
-              <a:rPr lang="en-US" smtClean="0"/>
+              <a:rPr lang="en-US"/>
               <a:t>Second level</a:t>
             </a:r>
           </a:p>
           <a:p>
             <a:pPr lvl="2"/>
             <a:r>
-              <a:rPr lang="en-US" smtClean="0"/>
+              <a:rPr lang="en-US"/>
               <a:t>Third level</a:t>
             </a:r>
           </a:p>
           <a:p>
             <a:pPr lvl="3"/>
             <a:r>
-              <a:rPr lang="en-US" smtClean="0"/>
+              <a:rPr lang="en-US"/>
               <a:t>Fourth level</a:t>
             </a:r>
           </a:p>
           <a:p>
             <a:pPr lvl="4"/>
             <a:r>
-              <a:rPr lang="en-US" smtClean="0"/>
+              <a:rPr lang="en-US"/>
               <a:t>Fifth level</a:t>
             </a:r>
             <a:endParaRPr lang="en-US" dirty="0"/>
@@ -3139,13 +3064,6 @@
   <p:clrMapOvr>
     <a:masterClrMapping/>
   </p:clrMapOvr>
-  <p:timing>
-    <p:tnLst>
-      <p:par>
-        <p:cTn id="1" dur="indefinite" restart="never" nodeType="tmRoot"/>
-      </p:par>
-    </p:tnLst>
-  </p:timing>
 </p:sldLayout>
 </file>
 
@@ -3186,7 +3104,7 @@
           </a:lstStyle>
           <a:p>
             <a:r>
-              <a:rPr lang="en-US" smtClean="0"/>
+              <a:rPr lang="en-US"/>
               <a:t>Click to edit Master title style</a:t>
             </a:r>
             <a:endParaRPr lang="en-US" dirty="0"/>
@@ -3243,35 +3161,35 @@
           <a:p>
             <a:pPr lvl="0"/>
             <a:r>
-              <a:rPr lang="en-US" smtClean="0"/>
+              <a:rPr lang="en-US"/>
               <a:t>Click to edit Master text styles</a:t>
             </a:r>
           </a:p>
           <a:p>
             <a:pPr lvl="1"/>
             <a:r>
-              <a:rPr lang="en-US" smtClean="0"/>
+              <a:rPr lang="en-US"/>
               <a:t>Second level</a:t>
             </a:r>
           </a:p>
           <a:p>
             <a:pPr lvl="2"/>
             <a:r>
-              <a:rPr lang="en-US" smtClean="0"/>
+              <a:rPr lang="en-US"/>
               <a:t>Third level</a:t>
             </a:r>
           </a:p>
           <a:p>
             <a:pPr lvl="3"/>
             <a:r>
-              <a:rPr lang="en-US" smtClean="0"/>
+              <a:rPr lang="en-US"/>
               <a:t>Fourth level</a:t>
             </a:r>
           </a:p>
           <a:p>
             <a:pPr lvl="4"/>
             <a:r>
-              <a:rPr lang="en-US" smtClean="0"/>
+              <a:rPr lang="en-US"/>
               <a:t>Fifth level</a:t>
             </a:r>
             <a:endParaRPr lang="en-US" dirty="0"/>
@@ -3328,35 +3246,35 @@
           <a:p>
             <a:pPr lvl="0"/>
             <a:r>
-              <a:rPr lang="en-US" smtClean="0"/>
+              <a:rPr lang="en-US"/>
               <a:t>Click to edit Master text styles</a:t>
             </a:r>
           </a:p>
           <a:p>
             <a:pPr lvl="1"/>
             <a:r>
-              <a:rPr lang="en-US" smtClean="0"/>
+              <a:rPr lang="en-US"/>
               <a:t>Second level</a:t>
             </a:r>
           </a:p>
           <a:p>
             <a:pPr lvl="2"/>
             <a:r>
-              <a:rPr lang="en-US" smtClean="0"/>
+              <a:rPr lang="en-US"/>
               <a:t>Third level</a:t>
             </a:r>
           </a:p>
           <a:p>
             <a:pPr lvl="3"/>
             <a:r>
-              <a:rPr lang="en-US" smtClean="0"/>
+              <a:rPr lang="en-US"/>
               <a:t>Fourth level</a:t>
             </a:r>
           </a:p>
           <a:p>
             <a:pPr lvl="4"/>
             <a:r>
-              <a:rPr lang="en-US" smtClean="0"/>
+              <a:rPr lang="en-US"/>
               <a:t>Fifth level</a:t>
             </a:r>
             <a:endParaRPr lang="en-US" dirty="0"/>
@@ -3416,7 +3334,7 @@
               <a:pPr>
                 <a:defRPr/>
               </a:pPr>
-              <a:t>8/18/2016</a:t>
+              <a:t>9/10/2019</a:t>
             </a:fld>
             <a:endParaRPr lang="en-US"/>
           </a:p>
@@ -3499,13 +3417,6 @@
   <p:clrMapOvr>
     <a:masterClrMapping/>
   </p:clrMapOvr>
-  <p:timing>
-    <p:tnLst>
-      <p:par>
-        <p:cTn id="1" dur="indefinite" restart="never" nodeType="tmRoot"/>
-      </p:par>
-    </p:tnLst>
-  </p:timing>
 </p:sldLayout>
 </file>
 
@@ -3546,7 +3457,7 @@
           </a:lstStyle>
           <a:p>
             <a:r>
-              <a:rPr lang="en-US" smtClean="0"/>
+              <a:rPr lang="en-US"/>
               <a:t>Click to edit Master title style</a:t>
             </a:r>
             <a:endParaRPr lang="en-US" dirty="0"/>
@@ -3612,7 +3523,7 @@
           <a:p>
             <a:pPr lvl="0"/>
             <a:r>
-              <a:rPr lang="en-US" smtClean="0"/>
+              <a:rPr lang="en-US"/>
               <a:t>Click to edit Master text styles</a:t>
             </a:r>
           </a:p>
@@ -3668,35 +3579,35 @@
           <a:p>
             <a:pPr lvl="0"/>
             <a:r>
-              <a:rPr lang="en-US" smtClean="0"/>
+              <a:rPr lang="en-US"/>
               <a:t>Click to edit Master text styles</a:t>
             </a:r>
           </a:p>
           <a:p>
             <a:pPr lvl="1"/>
             <a:r>
-              <a:rPr lang="en-US" smtClean="0"/>
+              <a:rPr lang="en-US"/>
               <a:t>Second level</a:t>
             </a:r>
           </a:p>
           <a:p>
             <a:pPr lvl="2"/>
             <a:r>
-              <a:rPr lang="en-US" smtClean="0"/>
+              <a:rPr lang="en-US"/>
               <a:t>Third level</a:t>
             </a:r>
           </a:p>
           <a:p>
             <a:pPr lvl="3"/>
             <a:r>
-              <a:rPr lang="en-US" smtClean="0"/>
+              <a:rPr lang="en-US"/>
               <a:t>Fourth level</a:t>
             </a:r>
           </a:p>
           <a:p>
             <a:pPr lvl="4"/>
             <a:r>
-              <a:rPr lang="en-US" smtClean="0"/>
+              <a:rPr lang="en-US"/>
               <a:t>Fifth level</a:t>
             </a:r>
             <a:endParaRPr lang="en-US" dirty="0"/>
@@ -3762,7 +3673,7 @@
           <a:p>
             <a:pPr lvl="0"/>
             <a:r>
-              <a:rPr lang="en-US" smtClean="0"/>
+              <a:rPr lang="en-US"/>
               <a:t>Click to edit Master text styles</a:t>
             </a:r>
           </a:p>
@@ -3818,35 +3729,35 @@
           <a:p>
             <a:pPr lvl="0"/>
             <a:r>
-              <a:rPr lang="en-US" smtClean="0"/>
+              <a:rPr lang="en-US"/>
               <a:t>Click to edit Master text styles</a:t>
             </a:r>
           </a:p>
           <a:p>
             <a:pPr lvl="1"/>
             <a:r>
-              <a:rPr lang="en-US" smtClean="0"/>
+              <a:rPr lang="en-US"/>
               <a:t>Second level</a:t>
             </a:r>
           </a:p>
           <a:p>
             <a:pPr lvl="2"/>
             <a:r>
-              <a:rPr lang="en-US" smtClean="0"/>
+              <a:rPr lang="en-US"/>
               <a:t>Third level</a:t>
             </a:r>
           </a:p>
           <a:p>
             <a:pPr lvl="3"/>
             <a:r>
-              <a:rPr lang="en-US" smtClean="0"/>
+              <a:rPr lang="en-US"/>
               <a:t>Fourth level</a:t>
             </a:r>
           </a:p>
           <a:p>
             <a:pPr lvl="4"/>
             <a:r>
-              <a:rPr lang="en-US" smtClean="0"/>
+              <a:rPr lang="en-US"/>
               <a:t>Fifth level</a:t>
             </a:r>
             <a:endParaRPr lang="en-US" dirty="0"/>
@@ -3906,7 +3817,7 @@
               <a:pPr>
                 <a:defRPr/>
               </a:pPr>
-              <a:t>8/18/2016</a:t>
+              <a:t>9/10/2019</a:t>
             </a:fld>
             <a:endParaRPr lang="en-US"/>
           </a:p>
@@ -3989,13 +3900,6 @@
   <p:clrMapOvr>
     <a:masterClrMapping/>
   </p:clrMapOvr>
-  <p:timing>
-    <p:tnLst>
-      <p:par>
-        <p:cTn id="1" dur="indefinite" restart="never" nodeType="tmRoot"/>
-      </p:par>
-    </p:tnLst>
-  </p:timing>
 </p:sldLayout>
 </file>
 
@@ -4036,7 +3940,7 @@
           </a:lstStyle>
           <a:p>
             <a:r>
-              <a:rPr lang="en-US" smtClean="0"/>
+              <a:rPr lang="en-US"/>
               <a:t>Click to edit Master title style</a:t>
             </a:r>
             <a:endParaRPr lang="en-US" dirty="0"/>
@@ -4146,13 +4050,6 @@
   <p:clrMapOvr>
     <a:masterClrMapping/>
   </p:clrMapOvr>
-  <p:timing>
-    <p:tnLst>
-      <p:par>
-        <p:cTn id="1" dur="indefinite" restart="never" nodeType="tmRoot"/>
-      </p:par>
-    </p:tnLst>
-  </p:timing>
 </p:sldLayout>
 </file>
 
@@ -4226,7 +4123,7 @@
               <a:pPr>
                 <a:defRPr/>
               </a:pPr>
-              <a:t>8/18/2016</a:t>
+              <a:t>9/10/2019</a:t>
             </a:fld>
             <a:endParaRPr lang="en-US"/>
           </a:p>
@@ -4309,13 +4206,6 @@
   <p:clrMapOvr>
     <a:masterClrMapping/>
   </p:clrMapOvr>
-  <p:timing>
-    <p:tnLst>
-      <p:par>
-        <p:cTn id="1" dur="indefinite" restart="never" nodeType="tmRoot"/>
-      </p:par>
-    </p:tnLst>
-  </p:timing>
 </p:sldLayout>
 </file>
 
@@ -4361,7 +4251,7 @@
           </a:lstStyle>
           <a:p>
             <a:r>
-              <a:rPr lang="en-US" smtClean="0"/>
+              <a:rPr lang="en-US"/>
               <a:t>Click to edit Master title style</a:t>
             </a:r>
             <a:endParaRPr lang="en-US" dirty="0"/>
@@ -4418,35 +4308,35 @@
           <a:p>
             <a:pPr lvl="0"/>
             <a:r>
-              <a:rPr lang="en-US" smtClean="0"/>
+              <a:rPr lang="en-US"/>
               <a:t>Click to edit Master text styles</a:t>
             </a:r>
           </a:p>
           <a:p>
             <a:pPr lvl="1"/>
             <a:r>
-              <a:rPr lang="en-US" smtClean="0"/>
+              <a:rPr lang="en-US"/>
               <a:t>Second level</a:t>
             </a:r>
           </a:p>
           <a:p>
             <a:pPr lvl="2"/>
             <a:r>
-              <a:rPr lang="en-US" smtClean="0"/>
+              <a:rPr lang="en-US"/>
               <a:t>Third level</a:t>
             </a:r>
           </a:p>
           <a:p>
             <a:pPr lvl="3"/>
             <a:r>
-              <a:rPr lang="en-US" smtClean="0"/>
+              <a:rPr lang="en-US"/>
               <a:t>Fourth level</a:t>
             </a:r>
           </a:p>
           <a:p>
             <a:pPr lvl="4"/>
             <a:r>
-              <a:rPr lang="en-US" smtClean="0"/>
+              <a:rPr lang="en-US"/>
               <a:t>Fifth level</a:t>
             </a:r>
             <a:endParaRPr lang="en-US" dirty="0"/>
@@ -4512,7 +4402,7 @@
           <a:p>
             <a:pPr lvl="0"/>
             <a:r>
-              <a:rPr lang="en-US" smtClean="0"/>
+              <a:rPr lang="en-US"/>
               <a:t>Click to edit Master text styles</a:t>
             </a:r>
           </a:p>
@@ -4571,7 +4461,7 @@
               <a:pPr>
                 <a:defRPr/>
               </a:pPr>
-              <a:t>8/18/2016</a:t>
+              <a:t>9/10/2019</a:t>
             </a:fld>
             <a:endParaRPr lang="en-US"/>
           </a:p>
@@ -4654,13 +4544,6 @@
   <p:clrMapOvr>
     <a:masterClrMapping/>
   </p:clrMapOvr>
-  <p:timing>
-    <p:tnLst>
-      <p:par>
-        <p:cTn id="1" dur="indefinite" restart="never" nodeType="tmRoot"/>
-      </p:par>
-    </p:tnLst>
-  </p:timing>
 </p:sldLayout>
 </file>
 
@@ -4706,7 +4589,7 @@
           </a:lstStyle>
           <a:p>
             <a:r>
-              <a:rPr lang="en-US" smtClean="0"/>
+              <a:rPr lang="en-US"/>
               <a:t>Click to edit Master title style</a:t>
             </a:r>
             <a:endParaRPr lang="en-US" dirty="0"/>
@@ -4772,7 +4655,7 @@
           <a:p>
             <a:pPr lvl="0"/>
             <a:r>
-              <a:rPr lang="en-US" smtClean="0"/>
+              <a:rPr lang="en-US"/>
               <a:t>Click to edit Master text styles</a:t>
             </a:r>
           </a:p>
@@ -4847,13 +4730,6 @@
   <p:clrMapOvr>
     <a:masterClrMapping/>
   </p:clrMapOvr>
-  <p:timing>
-    <p:tnLst>
-      <p:par>
-        <p:cTn id="1" dur="indefinite" restart="never" nodeType="tmRoot"/>
-      </p:par>
-    </p:tnLst>
-  </p:timing>
 </p:sldLayout>
 </file>
 
@@ -4899,7 +4775,7 @@
           </a:lstStyle>
           <a:p>
             <a:r>
-              <a:rPr lang="en-US" smtClean="0"/>
+              <a:rPr lang="en-US"/>
               <a:t>Click to edit Master title style</a:t>
             </a:r>
             <a:endParaRPr lang="en-US" dirty="0"/>
@@ -4965,7 +4841,7 @@
           <a:p>
             <a:pPr lvl="0"/>
             <a:r>
-              <a:rPr lang="en-US" noProof="0" smtClean="0"/>
+              <a:rPr lang="en-US" noProof="0"/>
               <a:t>Click icon to add picture</a:t>
             </a:r>
             <a:endParaRPr lang="en-US" noProof="0" dirty="0"/>
@@ -5031,7 +4907,7 @@
           <a:p>
             <a:pPr lvl="0"/>
             <a:r>
-              <a:rPr lang="en-US" smtClean="0"/>
+              <a:rPr lang="en-US"/>
               <a:t>Click to edit Master text styles</a:t>
             </a:r>
           </a:p>
@@ -5090,7 +4966,7 @@
               <a:pPr>
                 <a:defRPr/>
               </a:pPr>
-              <a:t>8/18/2016</a:t>
+              <a:t>9/10/2019</a:t>
             </a:fld>
             <a:endParaRPr lang="en-US"/>
           </a:p>
@@ -5177,13 +5053,6 @@
   <p:clrMapOvr>
     <a:masterClrMapping/>
   </p:clrMapOvr>
-  <p:timing>
-    <p:tnLst>
-      <p:par>
-        <p:cTn id="1" dur="indefinite" restart="never" nodeType="tmRoot"/>
-      </p:par>
-    </p:tnLst>
-  </p:timing>
 </p:sldLayout>
 </file>
 
@@ -5224,7 +5093,7 @@
           </a:lstStyle>
           <a:p>
             <a:r>
-              <a:rPr lang="en-US" smtClean="0"/>
+              <a:rPr lang="en-US"/>
               <a:t>Click to edit Master title style</a:t>
             </a:r>
             <a:endParaRPr lang="en-US" dirty="0"/>
@@ -5264,35 +5133,35 @@
           <a:p>
             <a:pPr lvl="0"/>
             <a:r>
-              <a:rPr lang="en-US" smtClean="0"/>
+              <a:rPr lang="en-US"/>
               <a:t>Click to edit Master text styles</a:t>
             </a:r>
           </a:p>
           <a:p>
             <a:pPr lvl="1"/>
             <a:r>
-              <a:rPr lang="en-US" smtClean="0"/>
+              <a:rPr lang="en-US"/>
               <a:t>Second level</a:t>
             </a:r>
           </a:p>
           <a:p>
             <a:pPr lvl="2"/>
             <a:r>
-              <a:rPr lang="en-US" smtClean="0"/>
+              <a:rPr lang="en-US"/>
               <a:t>Third level</a:t>
             </a:r>
           </a:p>
           <a:p>
             <a:pPr lvl="3"/>
             <a:r>
-              <a:rPr lang="en-US" smtClean="0"/>
+              <a:rPr lang="en-US"/>
               <a:t>Fourth level</a:t>
             </a:r>
           </a:p>
           <a:p>
             <a:pPr lvl="4"/>
             <a:r>
-              <a:rPr lang="en-US" smtClean="0"/>
+              <a:rPr lang="en-US"/>
               <a:t>Fifth level</a:t>
             </a:r>
             <a:endParaRPr lang="en-US" dirty="0"/>
@@ -5352,7 +5221,7 @@
               <a:pPr>
                 <a:defRPr/>
               </a:pPr>
-              <a:t>8/18/2016</a:t>
+              <a:t>9/10/2019</a:t>
             </a:fld>
             <a:endParaRPr lang="en-US"/>
           </a:p>
@@ -5435,13 +5304,6 @@
   <p:clrMapOvr>
     <a:masterClrMapping/>
   </p:clrMapOvr>
-  <p:timing>
-    <p:tnLst>
-      <p:par>
-        <p:cTn id="1" dur="indefinite" restart="never" nodeType="tmRoot"/>
-      </p:par>
-    </p:tnLst>
-  </p:timing>
 </p:sldLayout>
 </file>
 
@@ -5487,7 +5349,7 @@
           </a:lstStyle>
           <a:p>
             <a:r>
-              <a:rPr lang="en-US" smtClean="0"/>
+              <a:rPr lang="en-US"/>
               <a:t>Click to edit Master title style</a:t>
             </a:r>
             <a:endParaRPr lang="en-US" dirty="0"/>
@@ -5532,35 +5394,35 @@
           <a:p>
             <a:pPr lvl="0"/>
             <a:r>
-              <a:rPr lang="en-US" smtClean="0"/>
+              <a:rPr lang="en-US"/>
               <a:t>Click to edit Master text styles</a:t>
             </a:r>
           </a:p>
           <a:p>
             <a:pPr lvl="1"/>
             <a:r>
-              <a:rPr lang="en-US" smtClean="0"/>
+              <a:rPr lang="en-US"/>
               <a:t>Second level</a:t>
             </a:r>
           </a:p>
           <a:p>
             <a:pPr lvl="2"/>
             <a:r>
-              <a:rPr lang="en-US" smtClean="0"/>
+              <a:rPr lang="en-US"/>
               <a:t>Third level</a:t>
             </a:r>
           </a:p>
           <a:p>
             <a:pPr lvl="3"/>
             <a:r>
-              <a:rPr lang="en-US" smtClean="0"/>
+              <a:rPr lang="en-US"/>
               <a:t>Fourth level</a:t>
             </a:r>
           </a:p>
           <a:p>
             <a:pPr lvl="4"/>
             <a:r>
-              <a:rPr lang="en-US" smtClean="0"/>
+              <a:rPr lang="en-US"/>
               <a:t>Fifth level</a:t>
             </a:r>
             <a:endParaRPr lang="en-US" dirty="0"/>
@@ -5696,13 +5558,6 @@
   <p:clrMapOvr>
     <a:masterClrMapping/>
   </p:clrMapOvr>
-  <p:timing>
-    <p:tnLst>
-      <p:par>
-        <p:cTn id="1" dur="indefinite" restart="never" nodeType="tmRoot"/>
-      </p:par>
-    </p:tnLst>
-  </p:timing>
 </p:sldLayout>
 </file>
 
@@ -5743,7 +5598,7 @@
           </a:lstStyle>
           <a:p>
             <a:r>
-              <a:rPr lang="en-US" smtClean="0"/>
+              <a:rPr lang="en-US"/>
               <a:t>Click to edit Master title style</a:t>
             </a:r>
             <a:endParaRPr lang="en-US" dirty="0"/>
@@ -5813,35 +5668,35 @@
           <a:p>
             <a:pPr lvl="0"/>
             <a:r>
-              <a:rPr lang="en-US" smtClean="0"/>
+              <a:rPr lang="en-US"/>
               <a:t>Click to edit Master text styles</a:t>
             </a:r>
           </a:p>
           <a:p>
             <a:pPr lvl="1"/>
             <a:r>
-              <a:rPr lang="en-US" smtClean="0"/>
+              <a:rPr lang="en-US"/>
               <a:t>Second level</a:t>
             </a:r>
           </a:p>
           <a:p>
             <a:pPr lvl="2"/>
             <a:r>
-              <a:rPr lang="en-US" smtClean="0"/>
+              <a:rPr lang="en-US"/>
               <a:t>Third level</a:t>
             </a:r>
           </a:p>
           <a:p>
             <a:pPr lvl="3"/>
             <a:r>
-              <a:rPr lang="en-US" smtClean="0"/>
+              <a:rPr lang="en-US"/>
               <a:t>Fourth level</a:t>
             </a:r>
           </a:p>
           <a:p>
             <a:pPr lvl="4"/>
             <a:r>
-              <a:rPr lang="en-US" smtClean="0"/>
+              <a:rPr lang="en-US"/>
               <a:t>Fifth level</a:t>
             </a:r>
             <a:endParaRPr lang="en-US" dirty="0"/>
@@ -5917,13 +5772,6 @@
   <p:clrMapOvr>
     <a:masterClrMapping/>
   </p:clrMapOvr>
-  <p:timing>
-    <p:tnLst>
-      <p:par>
-        <p:cTn id="1" dur="indefinite" restart="never" nodeType="tmRoot"/>
-      </p:par>
-    </p:tnLst>
-  </p:timing>
 </p:sldLayout>
 </file>
 
@@ -5964,7 +5812,7 @@
           </a:lstStyle>
           <a:p>
             <a:r>
-              <a:rPr lang="en-US" smtClean="0"/>
+              <a:rPr lang="en-US"/>
               <a:t>Click to edit Master title style</a:t>
             </a:r>
             <a:endParaRPr lang="en-US" dirty="0"/>
@@ -6021,35 +5869,35 @@
           <a:p>
             <a:pPr lvl="0"/>
             <a:r>
-              <a:rPr lang="en-US" smtClean="0"/>
+              <a:rPr lang="en-US"/>
               <a:t>Click to edit Master text styles</a:t>
             </a:r>
           </a:p>
           <a:p>
             <a:pPr lvl="1"/>
             <a:r>
-              <a:rPr lang="en-US" smtClean="0"/>
+              <a:rPr lang="en-US"/>
               <a:t>Second level</a:t>
             </a:r>
           </a:p>
           <a:p>
             <a:pPr lvl="2"/>
             <a:r>
-              <a:rPr lang="en-US" smtClean="0"/>
+              <a:rPr lang="en-US"/>
               <a:t>Third level</a:t>
             </a:r>
           </a:p>
           <a:p>
             <a:pPr lvl="3"/>
             <a:r>
-              <a:rPr lang="en-US" smtClean="0"/>
+              <a:rPr lang="en-US"/>
               <a:t>Fourth level</a:t>
             </a:r>
           </a:p>
           <a:p>
             <a:pPr lvl="4"/>
             <a:r>
-              <a:rPr lang="en-US" smtClean="0"/>
+              <a:rPr lang="en-US"/>
               <a:t>Fifth level</a:t>
             </a:r>
             <a:endParaRPr lang="en-US" dirty="0"/>
@@ -6106,35 +5954,35 @@
           <a:p>
             <a:pPr lvl="0"/>
             <a:r>
-              <a:rPr lang="en-US" smtClean="0"/>
+              <a:rPr lang="en-US"/>
               <a:t>Click to edit Master text styles</a:t>
             </a:r>
           </a:p>
           <a:p>
             <a:pPr lvl="1"/>
             <a:r>
-              <a:rPr lang="en-US" smtClean="0"/>
+              <a:rPr lang="en-US"/>
               <a:t>Second level</a:t>
             </a:r>
           </a:p>
           <a:p>
             <a:pPr lvl="2"/>
             <a:r>
-              <a:rPr lang="en-US" smtClean="0"/>
+              <a:rPr lang="en-US"/>
               <a:t>Third level</a:t>
             </a:r>
           </a:p>
           <a:p>
             <a:pPr lvl="3"/>
             <a:r>
-              <a:rPr lang="en-US" smtClean="0"/>
+              <a:rPr lang="en-US"/>
               <a:t>Fourth level</a:t>
             </a:r>
           </a:p>
           <a:p>
             <a:pPr lvl="4"/>
             <a:r>
-              <a:rPr lang="en-US" smtClean="0"/>
+              <a:rPr lang="en-US"/>
               <a:t>Fifth level</a:t>
             </a:r>
             <a:endParaRPr lang="en-US" dirty="0"/>
@@ -6194,7 +6042,7 @@
               <a:pPr>
                 <a:defRPr/>
               </a:pPr>
-              <a:t>8/18/2016</a:t>
+              <a:t>9/10/2019</a:t>
             </a:fld>
             <a:endParaRPr lang="en-US"/>
           </a:p>
@@ -6273,13 +6121,6 @@
   <p:clrMapOvr>
     <a:masterClrMapping/>
   </p:clrMapOvr>
-  <p:timing>
-    <p:tnLst>
-      <p:par>
-        <p:cTn id="1" dur="indefinite" restart="never" nodeType="tmRoot"/>
-      </p:par>
-    </p:tnLst>
-  </p:timing>
 </p:sldLayout>
 </file>
 
@@ -6320,7 +6161,7 @@
           </a:lstStyle>
           <a:p>
             <a:r>
-              <a:rPr lang="en-US" smtClean="0"/>
+              <a:rPr lang="en-US"/>
               <a:t>Click to edit Master title style</a:t>
             </a:r>
             <a:endParaRPr lang="en-US" dirty="0"/>
@@ -6386,7 +6227,7 @@
           <a:p>
             <a:pPr lvl="0"/>
             <a:r>
-              <a:rPr lang="en-US" smtClean="0"/>
+              <a:rPr lang="en-US"/>
               <a:t>Click to edit Master text styles</a:t>
             </a:r>
           </a:p>
@@ -6442,35 +6283,35 @@
           <a:p>
             <a:pPr lvl="0"/>
             <a:r>
-              <a:rPr lang="en-US" smtClean="0"/>
+              <a:rPr lang="en-US"/>
               <a:t>Click to edit Master text styles</a:t>
             </a:r>
           </a:p>
           <a:p>
             <a:pPr lvl="1"/>
             <a:r>
-              <a:rPr lang="en-US" smtClean="0"/>
+              <a:rPr lang="en-US"/>
               <a:t>Second level</a:t>
             </a:r>
           </a:p>
           <a:p>
             <a:pPr lvl="2"/>
             <a:r>
-              <a:rPr lang="en-US" smtClean="0"/>
+              <a:rPr lang="en-US"/>
               <a:t>Third level</a:t>
             </a:r>
           </a:p>
           <a:p>
             <a:pPr lvl="3"/>
             <a:r>
-              <a:rPr lang="en-US" smtClean="0"/>
+              <a:rPr lang="en-US"/>
               <a:t>Fourth level</a:t>
             </a:r>
           </a:p>
           <a:p>
             <a:pPr lvl="4"/>
             <a:r>
-              <a:rPr lang="en-US" smtClean="0"/>
+              <a:rPr lang="en-US"/>
               <a:t>Fifth level</a:t>
             </a:r>
             <a:endParaRPr lang="en-US" dirty="0"/>
@@ -6536,7 +6377,7 @@
           <a:p>
             <a:pPr lvl="0"/>
             <a:r>
-              <a:rPr lang="en-US" smtClean="0"/>
+              <a:rPr lang="en-US"/>
               <a:t>Click to edit Master text styles</a:t>
             </a:r>
           </a:p>
@@ -6592,35 +6433,35 @@
           <a:p>
             <a:pPr lvl="0"/>
             <a:r>
-              <a:rPr lang="en-US" smtClean="0"/>
+              <a:rPr lang="en-US"/>
               <a:t>Click to edit Master text styles</a:t>
             </a:r>
           </a:p>
           <a:p>
             <a:pPr lvl="1"/>
             <a:r>
-              <a:rPr lang="en-US" smtClean="0"/>
+              <a:rPr lang="en-US"/>
               <a:t>Second level</a:t>
             </a:r>
           </a:p>
           <a:p>
             <a:pPr lvl="2"/>
             <a:r>
-              <a:rPr lang="en-US" smtClean="0"/>
+              <a:rPr lang="en-US"/>
               <a:t>Third level</a:t>
             </a:r>
           </a:p>
           <a:p>
             <a:pPr lvl="3"/>
             <a:r>
-              <a:rPr lang="en-US" smtClean="0"/>
+              <a:rPr lang="en-US"/>
               <a:t>Fourth level</a:t>
             </a:r>
           </a:p>
           <a:p>
             <a:pPr lvl="4"/>
             <a:r>
-              <a:rPr lang="en-US" smtClean="0"/>
+              <a:rPr lang="en-US"/>
               <a:t>Fifth level</a:t>
             </a:r>
             <a:endParaRPr lang="en-US" dirty="0"/>
@@ -6680,7 +6521,7 @@
               <a:pPr>
                 <a:defRPr/>
               </a:pPr>
-              <a:t>8/18/2016</a:t>
+              <a:t>9/10/2019</a:t>
             </a:fld>
             <a:endParaRPr lang="en-US"/>
           </a:p>
@@ -6759,13 +6600,6 @@
   <p:clrMapOvr>
     <a:masterClrMapping/>
   </p:clrMapOvr>
-  <p:timing>
-    <p:tnLst>
-      <p:par>
-        <p:cTn id="1" dur="indefinite" restart="never" nodeType="tmRoot"/>
-      </p:par>
-    </p:tnLst>
-  </p:timing>
 </p:sldLayout>
 </file>
 
@@ -6806,7 +6640,7 @@
           </a:lstStyle>
           <a:p>
             <a:r>
-              <a:rPr lang="en-US" smtClean="0"/>
+              <a:rPr lang="en-US"/>
               <a:t>Click to edit Master title style</a:t>
             </a:r>
             <a:endParaRPr lang="en-US" dirty="0"/>
@@ -6912,13 +6746,6 @@
   <p:clrMapOvr>
     <a:masterClrMapping/>
   </p:clrMapOvr>
-  <p:timing>
-    <p:tnLst>
-      <p:par>
-        <p:cTn id="1" dur="indefinite" restart="never" nodeType="tmRoot"/>
-      </p:par>
-    </p:tnLst>
-  </p:timing>
 </p:sldLayout>
 </file>
 
@@ -6992,7 +6819,7 @@
               <a:pPr>
                 <a:defRPr/>
               </a:pPr>
-              <a:t>8/18/2016</a:t>
+              <a:t>9/10/2019</a:t>
             </a:fld>
             <a:endParaRPr lang="en-US"/>
           </a:p>
@@ -7071,13 +6898,6 @@
   <p:clrMapOvr>
     <a:masterClrMapping/>
   </p:clrMapOvr>
-  <p:timing>
-    <p:tnLst>
-      <p:par>
-        <p:cTn id="1" dur="indefinite" restart="never" nodeType="tmRoot"/>
-      </p:par>
-    </p:tnLst>
-  </p:timing>
 </p:sldLayout>
 </file>
 
@@ -7123,7 +6943,7 @@
           </a:lstStyle>
           <a:p>
             <a:r>
-              <a:rPr lang="en-US" smtClean="0"/>
+              <a:rPr lang="en-US"/>
               <a:t>Click to edit Master title style</a:t>
             </a:r>
             <a:endParaRPr lang="en-US" dirty="0"/>
@@ -7180,35 +7000,35 @@
           <a:p>
             <a:pPr lvl="0"/>
             <a:r>
-              <a:rPr lang="en-US" smtClean="0"/>
+              <a:rPr lang="en-US"/>
               <a:t>Click to edit Master text styles</a:t>
             </a:r>
           </a:p>
           <a:p>
             <a:pPr lvl="1"/>
             <a:r>
-              <a:rPr lang="en-US" smtClean="0"/>
+              <a:rPr lang="en-US"/>
               <a:t>Second level</a:t>
             </a:r>
           </a:p>
           <a:p>
             <a:pPr lvl="2"/>
             <a:r>
-              <a:rPr lang="en-US" smtClean="0"/>
+              <a:rPr lang="en-US"/>
               <a:t>Third level</a:t>
             </a:r>
           </a:p>
           <a:p>
             <a:pPr lvl="3"/>
             <a:r>
-              <a:rPr lang="en-US" smtClean="0"/>
+              <a:rPr lang="en-US"/>
               <a:t>Fourth level</a:t>
             </a:r>
           </a:p>
           <a:p>
             <a:pPr lvl="4"/>
             <a:r>
-              <a:rPr lang="en-US" smtClean="0"/>
+              <a:rPr lang="en-US"/>
               <a:t>Fifth level</a:t>
             </a:r>
             <a:endParaRPr lang="en-US" dirty="0"/>
@@ -7274,7 +7094,7 @@
           <a:p>
             <a:pPr lvl="0"/>
             <a:r>
-              <a:rPr lang="en-US" smtClean="0"/>
+              <a:rPr lang="en-US"/>
               <a:t>Click to edit Master text styles</a:t>
             </a:r>
           </a:p>
@@ -7333,7 +7153,7 @@
               <a:pPr>
                 <a:defRPr/>
               </a:pPr>
-              <a:t>8/18/2016</a:t>
+              <a:t>9/10/2019</a:t>
             </a:fld>
             <a:endParaRPr lang="en-US"/>
           </a:p>
@@ -7412,13 +7232,6 @@
   <p:clrMapOvr>
     <a:masterClrMapping/>
   </p:clrMapOvr>
-  <p:timing>
-    <p:tnLst>
-      <p:par>
-        <p:cTn id="1" dur="indefinite" restart="never" nodeType="tmRoot"/>
-      </p:par>
-    </p:tnLst>
-  </p:timing>
 </p:sldLayout>
 </file>
 
@@ -7464,7 +7277,7 @@
           </a:lstStyle>
           <a:p>
             <a:r>
-              <a:rPr lang="en-US" smtClean="0"/>
+              <a:rPr lang="en-US"/>
               <a:t>Click to edit Master title style</a:t>
             </a:r>
             <a:endParaRPr lang="en-US" dirty="0"/>
@@ -7530,7 +7343,7 @@
           <a:p>
             <a:pPr lvl="0"/>
             <a:r>
-              <a:rPr lang="en-US" noProof="0" smtClean="0"/>
+              <a:rPr lang="en-US" noProof="0"/>
               <a:t>Click icon to add picture</a:t>
             </a:r>
             <a:endParaRPr lang="en-US" noProof="0" dirty="0"/>
@@ -7596,7 +7409,7 @@
           <a:p>
             <a:pPr lvl="0"/>
             <a:r>
-              <a:rPr lang="en-US" smtClean="0"/>
+              <a:rPr lang="en-US"/>
               <a:t>Click to edit Master text styles</a:t>
             </a:r>
           </a:p>
@@ -7655,7 +7468,7 @@
               <a:pPr>
                 <a:defRPr/>
               </a:pPr>
-              <a:t>8/18/2016</a:t>
+              <a:t>9/10/2019</a:t>
             </a:fld>
             <a:endParaRPr lang="en-US"/>
           </a:p>
@@ -7738,13 +7551,6 @@
   <p:clrMapOvr>
     <a:masterClrMapping/>
   </p:clrMapOvr>
-  <p:timing>
-    <p:tnLst>
-      <p:par>
-        <p:cTn id="1" dur="indefinite" restart="never" nodeType="tmRoot"/>
-      </p:par>
-    </p:tnLst>
-  </p:timing>
 </p:sldLayout>
 </file>
 
@@ -7809,7 +7615,7 @@
           <a:p>
             <a:pPr lvl="0"/>
             <a:r>
-              <a:rPr lang="en-US" dirty="0" smtClean="0"/>
+              <a:rPr lang="en-US" dirty="0"/>
               <a:t>Click to edit Master title style</a:t>
             </a:r>
           </a:p>
@@ -7851,35 +7657,35 @@
           <a:p>
             <a:pPr lvl="0"/>
             <a:r>
-              <a:rPr lang="en-US" dirty="0" smtClean="0"/>
+              <a:rPr lang="en-US" dirty="0"/>
               <a:t>Click to edit Master text styles</a:t>
             </a:r>
           </a:p>
           <a:p>
             <a:pPr lvl="1"/>
             <a:r>
-              <a:rPr lang="en-US" dirty="0" smtClean="0"/>
+              <a:rPr lang="en-US" dirty="0"/>
               <a:t>Second level</a:t>
             </a:r>
           </a:p>
           <a:p>
             <a:pPr lvl="2"/>
             <a:r>
-              <a:rPr lang="en-US" dirty="0" smtClean="0"/>
+              <a:rPr lang="en-US" dirty="0"/>
               <a:t>Third level</a:t>
             </a:r>
           </a:p>
           <a:p>
             <a:pPr lvl="3"/>
             <a:r>
-              <a:rPr lang="en-US" dirty="0" smtClean="0"/>
+              <a:rPr lang="en-US" dirty="0"/>
               <a:t>Fourth level</a:t>
             </a:r>
           </a:p>
           <a:p>
             <a:pPr lvl="4"/>
             <a:r>
-              <a:rPr lang="en-US" dirty="0" smtClean="0"/>
+              <a:rPr lang="en-US" dirty="0"/>
               <a:t>Fifth level</a:t>
             </a:r>
           </a:p>
@@ -8058,7 +7864,7 @@
               <a:buNone/>
               <a:tabLst/>
             </a:pPr>
-            <a:endParaRPr kumimoji="0" lang="en-US" sz="1800" b="0" i="0" u="none" strike="noStrike" cap="none" normalizeH="0" baseline="0" smtClean="0">
+            <a:endParaRPr kumimoji="0" lang="en-US" sz="1800" b="0" i="0" u="none" strike="noStrike" cap="none" normalizeH="0" baseline="0">
               <a:ln>
                 <a:solidFill>
                   <a:srgbClr val="66CCFF"/>
@@ -8094,13 +7900,6 @@
     <p:sldLayoutId id="2147484071" r:id="rId10"/>
     <p:sldLayoutId id="2147484072" r:id="rId11"/>
   </p:sldLayoutIdLst>
-  <p:timing>
-    <p:tnLst>
-      <p:par>
-        <p:cTn id="1" dur="indefinite" restart="never" nodeType="tmRoot"/>
-      </p:par>
-    </p:tnLst>
-  </p:timing>
   <p:hf hdr="0" ftr="0" dt="0"/>
   <p:txStyles>
     <p:titleStyle>
@@ -8577,7 +8376,7 @@
           <a:p>
             <a:pPr lvl="0"/>
             <a:r>
-              <a:rPr lang="en-US" dirty="0" smtClean="0"/>
+              <a:rPr lang="en-US" dirty="0"/>
               <a:t>Click to edit Master title style</a:t>
             </a:r>
           </a:p>
@@ -8619,35 +8418,35 @@
           <a:p>
             <a:pPr lvl="0"/>
             <a:r>
-              <a:rPr lang="en-US" dirty="0" smtClean="0"/>
+              <a:rPr lang="en-US" dirty="0"/>
               <a:t>Click to edit Master text styles</a:t>
             </a:r>
           </a:p>
           <a:p>
             <a:pPr lvl="1"/>
             <a:r>
-              <a:rPr lang="en-US" dirty="0" smtClean="0"/>
+              <a:rPr lang="en-US" dirty="0"/>
               <a:t>Second level</a:t>
             </a:r>
           </a:p>
           <a:p>
             <a:pPr lvl="2"/>
             <a:r>
-              <a:rPr lang="en-US" dirty="0" smtClean="0"/>
+              <a:rPr lang="en-US" dirty="0"/>
               <a:t>Third level</a:t>
             </a:r>
           </a:p>
           <a:p>
             <a:pPr lvl="3"/>
             <a:r>
-              <a:rPr lang="en-US" dirty="0" smtClean="0"/>
+              <a:rPr lang="en-US" dirty="0"/>
               <a:t>Fourth level</a:t>
             </a:r>
           </a:p>
           <a:p>
             <a:pPr lvl="4"/>
             <a:r>
-              <a:rPr lang="en-US" dirty="0" smtClean="0"/>
+              <a:rPr lang="en-US" dirty="0"/>
               <a:t>Fifth level</a:t>
             </a:r>
           </a:p>
@@ -8810,7 +8609,7 @@
           </a:bodyPr>
           <a:lstStyle/>
           <a:p>
-            <a:endParaRPr lang="en-US" smtClean="0">
+            <a:endParaRPr lang="en-US">
               <a:ln>
                 <a:solidFill>
                   <a:srgbClr val="66CCFF"/>
@@ -8845,13 +8644,6 @@
     <p:sldLayoutId id="2147484084" r:id="rId10"/>
     <p:sldLayoutId id="2147484085" r:id="rId11"/>
   </p:sldLayoutIdLst>
-  <p:timing>
-    <p:tnLst>
-      <p:par>
-        <p:cTn id="1" dur="indefinite" restart="never" nodeType="tmRoot"/>
-      </p:par>
-    </p:tnLst>
-  </p:timing>
   <p:hf hdr="0" ftr="0" dt="0"/>
   <p:txStyles>
     <p:titleStyle>
@@ -9305,7 +9097,7 @@
           <a:lstStyle/>
           <a:p>
             <a:r>
-              <a:rPr lang="en-US" sz="2800" b="0" dirty="0" smtClean="0">
+              <a:rPr lang="en-US" sz="2800" b="0" dirty="0">
                 <a:solidFill>
                   <a:schemeClr val="accent4">
                     <a:lumMod val="75000"/>
@@ -9315,12 +9107,8 @@
               <a:t>BCUS101</a:t>
             </a:r>
             <a:r>
-              <a:rPr lang="en-US" sz="2800" b="0" dirty="0" smtClean="0"/>
-              <a:t> – Uncertainty Analysis Tutorial</a:t>
-            </a:r>
-            <a:r>
               <a:rPr lang="en-US" sz="2800" b="0" dirty="0"/>
-              <a:t> </a:t>
+              <a:t> – Uncertainty Analysis Tutorial </a:t>
             </a:r>
           </a:p>
         </p:txBody>
@@ -9356,18 +9144,7 @@
                   </a:srgbClr>
                 </a:solidFill>
               </a:rPr>
-              <a:t>A Integrated Workflow to </a:t>
-            </a:r>
-            <a:r>
-              <a:rPr lang="en-US" sz="1600" dirty="0" smtClean="0">
-                <a:solidFill>
-                  <a:srgbClr val="1F497D">
-                    <a:lumMod val="60000"/>
-                    <a:lumOff val="40000"/>
-                  </a:srgbClr>
-                </a:solidFill>
-              </a:rPr>
-              <a:t>Perform BCUS</a:t>
+              <a:t>A Integrated Workflow to Perform BCUS</a:t>
             </a:r>
             <a:endParaRPr lang="en-US" sz="1600" b="1" dirty="0">
               <a:solidFill>
@@ -9456,19 +9233,11 @@
               </a:rPr>
               <a:t>ensitivity Analysis </a:t>
             </a:r>
-            <a:endParaRPr lang="en-US" sz="1600" dirty="0" smtClean="0">
-              <a:solidFill>
-                <a:srgbClr val="1F497D">
-                  <a:lumMod val="60000"/>
-                  <a:lumOff val="40000"/>
-                </a:srgbClr>
-              </a:solidFill>
-            </a:endParaRPr>
           </a:p>
           <a:p>
             <a:pPr algn="r"/>
             <a:r>
-              <a:rPr lang="en-US" sz="1600" dirty="0" smtClean="0">
+              <a:rPr lang="en-US" sz="1600" dirty="0">
                 <a:solidFill>
                   <a:srgbClr val="1F497D">
                     <a:lumMod val="60000"/>
@@ -9476,38 +9245,8 @@
                   </a:srgbClr>
                 </a:solidFill>
               </a:rPr>
-              <a:t>on </a:t>
-            </a:r>
-            <a:r>
-              <a:rPr lang="en-US" sz="1600" dirty="0">
-                <a:solidFill>
-                  <a:srgbClr val="1F497D">
-                    <a:lumMod val="60000"/>
-                    <a:lumOff val="40000"/>
-                  </a:srgbClr>
-                </a:solidFill>
-              </a:rPr>
-              <a:t>OpenStudio </a:t>
-            </a:r>
-            <a:r>
-              <a:rPr lang="en-US" sz="1600" dirty="0" smtClean="0">
-                <a:solidFill>
-                  <a:srgbClr val="1F497D">
-                    <a:lumMod val="60000"/>
-                    <a:lumOff val="40000"/>
-                  </a:srgbClr>
-                </a:solidFill>
-              </a:rPr>
-              <a:t>Models</a:t>
-            </a:r>
-            <a:endParaRPr lang="en-US" sz="1600" dirty="0">
-              <a:solidFill>
-                <a:srgbClr val="1F497D">
-                  <a:lumMod val="60000"/>
-                  <a:lumOff val="40000"/>
-                </a:srgbClr>
-              </a:solidFill>
-            </a:endParaRPr>
+              <a:t>on OpenStudio Models</a:t>
+            </a:r>
           </a:p>
           <a:p>
             <a:pPr algn="r"/>
@@ -9520,18 +9259,13 @@
           <a:p>
             <a:pPr algn="r"/>
             <a:r>
-              <a:rPr lang="en-US" sz="1600" i="1" dirty="0" smtClean="0">
+              <a:rPr lang="en-US" sz="1600" i="1" dirty="0">
                 <a:solidFill>
                   <a:srgbClr val="000000"/>
                 </a:solidFill>
               </a:rPr>
-              <a:t>July. 2016</a:t>
-            </a:r>
-            <a:endParaRPr lang="en-US" sz="1600" i="1" dirty="0">
-              <a:solidFill>
-                <a:srgbClr val="000000"/>
-              </a:solidFill>
-            </a:endParaRPr>
+              <a:t>September 2019</a:t>
+            </a:r>
           </a:p>
         </p:txBody>
       </p:sp>
@@ -9574,13 +9308,6 @@
   <p:clrMapOvr>
     <a:masterClrMapping/>
   </p:clrMapOvr>
-  <p:timing>
-    <p:tnLst>
-      <p:par>
-        <p:cTn id="1" dur="indefinite" restart="never" nodeType="tmRoot"/>
-      </p:par>
-    </p:tnLst>
-  </p:timing>
 </p:sld>
 </file>
 
@@ -9647,12 +9374,8 @@
           <a:lstStyle/>
           <a:p>
             <a:r>
-              <a:rPr lang="en-US" dirty="0" smtClean="0"/>
-              <a:t>Step 2</a:t>
-            </a:r>
-            <a:r>
               <a:rPr lang="en-US" dirty="0"/>
-              <a:t>: Check the parameter UQ-Repository</a:t>
+              <a:t>Step 2: Check the parameter UQ-Repository</a:t>
             </a:r>
             <a:br>
               <a:rPr lang="en-US" dirty="0"/>
@@ -9682,20 +9405,16 @@
           <a:lstStyle/>
           <a:p>
             <a:r>
-              <a:rPr lang="en-US" sz="1600" dirty="0" smtClean="0"/>
+              <a:rPr lang="en-US" sz="1600" dirty="0"/>
               <a:t>Turn</a:t>
             </a:r>
             <a:r>
-              <a:rPr lang="zh-CN" altLang="en-US" sz="1600" dirty="0" smtClean="0"/>
+              <a:rPr lang="zh-CN" altLang="en-US" sz="1600" dirty="0"/>
               <a:t> </a:t>
             </a:r>
             <a:r>
-              <a:rPr lang="en-US" altLang="zh-CN" sz="1600" dirty="0" smtClean="0"/>
-              <a:t>on the </a:t>
-            </a:r>
-            <a:r>
               <a:rPr lang="en-US" altLang="zh-CN" sz="1600" dirty="0"/>
-              <a:t>parameters </a:t>
+              <a:t>on the parameters </a:t>
             </a:r>
             <a:r>
               <a:rPr lang="en-US" sz="1600" dirty="0">
@@ -9703,46 +9422,22 @@
                   <a:srgbClr val="000000"/>
                 </a:solidFill>
               </a:rPr>
-              <a:t>which you want to investigate </a:t>
-            </a:r>
-            <a:r>
-              <a:rPr lang="en-US" sz="1600" dirty="0" smtClean="0">
-                <a:solidFill>
-                  <a:srgbClr val="000000"/>
+              <a:t>which you want to investigate in the uncertainty analysis </a:t>
+            </a:r>
+            <a:r>
+              <a:rPr lang="en-US" altLang="zh-CN" sz="1600" dirty="0"/>
+              <a:t>in the </a:t>
+            </a:r>
+            <a:r>
+              <a:rPr lang="en-US" altLang="zh-CN" sz="1600" dirty="0">
+                <a:solidFill>
+                  <a:srgbClr val="C00000"/>
                 </a:solidFill>
               </a:rPr>
-              <a:t>in the uncertainty analysis </a:t>
-            </a:r>
-            <a:r>
-              <a:rPr lang="en-US" altLang="zh-CN" sz="1600" dirty="0" smtClean="0"/>
-              <a:t>in the </a:t>
-            </a:r>
-            <a:r>
-              <a:rPr lang="en-US" altLang="zh-CN" sz="1600" dirty="0" smtClean="0">
-                <a:solidFill>
-                  <a:srgbClr val="C00000"/>
-                </a:solidFill>
-              </a:rPr>
-              <a:t>Parameter </a:t>
-            </a:r>
-            <a:r>
-              <a:rPr lang="en-US" altLang="zh-CN" sz="1600" dirty="0">
-                <a:solidFill>
-                  <a:srgbClr val="C00000"/>
-                </a:solidFill>
-              </a:rPr>
-              <a:t>UQ Repository </a:t>
-            </a:r>
-            <a:r>
-              <a:rPr lang="en-US" altLang="zh-CN" sz="1600" dirty="0" smtClean="0">
-                <a:solidFill>
-                  <a:srgbClr val="C00000"/>
-                </a:solidFill>
-              </a:rPr>
-              <a:t>V1.0.xlsx</a:t>
-            </a:r>
-            <a:r>
-              <a:rPr lang="en-US" sz="1600" dirty="0" smtClean="0">
+              <a:t>Parameter_UQ_Repository_V1.0.xlsx</a:t>
+            </a:r>
+            <a:r>
+              <a:rPr lang="en-US" sz="1600" dirty="0">
                 <a:solidFill>
                   <a:srgbClr val="C00000"/>
                 </a:solidFill>
@@ -9750,23 +9445,23 @@
               <a:t> </a:t>
             </a:r>
             <a:r>
-              <a:rPr lang="en-US" sz="1600" dirty="0" smtClean="0">
+              <a:rPr lang="en-US" sz="1600" dirty="0">
                 <a:solidFill>
                   <a:srgbClr val="000000"/>
                 </a:solidFill>
               </a:rPr>
               <a:t>file.</a:t>
             </a:r>
-            <a:endParaRPr lang="en-US" sz="1600" dirty="0" smtClean="0"/>
-          </a:p>
-          <a:p>
-            <a:r>
-              <a:rPr lang="en-US" sz="1600" dirty="0" smtClean="0"/>
+            <a:endParaRPr lang="en-US" sz="1600" dirty="0"/>
+          </a:p>
+          <a:p>
+            <a:r>
+              <a:rPr lang="en-US" sz="1600" dirty="0"/>
               <a:t>Leave the other setting as default unless you have the confidence in the knowledge you have on a specific parameter. </a:t>
             </a:r>
           </a:p>
           <a:p>
-            <a:endParaRPr lang="en-US" sz="1600" dirty="0" smtClean="0">
+            <a:endParaRPr lang="en-US" sz="1600" dirty="0">
               <a:solidFill>
                 <a:srgbClr val="C00000"/>
               </a:solidFill>
@@ -10247,13 +9942,6 @@
   <p:clrMapOvr>
     <a:masterClrMapping/>
   </p:clrMapOvr>
-  <p:timing>
-    <p:tnLst>
-      <p:par>
-        <p:cTn id="1" dur="indefinite" restart="never" nodeType="tmRoot"/>
-      </p:par>
-    </p:tnLst>
-  </p:timing>
 </p:sld>
 </file>
 
@@ -10290,12 +9978,8 @@
           <a:lstStyle/>
           <a:p>
             <a:r>
-              <a:rPr lang="en-US" dirty="0" smtClean="0"/>
-              <a:t>Step 3</a:t>
-            </a:r>
-            <a:r>
               <a:rPr lang="en-US" dirty="0"/>
-              <a:t>: Outputs and Report Frequency Settings</a:t>
+              <a:t>Step 3: Outputs and Report Frequency Settings</a:t>
             </a:r>
             <a:br>
               <a:rPr lang="en-US" dirty="0"/>
@@ -10328,42 +10012,21 @@
               <a:buNone/>
             </a:pPr>
             <a:r>
-              <a:rPr lang="en-US" sz="1600" dirty="0" smtClean="0"/>
+              <a:rPr lang="en-US" sz="1600" dirty="0"/>
               <a:t>Use </a:t>
             </a:r>
             <a:r>
-              <a:rPr lang="en-US" sz="1600" dirty="0" smtClean="0">
+              <a:rPr lang="en-US" sz="1600" dirty="0">
                 <a:solidFill>
                   <a:srgbClr val="C00000"/>
                 </a:solidFill>
               </a:rPr>
-              <a:t>Simulation </a:t>
-            </a:r>
-            <a:r>
-              <a:rPr lang="en-US" sz="1600" dirty="0">
-                <a:solidFill>
-                  <a:srgbClr val="C00000"/>
-                </a:solidFill>
-              </a:rPr>
-              <a:t>Output </a:t>
-            </a:r>
-            <a:r>
-              <a:rPr lang="en-US" sz="1600" dirty="0" smtClean="0">
-                <a:solidFill>
-                  <a:srgbClr val="C00000"/>
-                </a:solidFill>
-              </a:rPr>
-              <a:t>Settings.xlsx </a:t>
+              <a:t>Simulation_Output_Settings.xlsx </a:t>
             </a:r>
             <a:r>
               <a:rPr lang="en-US" sz="1600" dirty="0"/>
-              <a:t>to setup simulation </a:t>
-            </a:r>
-            <a:r>
-              <a:rPr lang="en-US" sz="1600" dirty="0" smtClean="0"/>
-              <a:t>outputs:</a:t>
-            </a:r>
-            <a:endParaRPr lang="en-US" sz="1600" dirty="0"/>
+              <a:t>to setup simulation outputs:</a:t>
+            </a:r>
           </a:p>
           <a:p>
             <a:pPr lvl="2"/>
@@ -10372,7 +10035,7 @@
               <a:t>Navigate to the </a:t>
             </a:r>
             <a:r>
-              <a:rPr lang="en-US" sz="1600" dirty="0" err="1" smtClean="0">
+              <a:rPr lang="en-US" sz="1600" dirty="0" err="1">
                 <a:solidFill>
                   <a:srgbClr val="C00000"/>
                 </a:solidFill>
@@ -10380,18 +10043,9 @@
               <a:t>TotalEnergy</a:t>
             </a:r>
             <a:r>
-              <a:rPr lang="en-US" sz="1600" dirty="0" smtClean="0"/>
-              <a:t> </a:t>
-            </a:r>
-            <a:r>
               <a:rPr lang="en-US" sz="1600" dirty="0"/>
-              <a:t>tab to add total energy output variables using </a:t>
-            </a:r>
-            <a:r>
-              <a:rPr lang="en-US" sz="1600" dirty="0" smtClean="0"/>
-              <a:t>the dropdown list</a:t>
-            </a:r>
-            <a:endParaRPr lang="en-US" sz="1600" dirty="0"/>
+              <a:t> tab to add total energy output variables using the dropdown list</a:t>
+            </a:r>
           </a:p>
           <a:p>
             <a:pPr lvl="2"/>
@@ -10400,7 +10054,7 @@
               <a:t>Navigate to the </a:t>
             </a:r>
             <a:r>
-              <a:rPr lang="en-US" sz="1600" dirty="0" smtClean="0">
+              <a:rPr lang="en-US" sz="1600" dirty="0">
                 <a:solidFill>
                   <a:srgbClr val="C00000"/>
                 </a:solidFill>
@@ -10408,55 +10062,25 @@
               <a:t>Meters</a:t>
             </a:r>
             <a:r>
-              <a:rPr lang="en-US" sz="1600" dirty="0" smtClean="0"/>
-              <a:t> </a:t>
-            </a:r>
-            <a:r>
               <a:rPr lang="en-US" sz="1600" dirty="0"/>
-              <a:t>tab to add </a:t>
-            </a:r>
-            <a:r>
-              <a:rPr lang="en-US" sz="1600" dirty="0" smtClean="0"/>
-              <a:t>meters </a:t>
-            </a:r>
-            <a:r>
-              <a:rPr lang="en-US" sz="1600" dirty="0"/>
-              <a:t>and </a:t>
-            </a:r>
-            <a:r>
-              <a:rPr lang="en-US" sz="1600" dirty="0" smtClean="0"/>
-              <a:t>report frequency </a:t>
-            </a:r>
-            <a:r>
-              <a:rPr lang="en-US" sz="1600" dirty="0"/>
-              <a:t>using </a:t>
-            </a:r>
-            <a:r>
-              <a:rPr lang="en-US" sz="1600" dirty="0" smtClean="0"/>
-              <a:t>the dropdown list</a:t>
-            </a:r>
-            <a:endParaRPr lang="en-US" sz="1600" dirty="0"/>
+              <a:t> tab to add meters and report frequency using the dropdown list</a:t>
+            </a:r>
           </a:p>
           <a:p>
             <a:pPr marL="457200" lvl="2" indent="0">
               <a:buNone/>
             </a:pPr>
             <a:r>
-              <a:rPr lang="en-US" sz="1600" dirty="0" smtClean="0">
+              <a:rPr lang="en-US" sz="1600" dirty="0">
                 <a:solidFill>
                   <a:srgbClr val="FF0000"/>
                 </a:solidFill>
               </a:rPr>
               <a:t>.</a:t>
             </a:r>
+          </a:p>
+          <a:p>
             <a:endParaRPr lang="en-US" sz="1600" dirty="0">
-              <a:solidFill>
-                <a:srgbClr val="FF0000"/>
-              </a:solidFill>
-            </a:endParaRPr>
-          </a:p>
-          <a:p>
-            <a:endParaRPr lang="en-US" sz="1600" dirty="0" smtClean="0">
               <a:solidFill>
                 <a:srgbClr val="C00000"/>
               </a:solidFill>
@@ -10614,13 +10238,6 @@
   <p:clrMapOvr>
     <a:masterClrMapping/>
   </p:clrMapOvr>
-  <p:timing>
-    <p:tnLst>
-      <p:par>
-        <p:cTn id="1" dur="indefinite" restart="never" nodeType="tmRoot"/>
-      </p:par>
-    </p:tnLst>
-  </p:timing>
 </p:sld>
 </file>
 
@@ -10662,12 +10279,8 @@
           <a:lstStyle/>
           <a:p>
             <a:r>
-              <a:rPr lang="en-US" sz="2400" dirty="0" smtClean="0"/>
-              <a:t>Step 4</a:t>
-            </a:r>
-            <a:r>
               <a:rPr lang="en-US" sz="2400" dirty="0"/>
-              <a:t>: Run Executable Bash Script in the Terminal</a:t>
+              <a:t>Step 4: Run Executable Bash Script in the Terminal</a:t>
             </a:r>
             <a:br>
               <a:rPr lang="en-US" sz="2400" dirty="0"/>
@@ -10697,7 +10310,7 @@
           <a:lstStyle/>
           <a:p>
             <a:r>
-              <a:rPr lang="en-US" sz="1600" dirty="0" smtClean="0"/>
+              <a:rPr lang="en-US" sz="1600" dirty="0"/>
               <a:t>Launch the Terminal in your operating system:</a:t>
             </a:r>
           </a:p>
@@ -10706,7 +10319,7 @@
               <a:buNone/>
             </a:pPr>
             <a:r>
-              <a:rPr lang="en-US" sz="1600" dirty="0" smtClean="0"/>
+              <a:rPr lang="en-US" sz="1600" dirty="0"/>
               <a:t>     For </a:t>
             </a:r>
             <a:r>
@@ -10944,7 +10557,7 @@
           </a:p>
           <a:p>
             <a:r>
-              <a:rPr lang="en-US" sz="1600" dirty="0" smtClean="0">
+              <a:rPr lang="en-US" sz="1600" dirty="0">
                 <a:solidFill>
                   <a:srgbClr val="000000"/>
                 </a:solidFill>
@@ -10962,34 +10575,18 @@
                   <a:srgbClr val="000000"/>
                 </a:solidFill>
               </a:rPr>
-              <a:t> </a:t>
-            </a:r>
-            <a:r>
-              <a:rPr lang="en-US" sz="1600" dirty="0" smtClean="0">
+              <a:t>     Click the cursor in your Terminal/</a:t>
+            </a:r>
+            <a:r>
+              <a:rPr lang="en-US" sz="1600" dirty="0" err="1">
                 <a:solidFill>
                   <a:srgbClr val="000000"/>
                 </a:solidFill>
               </a:rPr>
-              <a:t>    Click the cursor in your Terminal/</a:t>
-            </a:r>
-            <a:r>
-              <a:rPr lang="en-US" sz="1600" dirty="0" err="1">
-                <a:solidFill>
-                  <a:srgbClr val="000000"/>
-                </a:solidFill>
-              </a:rPr>
-              <a:t>c</a:t>
-            </a:r>
-            <a:r>
-              <a:rPr lang="en-US" sz="1600" dirty="0" err="1" smtClean="0">
-                <a:solidFill>
-                  <a:srgbClr val="000000"/>
-                </a:solidFill>
-              </a:rPr>
-              <a:t>md</a:t>
-            </a:r>
-            <a:r>
-              <a:rPr lang="en-US" sz="1600" dirty="0" smtClean="0">
+              <a:t>cmd</a:t>
+            </a:r>
+            <a:r>
+              <a:rPr lang="en-US" sz="1600" dirty="0">
                 <a:solidFill>
                   <a:srgbClr val="000000"/>
                 </a:solidFill>
@@ -11009,17 +10606,7 @@
                 <a:ea typeface="Courier" charset="0"/>
                 <a:cs typeface="Courier" charset="0"/>
               </a:rPr>
-              <a:t> </a:t>
-            </a:r>
-            <a:r>
-              <a:rPr lang="en-US" sz="1600" dirty="0" smtClean="0">
-                <a:solidFill>
-                  <a:srgbClr val="C00000"/>
-                </a:solidFill>
-                <a:ea typeface="Courier" charset="0"/>
-                <a:cs typeface="Courier" charset="0"/>
-              </a:rPr>
-              <a:t>    cd &lt;your project folder directory&gt;</a:t>
+              <a:t>     cd &lt;your project folder directory&gt;</a:t>
             </a:r>
           </a:p>
           <a:p>
@@ -11036,20 +10623,13 @@
               </a:rPr>
               <a:t>     For example, </a:t>
             </a:r>
-            <a:endParaRPr lang="en-US" sz="1600" dirty="0" smtClean="0">
-              <a:solidFill>
-                <a:srgbClr val="000000"/>
-              </a:solidFill>
-              <a:ea typeface="Courier" charset="0"/>
-              <a:cs typeface="Courier" charset="0"/>
-            </a:endParaRPr>
           </a:p>
           <a:p>
             <a:pPr marL="222250" lvl="1" indent="0">
               <a:buNone/>
             </a:pPr>
             <a:r>
-              <a:rPr lang="en-US" sz="1400" dirty="0" smtClean="0">
+              <a:rPr lang="en-US" sz="1400" dirty="0">
                 <a:solidFill>
                   <a:srgbClr val="C00000"/>
                 </a:solidFill>
@@ -11059,7 +10639,7 @@
               <a:t>cd /Users/username/Documents/</a:t>
             </a:r>
             <a:r>
-              <a:rPr lang="en-US" sz="1400" dirty="0" err="1" smtClean="0">
+              <a:rPr lang="en-US" sz="1400" dirty="0" err="1">
                 <a:solidFill>
                   <a:srgbClr val="C00000"/>
                 </a:solidFill>
@@ -11069,7 +10649,7 @@
               <a:t>OpenStudio</a:t>
             </a:r>
             <a:r>
-              <a:rPr lang="en-US" sz="1400" dirty="0" smtClean="0">
+              <a:rPr lang="en-US" sz="1400" dirty="0">
                 <a:solidFill>
                   <a:srgbClr val="C00000"/>
                 </a:solidFill>
@@ -11081,7 +10661,7 @@
           </a:p>
           <a:p>
             <a:r>
-              <a:rPr lang="en-US" sz="1600" dirty="0" smtClean="0">
+              <a:rPr lang="en-US" sz="1600" dirty="0">
                 <a:solidFill>
                   <a:srgbClr val="000000"/>
                 </a:solidFill>
@@ -11097,6 +10677,35 @@
               <a:rPr lang="en-US" sz="1600" dirty="0">
                 <a:solidFill>
                   <a:srgbClr val="C00000"/>
+                </a:solidFill>
+                <a:ea typeface="Courier" charset="0"/>
+                <a:cs typeface="Courier" charset="0"/>
+              </a:rPr>
+              <a:t>     Uncertainty_Analysis.bat </a:t>
+            </a:r>
+            <a:r>
+              <a:rPr lang="en-US" sz="1600" dirty="0">
+                <a:solidFill>
+                  <a:schemeClr val="bg2">
+                    <a:lumMod val="10000"/>
+                  </a:schemeClr>
+                </a:solidFill>
+                <a:ea typeface="Courier" charset="0"/>
+                <a:cs typeface="Courier" charset="0"/>
+              </a:rPr>
+              <a:t>(Windows)</a:t>
+            </a:r>
+          </a:p>
+          <a:p>
+            <a:pPr marL="0" indent="0">
+              <a:buNone/>
+            </a:pPr>
+            <a:r>
+              <a:rPr lang="en-US" sz="1600" dirty="0">
+                <a:solidFill>
+                  <a:schemeClr val="bg2">
+                    <a:lumMod val="10000"/>
+                  </a:schemeClr>
                 </a:solidFill>
                 <a:ea typeface="Courier" charset="0"/>
                 <a:cs typeface="Courier" charset="0"/>
@@ -11104,70 +10713,7 @@
               <a:t>     </a:t>
             </a:r>
             <a:r>
-              <a:rPr lang="en-US" sz="1600" dirty="0" smtClean="0">
-                <a:solidFill>
-                  <a:srgbClr val="C00000"/>
-                </a:solidFill>
-                <a:ea typeface="Courier" charset="0"/>
-                <a:cs typeface="Courier" charset="0"/>
-              </a:rPr>
-              <a:t>Uncertainty_Analysis.bat </a:t>
-            </a:r>
-            <a:r>
-              <a:rPr lang="en-US" sz="1600" dirty="0">
-                <a:solidFill>
-                  <a:schemeClr val="bg2">
-                    <a:lumMod val="10000"/>
-                  </a:schemeClr>
-                </a:solidFill>
-                <a:ea typeface="Courier" charset="0"/>
-                <a:cs typeface="Courier" charset="0"/>
-              </a:rPr>
-              <a:t>(</a:t>
-            </a:r>
-            <a:r>
-              <a:rPr lang="en-US" sz="1600" dirty="0" smtClean="0">
-                <a:solidFill>
-                  <a:schemeClr val="bg2">
-                    <a:lumMod val="10000"/>
-                  </a:schemeClr>
-                </a:solidFill>
-                <a:ea typeface="Courier" charset="0"/>
-                <a:cs typeface="Courier" charset="0"/>
-              </a:rPr>
-              <a:t>Windows)</a:t>
-            </a:r>
-          </a:p>
-          <a:p>
-            <a:pPr marL="0" indent="0">
-              <a:buNone/>
-            </a:pPr>
-            <a:r>
-              <a:rPr lang="en-US" sz="1600" dirty="0">
-                <a:solidFill>
-                  <a:schemeClr val="bg2">
-                    <a:lumMod val="10000"/>
-                  </a:schemeClr>
-                </a:solidFill>
-                <a:ea typeface="Courier" charset="0"/>
-                <a:cs typeface="Courier" charset="0"/>
-              </a:rPr>
-              <a:t> </a:t>
-            </a:r>
-            <a:r>
-              <a:rPr lang="en-US" sz="1600" dirty="0" smtClean="0">
-                <a:solidFill>
-                  <a:schemeClr val="bg2">
-                    <a:lumMod val="10000"/>
-                  </a:schemeClr>
-                </a:solidFill>
-                <a:ea typeface="Courier" charset="0"/>
-                <a:cs typeface="Courier" charset="0"/>
-              </a:rPr>
-              <a:t>    </a:t>
-            </a:r>
-            <a:r>
-              <a:rPr lang="en-US" sz="1600" dirty="0" err="1" smtClean="0">
+              <a:rPr lang="en-US" sz="1600" dirty="0" err="1">
                 <a:solidFill>
                   <a:srgbClr val="C00000"/>
                 </a:solidFill>
@@ -11177,7 +10723,7 @@
               <a:t>sh</a:t>
             </a:r>
             <a:r>
-              <a:rPr lang="en-US" sz="1600" dirty="0" smtClean="0">
+              <a:rPr lang="en-US" sz="1600" dirty="0">
                 <a:solidFill>
                   <a:srgbClr val="C00000"/>
                 </a:solidFill>
@@ -11187,7 +10733,7 @@
               <a:t> Run_UA.sh </a:t>
             </a:r>
             <a:r>
-              <a:rPr lang="en-US" sz="1600" dirty="0" smtClean="0">
+              <a:rPr lang="en-US" sz="1600" dirty="0">
                 <a:solidFill>
                   <a:schemeClr val="bg2">
                     <a:lumMod val="10000"/>
@@ -11204,7 +10750,7 @@
               <a:buNone/>
             </a:pPr>
             <a:r>
-              <a:rPr lang="en-US" sz="1600" dirty="0" smtClean="0">
+              <a:rPr lang="en-US" sz="1600" dirty="0">
                 <a:solidFill>
                   <a:srgbClr val="C00000"/>
                 </a:solidFill>
@@ -11213,7 +10759,7 @@
               </a:rPr>
               <a:t>     </a:t>
             </a:r>
-            <a:endParaRPr lang="en-US" sz="1600" dirty="0" smtClean="0">
+            <a:endParaRPr lang="en-US" sz="1600" dirty="0">
               <a:solidFill>
                 <a:schemeClr val="bg2">
                   <a:lumMod val="10000"/>
@@ -11312,13 +10858,6 @@
   <p:clrMapOvr>
     <a:masterClrMapping/>
   </p:clrMapOvr>
-  <p:timing>
-    <p:tnLst>
-      <p:par>
-        <p:cTn id="1" dur="indefinite" restart="never" nodeType="tmRoot"/>
-      </p:par>
-    </p:tnLst>
-  </p:timing>
 </p:sld>
 </file>
 
@@ -11389,23 +10928,11 @@
               <a:buNone/>
             </a:pPr>
             <a:r>
-              <a:rPr lang="en-US" sz="1600" dirty="0" smtClean="0"/>
-              <a:t>The first step of the uncertainty analysis is to generate </a:t>
-            </a:r>
-            <a:r>
               <a:rPr lang="en-US" sz="1600" dirty="0"/>
-              <a:t>a </a:t>
-            </a:r>
-            <a:r>
-              <a:rPr lang="en-US" sz="1600" dirty="0" smtClean="0"/>
-              <a:t>distribution </a:t>
-            </a:r>
-            <a:r>
-              <a:rPr lang="en-US" sz="1600" dirty="0"/>
-              <a:t>table of uncertain parameters, which you can find it at </a:t>
-            </a:r>
-            <a:r>
-              <a:rPr lang="en-US" sz="1600" dirty="0" smtClean="0">
+              <a:t>The first step of the uncertainty analysis is to generate a distribution table of uncertain parameters, which you can find it at </a:t>
+            </a:r>
+            <a:r>
+              <a:rPr lang="en-US" sz="1600" dirty="0">
                 <a:solidFill>
                   <a:srgbClr val="C00000"/>
                 </a:solidFill>
@@ -11413,7 +10940,7 @@
               <a:t>../</a:t>
             </a:r>
             <a:r>
-              <a:rPr lang="en-US" sz="1600" dirty="0" err="1" smtClean="0">
+              <a:rPr lang="en-US" sz="1600" dirty="0" err="1">
                 <a:solidFill>
                   <a:srgbClr val="C00000"/>
                 </a:solidFill>
@@ -11421,7 +10948,7 @@
               <a:t>UA_Output</a:t>
             </a:r>
             <a:r>
-              <a:rPr lang="en-US" sz="1600" dirty="0" smtClean="0">
+              <a:rPr lang="en-US" sz="1600" dirty="0">
                 <a:solidFill>
                   <a:srgbClr val="C00000"/>
                 </a:solidFill>
@@ -11429,7 +10956,7 @@
               <a:t>/UQ_building_name.csv</a:t>
             </a:r>
             <a:r>
-              <a:rPr lang="en-US" sz="1600" dirty="0" smtClean="0"/>
+              <a:rPr lang="en-US" sz="1600" dirty="0"/>
               <a:t> </a:t>
             </a:r>
           </a:p>
@@ -11437,10 +10964,7 @@
             <a:pPr marL="0" indent="0">
               <a:buNone/>
             </a:pPr>
-            <a:r>
-              <a:rPr lang="en-US" sz="1600" dirty="0" smtClean="0"/>
-              <a:t>Before moving to the next step, open the table and finalize the parameters being analyzed, save and close the file. </a:t>
-            </a:r>
+            <a:endParaRPr lang="en-US" sz="1600" dirty="0"/>
           </a:p>
           <a:p>
             <a:pPr marL="0" indent="0">
@@ -11448,11 +10972,7 @@
             </a:pPr>
             <a:r>
               <a:rPr lang="en-US" sz="1600" dirty="0"/>
-              <a:t>T</a:t>
-            </a:r>
-            <a:r>
-              <a:rPr lang="en-US" sz="1600" dirty="0" smtClean="0"/>
-              <a:t>he example building model includes five parameters in the uncertainty analysis: </a:t>
+              <a:t>The example building model includes five parameters in the uncertainty analysis: </a:t>
             </a:r>
           </a:p>
           <a:p>
@@ -11460,16 +10980,15 @@
               <a:buNone/>
             </a:pPr>
             <a:r>
-              <a:rPr lang="en-US" sz="1600" dirty="0" smtClean="0"/>
+              <a:rPr lang="en-US" sz="1600" dirty="0"/>
               <a:t>infiltration rate, lighting load, plug load, occupancy load, and design outdoor air flow rate. </a:t>
             </a:r>
-            <a:endParaRPr lang="en-US" sz="1600" dirty="0"/>
           </a:p>
           <a:p>
             <a:pPr marL="0" indent="0">
               <a:buNone/>
             </a:pPr>
-            <a:endParaRPr lang="en-US" sz="1600" dirty="0" smtClean="0"/>
+            <a:endParaRPr lang="en-US" sz="1600" dirty="0"/>
           </a:p>
           <a:p>
             <a:pPr marL="0" indent="0">
@@ -11527,7 +11046,7 @@
               <a:buNone/>
               <a:tabLst/>
             </a:pPr>
-            <a:endParaRPr kumimoji="0" lang="en-US" sz="1800" b="0" i="0" u="none" strike="noStrike" cap="none" normalizeH="0" baseline="0" smtClean="0">
+            <a:endParaRPr kumimoji="0" lang="en-US" sz="1800" b="0" i="0" u="none" strike="noStrike" cap="none" normalizeH="0" baseline="0">
               <a:ln>
                 <a:noFill/>
               </a:ln>
@@ -11569,70 +11088,1452 @@
           </a:p>
         </p:txBody>
       </p:sp>
-      <p:pic>
-        <p:nvPicPr>
-          <p:cNvPr id="15363" name="Picture 3"/>
-          <p:cNvPicPr>
-            <a:picLocks noChangeAspect="1" noChangeArrowheads="1"/>
-          </p:cNvPicPr>
-          <p:nvPr/>
-        </p:nvPicPr>
-        <p:blipFill>
-          <a:blip r:embed="rId2">
+      <p:graphicFrame>
+        <p:nvGraphicFramePr>
+          <p:cNvPr id="4" name="Table 3">
             <a:extLst>
-              <a:ext uri="{28A0092B-C50C-407E-A947-70E740481C1C}">
-                <a14:useLocalDpi xmlns:a14="http://schemas.microsoft.com/office/drawing/2010/main" val="0"/>
+              <a:ext uri="{FF2B5EF4-FFF2-40B4-BE49-F238E27FC236}">
+                <a16:creationId xmlns:a16="http://schemas.microsoft.com/office/drawing/2014/main" id="{46A261BC-7F5A-40FE-ACE7-023B515BF616}"/>
               </a:ext>
             </a:extLst>
-          </a:blip>
-          <a:srcRect/>
-          <a:stretch>
-            <a:fillRect/>
-          </a:stretch>
-        </p:blipFill>
-        <p:spPr bwMode="auto">
-          <a:xfrm>
-            <a:off x="19050" y="3603425"/>
-            <a:ext cx="8763000" cy="1175150"/>
-          </a:xfrm>
-          <a:prstGeom prst="rect">
-            <a:avLst/>
-          </a:prstGeom>
-          <a:noFill/>
-          <a:ln>
-            <a:noFill/>
-          </a:ln>
-          <a:effectLst/>
-          <a:extLst>
-            <a:ext uri="{909E8E84-426E-40DD-AFC4-6F175D3DCCD1}">
-              <a14:hiddenFill xmlns:a14="http://schemas.microsoft.com/office/drawing/2010/main">
-                <a:solidFill>
-                  <a:schemeClr val="accent1"/>
-                </a:solidFill>
-              </a14:hiddenFill>
-            </a:ext>
-            <a:ext uri="{91240B29-F687-4F45-9708-019B960494DF}">
-              <a14:hiddenLine xmlns:a14="http://schemas.microsoft.com/office/drawing/2010/main" w="9525">
-                <a:solidFill>
-                  <a:schemeClr val="tx1"/>
-                </a:solidFill>
-                <a:miter lim="800000"/>
-                <a:headEnd/>
-                <a:tailEnd/>
-              </a14:hiddenLine>
-            </a:ext>
-            <a:ext uri="{AF507438-7753-43E0-B8FC-AC1667EBCBE1}">
-              <a14:hiddenEffects xmlns:a14="http://schemas.microsoft.com/office/drawing/2010/main">
-                <a:effectLst>
-                  <a:outerShdw dist="35921" dir="2700000" algn="ctr" rotWithShape="0">
-                    <a:schemeClr val="bg2"/>
-                  </a:outerShdw>
-                </a:effectLst>
-              </a14:hiddenEffects>
-            </a:ext>
-          </a:extLst>
-        </p:spPr>
-      </p:pic>
+          </p:cNvPr>
+          <p:cNvGraphicFramePr>
+            <a:graphicFrameLocks noGrp="1"/>
+          </p:cNvGraphicFramePr>
+          <p:nvPr>
+            <p:extLst>
+              <p:ext uri="{D42A27DB-BD31-4B8C-83A1-F6EECF244321}">
+                <p14:modId xmlns:p14="http://schemas.microsoft.com/office/powerpoint/2010/main" val="1032659684"/>
+              </p:ext>
+            </p:extLst>
+          </p:nvPr>
+        </p:nvGraphicFramePr>
+        <p:xfrm>
+          <a:off x="381002" y="3634163"/>
+          <a:ext cx="8229598" cy="897775"/>
+        </p:xfrm>
+        <a:graphic>
+          <a:graphicData uri="http://schemas.openxmlformats.org/drawingml/2006/table">
+            <a:tbl>
+              <a:tblPr/>
+              <a:tblGrid>
+                <a:gridCol w="2032462">
+                  <a:extLst>
+                    <a:ext uri="{9D8B030D-6E8A-4147-A177-3AD203B41FA5}">
+                      <a16:colId xmlns:a16="http://schemas.microsoft.com/office/drawing/2014/main" val="589979763"/>
+                    </a:ext>
+                  </a:extLst>
+                </a:gridCol>
+                <a:gridCol w="1209502">
+                  <a:extLst>
+                    <a:ext uri="{9D8B030D-6E8A-4147-A177-3AD203B41FA5}">
+                      <a16:colId xmlns:a16="http://schemas.microsoft.com/office/drawing/2014/main" val="704971353"/>
+                    </a:ext>
+                  </a:extLst>
+                </a:gridCol>
+                <a:gridCol w="1284316">
+                  <a:extLst>
+                    <a:ext uri="{9D8B030D-6E8A-4147-A177-3AD203B41FA5}">
+                      <a16:colId xmlns:a16="http://schemas.microsoft.com/office/drawing/2014/main" val="2029312889"/>
+                    </a:ext>
+                  </a:extLst>
+                </a:gridCol>
+                <a:gridCol w="1022465">
+                  <a:extLst>
+                    <a:ext uri="{9D8B030D-6E8A-4147-A177-3AD203B41FA5}">
+                      <a16:colId xmlns:a16="http://schemas.microsoft.com/office/drawing/2014/main" val="1698700376"/>
+                    </a:ext>
+                  </a:extLst>
+                </a:gridCol>
+                <a:gridCol w="885305">
+                  <a:extLst>
+                    <a:ext uri="{9D8B030D-6E8A-4147-A177-3AD203B41FA5}">
+                      <a16:colId xmlns:a16="http://schemas.microsoft.com/office/drawing/2014/main" val="1112760599"/>
+                    </a:ext>
+                  </a:extLst>
+                </a:gridCol>
+                <a:gridCol w="598516">
+                  <a:extLst>
+                    <a:ext uri="{9D8B030D-6E8A-4147-A177-3AD203B41FA5}">
+                      <a16:colId xmlns:a16="http://schemas.microsoft.com/office/drawing/2014/main" val="720349455"/>
+                    </a:ext>
+                  </a:extLst>
+                </a:gridCol>
+                <a:gridCol w="598516">
+                  <a:extLst>
+                    <a:ext uri="{9D8B030D-6E8A-4147-A177-3AD203B41FA5}">
+                      <a16:colId xmlns:a16="http://schemas.microsoft.com/office/drawing/2014/main" val="2846955000"/>
+                    </a:ext>
+                  </a:extLst>
+                </a:gridCol>
+                <a:gridCol w="598516">
+                  <a:extLst>
+                    <a:ext uri="{9D8B030D-6E8A-4147-A177-3AD203B41FA5}">
+                      <a16:colId xmlns:a16="http://schemas.microsoft.com/office/drawing/2014/main" val="227816765"/>
+                    </a:ext>
+                  </a:extLst>
+                </a:gridCol>
+              </a:tblGrid>
+              <a:tr h="179555">
+                <a:tc>
+                  <a:txBody>
+                    <a:bodyPr/>
+                    <a:lstStyle/>
+                    <a:p>
+                      <a:pPr algn="l" fontAlgn="b"/>
+                      <a:r>
+                        <a:rPr lang="en-US" sz="1100" b="0" i="0" u="none" strike="noStrike">
+                          <a:solidFill>
+                            <a:srgbClr val="000000"/>
+                          </a:solidFill>
+                          <a:effectLst/>
+                          <a:latin typeface="Calibri" panose="020F0502020204030204" pitchFamily="34" charset="0"/>
+                        </a:rPr>
+                        <a:t>Parameter Type</a:t>
+                      </a:r>
+                    </a:p>
+                  </a:txBody>
+                  <a:tcPr marL="7481" marR="7481" marT="7481" marB="0" anchor="b">
+                    <a:lnL>
+                      <a:noFill/>
+                    </a:lnL>
+                    <a:lnR>
+                      <a:noFill/>
+                    </a:lnR>
+                    <a:lnT>
+                      <a:noFill/>
+                    </a:lnT>
+                    <a:lnB>
+                      <a:noFill/>
+                    </a:lnB>
+                  </a:tcPr>
+                </a:tc>
+                <a:tc>
+                  <a:txBody>
+                    <a:bodyPr/>
+                    <a:lstStyle/>
+                    <a:p>
+                      <a:pPr algn="l" fontAlgn="b"/>
+                      <a:r>
+                        <a:rPr lang="en-US" sz="1100" b="0" i="0" u="none" strike="noStrike">
+                          <a:solidFill>
+                            <a:srgbClr val="000000"/>
+                          </a:solidFill>
+                          <a:effectLst/>
+                          <a:latin typeface="Calibri" panose="020F0502020204030204" pitchFamily="34" charset="0"/>
+                        </a:rPr>
+                        <a:t>Object in the model</a:t>
+                      </a:r>
+                    </a:p>
+                  </a:txBody>
+                  <a:tcPr marL="7481" marR="7481" marT="7481" marB="0" anchor="b">
+                    <a:lnL>
+                      <a:noFill/>
+                    </a:lnL>
+                    <a:lnR>
+                      <a:noFill/>
+                    </a:lnR>
+                    <a:lnT>
+                      <a:noFill/>
+                    </a:lnT>
+                    <a:lnB>
+                      <a:noFill/>
+                    </a:lnB>
+                  </a:tcPr>
+                </a:tc>
+                <a:tc>
+                  <a:txBody>
+                    <a:bodyPr/>
+                    <a:lstStyle/>
+                    <a:p>
+                      <a:pPr algn="l" fontAlgn="b"/>
+                      <a:r>
+                        <a:rPr lang="en-US" sz="1100" b="0" i="0" u="none" strike="noStrike">
+                          <a:solidFill>
+                            <a:srgbClr val="000000"/>
+                          </a:solidFill>
+                          <a:effectLst/>
+                          <a:latin typeface="Calibri" panose="020F0502020204030204" pitchFamily="34" charset="0"/>
+                        </a:rPr>
+                        <a:t>Parameter Base Value</a:t>
+                      </a:r>
+                    </a:p>
+                  </a:txBody>
+                  <a:tcPr marL="7481" marR="7481" marT="7481" marB="0" anchor="b">
+                    <a:lnL>
+                      <a:noFill/>
+                    </a:lnL>
+                    <a:lnR>
+                      <a:noFill/>
+                    </a:lnR>
+                    <a:lnT>
+                      <a:noFill/>
+                    </a:lnT>
+                    <a:lnB>
+                      <a:noFill/>
+                    </a:lnB>
+                  </a:tcPr>
+                </a:tc>
+                <a:tc>
+                  <a:txBody>
+                    <a:bodyPr/>
+                    <a:lstStyle/>
+                    <a:p>
+                      <a:pPr algn="l" fontAlgn="b"/>
+                      <a:r>
+                        <a:rPr lang="en-US" sz="1100" b="0" i="0" u="none" strike="noStrike">
+                          <a:solidFill>
+                            <a:srgbClr val="000000"/>
+                          </a:solidFill>
+                          <a:effectLst/>
+                          <a:latin typeface="Calibri" panose="020F0502020204030204" pitchFamily="34" charset="0"/>
+                        </a:rPr>
+                        <a:t>Distribution</a:t>
+                      </a:r>
+                    </a:p>
+                  </a:txBody>
+                  <a:tcPr marL="7481" marR="7481" marT="7481" marB="0" anchor="b">
+                    <a:lnL>
+                      <a:noFill/>
+                    </a:lnL>
+                    <a:lnR>
+                      <a:noFill/>
+                    </a:lnR>
+                    <a:lnT>
+                      <a:noFill/>
+                    </a:lnT>
+                    <a:lnB>
+                      <a:noFill/>
+                    </a:lnB>
+                  </a:tcPr>
+                </a:tc>
+                <a:tc>
+                  <a:txBody>
+                    <a:bodyPr/>
+                    <a:lstStyle/>
+                    <a:p>
+                      <a:pPr algn="l" fontAlgn="b"/>
+                      <a:r>
+                        <a:rPr lang="en-US" sz="1100" b="0" i="0" u="none" strike="noStrike">
+                          <a:solidFill>
+                            <a:srgbClr val="000000"/>
+                          </a:solidFill>
+                          <a:effectLst/>
+                          <a:latin typeface="Calibri" panose="020F0502020204030204" pitchFamily="34" charset="0"/>
+                        </a:rPr>
+                        <a:t>Mean or Mode</a:t>
+                      </a:r>
+                    </a:p>
+                  </a:txBody>
+                  <a:tcPr marL="7481" marR="7481" marT="7481" marB="0" anchor="b">
+                    <a:lnL>
+                      <a:noFill/>
+                    </a:lnL>
+                    <a:lnR>
+                      <a:noFill/>
+                    </a:lnR>
+                    <a:lnT>
+                      <a:noFill/>
+                    </a:lnT>
+                    <a:lnB>
+                      <a:noFill/>
+                    </a:lnB>
+                  </a:tcPr>
+                </a:tc>
+                <a:tc>
+                  <a:txBody>
+                    <a:bodyPr/>
+                    <a:lstStyle/>
+                    <a:p>
+                      <a:pPr algn="l" fontAlgn="b"/>
+                      <a:r>
+                        <a:rPr lang="en-US" sz="1100" b="0" i="0" u="none" strike="noStrike">
+                          <a:solidFill>
+                            <a:srgbClr val="000000"/>
+                          </a:solidFill>
+                          <a:effectLst/>
+                          <a:latin typeface="Calibri" panose="020F0502020204030204" pitchFamily="34" charset="0"/>
+                        </a:rPr>
+                        <a:t>Std Dev</a:t>
+                      </a:r>
+                    </a:p>
+                  </a:txBody>
+                  <a:tcPr marL="7481" marR="7481" marT="7481" marB="0" anchor="b">
+                    <a:lnL>
+                      <a:noFill/>
+                    </a:lnL>
+                    <a:lnR>
+                      <a:noFill/>
+                    </a:lnR>
+                    <a:lnT>
+                      <a:noFill/>
+                    </a:lnT>
+                    <a:lnB>
+                      <a:noFill/>
+                    </a:lnB>
+                  </a:tcPr>
+                </a:tc>
+                <a:tc>
+                  <a:txBody>
+                    <a:bodyPr/>
+                    <a:lstStyle/>
+                    <a:p>
+                      <a:pPr algn="l" fontAlgn="b"/>
+                      <a:r>
+                        <a:rPr lang="en-US" sz="1100" b="0" i="0" u="none" strike="noStrike">
+                          <a:solidFill>
+                            <a:srgbClr val="000000"/>
+                          </a:solidFill>
+                          <a:effectLst/>
+                          <a:latin typeface="Calibri" panose="020F0502020204030204" pitchFamily="34" charset="0"/>
+                        </a:rPr>
+                        <a:t>Min</a:t>
+                      </a:r>
+                    </a:p>
+                  </a:txBody>
+                  <a:tcPr marL="7481" marR="7481" marT="7481" marB="0" anchor="b">
+                    <a:lnL>
+                      <a:noFill/>
+                    </a:lnL>
+                    <a:lnR>
+                      <a:noFill/>
+                    </a:lnR>
+                    <a:lnT>
+                      <a:noFill/>
+                    </a:lnT>
+                    <a:lnB>
+                      <a:noFill/>
+                    </a:lnB>
+                  </a:tcPr>
+                </a:tc>
+                <a:tc>
+                  <a:txBody>
+                    <a:bodyPr/>
+                    <a:lstStyle/>
+                    <a:p>
+                      <a:pPr algn="l" fontAlgn="b"/>
+                      <a:r>
+                        <a:rPr lang="en-US" sz="1100" b="0" i="0" u="none" strike="noStrike">
+                          <a:solidFill>
+                            <a:srgbClr val="000000"/>
+                          </a:solidFill>
+                          <a:effectLst/>
+                          <a:latin typeface="Calibri" panose="020F0502020204030204" pitchFamily="34" charset="0"/>
+                        </a:rPr>
+                        <a:t>Max</a:t>
+                      </a:r>
+                    </a:p>
+                  </a:txBody>
+                  <a:tcPr marL="7481" marR="7481" marT="7481" marB="0" anchor="b">
+                    <a:lnL>
+                      <a:noFill/>
+                    </a:lnL>
+                    <a:lnR>
+                      <a:noFill/>
+                    </a:lnR>
+                    <a:lnT>
+                      <a:noFill/>
+                    </a:lnT>
+                    <a:lnB>
+                      <a:noFill/>
+                    </a:lnB>
+                  </a:tcPr>
+                </a:tc>
+                <a:extLst>
+                  <a:ext uri="{0D108BD9-81ED-4DB2-BD59-A6C34878D82A}">
+                    <a16:rowId xmlns:a16="http://schemas.microsoft.com/office/drawing/2014/main" val="282545367"/>
+                  </a:ext>
+                </a:extLst>
+              </a:tr>
+              <a:tr h="179555">
+                <a:tc>
+                  <a:txBody>
+                    <a:bodyPr/>
+                    <a:lstStyle/>
+                    <a:p>
+                      <a:pPr algn="l" fontAlgn="b"/>
+                      <a:r>
+                        <a:rPr lang="en-US" sz="1100" b="0" i="0" u="none" strike="noStrike">
+                          <a:solidFill>
+                            <a:srgbClr val="000000"/>
+                          </a:solidFill>
+                          <a:effectLst/>
+                          <a:latin typeface="Calibri" panose="020F0502020204030204" pitchFamily="34" charset="0"/>
+                        </a:rPr>
+                        <a:t>Infiltration</a:t>
+                      </a:r>
+                    </a:p>
+                  </a:txBody>
+                  <a:tcPr marL="7481" marR="7481" marT="7481" marB="0" anchor="b">
+                    <a:lnL>
+                      <a:noFill/>
+                    </a:lnL>
+                    <a:lnR>
+                      <a:noFill/>
+                    </a:lnR>
+                    <a:lnT>
+                      <a:noFill/>
+                    </a:lnT>
+                    <a:lnB>
+                      <a:noFill/>
+                    </a:lnB>
+                  </a:tcPr>
+                </a:tc>
+                <a:tc>
+                  <a:txBody>
+                    <a:bodyPr/>
+                    <a:lstStyle/>
+                    <a:p>
+                      <a:pPr algn="l" fontAlgn="b"/>
+                      <a:r>
+                        <a:rPr lang="en-US" sz="1100" b="0" i="0" u="none" strike="noStrike">
+                          <a:solidFill>
+                            <a:srgbClr val="000000"/>
+                          </a:solidFill>
+                          <a:effectLst/>
+                          <a:latin typeface="Calibri" panose="020F0502020204030204" pitchFamily="34" charset="0"/>
+                        </a:rPr>
+                        <a:t>FlowPerExteriorArea</a:t>
+                      </a:r>
+                    </a:p>
+                  </a:txBody>
+                  <a:tcPr marL="7481" marR="7481" marT="7481" marB="0" anchor="b">
+                    <a:lnL>
+                      <a:noFill/>
+                    </a:lnL>
+                    <a:lnR>
+                      <a:noFill/>
+                    </a:lnR>
+                    <a:lnT>
+                      <a:noFill/>
+                    </a:lnT>
+                    <a:lnB>
+                      <a:noFill/>
+                    </a:lnB>
+                  </a:tcPr>
+                </a:tc>
+                <a:tc>
+                  <a:txBody>
+                    <a:bodyPr/>
+                    <a:lstStyle/>
+                    <a:p>
+                      <a:pPr algn="l" fontAlgn="b"/>
+                      <a:endParaRPr lang="en-US" sz="1100" b="0" i="0" u="none" strike="noStrike">
+                        <a:solidFill>
+                          <a:srgbClr val="000000"/>
+                        </a:solidFill>
+                        <a:effectLst/>
+                        <a:latin typeface="Calibri" panose="020F0502020204030204" pitchFamily="34" charset="0"/>
+                      </a:endParaRPr>
+                    </a:p>
+                  </a:txBody>
+                  <a:tcPr marL="7481" marR="7481" marT="7481" marB="0" anchor="b">
+                    <a:lnL>
+                      <a:noFill/>
+                    </a:lnL>
+                    <a:lnR>
+                      <a:noFill/>
+                    </a:lnR>
+                    <a:lnT>
+                      <a:noFill/>
+                    </a:lnT>
+                    <a:lnB>
+                      <a:noFill/>
+                    </a:lnB>
+                  </a:tcPr>
+                </a:tc>
+                <a:tc>
+                  <a:txBody>
+                    <a:bodyPr/>
+                    <a:lstStyle/>
+                    <a:p>
+                      <a:pPr algn="l" fontAlgn="b"/>
+                      <a:r>
+                        <a:rPr lang="en-US" sz="1100" b="0" i="0" u="none" strike="noStrike">
+                          <a:solidFill>
+                            <a:srgbClr val="000000"/>
+                          </a:solidFill>
+                          <a:effectLst/>
+                          <a:latin typeface="Calibri" panose="020F0502020204030204" pitchFamily="34" charset="0"/>
+                        </a:rPr>
+                        <a:t>Triangle Absolute</a:t>
+                      </a:r>
+                    </a:p>
+                  </a:txBody>
+                  <a:tcPr marL="7481" marR="7481" marT="7481" marB="0" anchor="b">
+                    <a:lnL>
+                      <a:noFill/>
+                    </a:lnL>
+                    <a:lnR>
+                      <a:noFill/>
+                    </a:lnR>
+                    <a:lnT>
+                      <a:noFill/>
+                    </a:lnT>
+                    <a:lnB>
+                      <a:noFill/>
+                    </a:lnB>
+                  </a:tcPr>
+                </a:tc>
+                <a:tc>
+                  <a:txBody>
+                    <a:bodyPr/>
+                    <a:lstStyle/>
+                    <a:p>
+                      <a:pPr algn="r" fontAlgn="b"/>
+                      <a:r>
+                        <a:rPr lang="en-US" sz="1100" b="0" i="0" u="none" strike="noStrike">
+                          <a:solidFill>
+                            <a:srgbClr val="000000"/>
+                          </a:solidFill>
+                          <a:effectLst/>
+                          <a:latin typeface="Calibri" panose="020F0502020204030204" pitchFamily="34" charset="0"/>
+                        </a:rPr>
+                        <a:t>0.00095</a:t>
+                      </a:r>
+                    </a:p>
+                  </a:txBody>
+                  <a:tcPr marL="7481" marR="7481" marT="7481" marB="0" anchor="b">
+                    <a:lnL>
+                      <a:noFill/>
+                    </a:lnL>
+                    <a:lnR>
+                      <a:noFill/>
+                    </a:lnR>
+                    <a:lnT>
+                      <a:noFill/>
+                    </a:lnT>
+                    <a:lnB>
+                      <a:noFill/>
+                    </a:lnB>
+                  </a:tcPr>
+                </a:tc>
+                <a:tc>
+                  <a:txBody>
+                    <a:bodyPr/>
+                    <a:lstStyle/>
+                    <a:p>
+                      <a:pPr algn="l" fontAlgn="b"/>
+                      <a:endParaRPr lang="en-US" sz="1100" b="0" i="0" u="none" strike="noStrike">
+                        <a:solidFill>
+                          <a:srgbClr val="000000"/>
+                        </a:solidFill>
+                        <a:effectLst/>
+                        <a:latin typeface="Calibri" panose="020F0502020204030204" pitchFamily="34" charset="0"/>
+                      </a:endParaRPr>
+                    </a:p>
+                  </a:txBody>
+                  <a:tcPr marL="7481" marR="7481" marT="7481" marB="0" anchor="b">
+                    <a:lnL>
+                      <a:noFill/>
+                    </a:lnL>
+                    <a:lnR>
+                      <a:noFill/>
+                    </a:lnR>
+                    <a:lnT>
+                      <a:noFill/>
+                    </a:lnT>
+                    <a:lnB>
+                      <a:noFill/>
+                    </a:lnB>
+                  </a:tcPr>
+                </a:tc>
+                <a:tc>
+                  <a:txBody>
+                    <a:bodyPr/>
+                    <a:lstStyle/>
+                    <a:p>
+                      <a:pPr algn="r" fontAlgn="b"/>
+                      <a:r>
+                        <a:rPr lang="en-US" sz="1100" b="0" i="0" u="none" strike="noStrike">
+                          <a:solidFill>
+                            <a:srgbClr val="000000"/>
+                          </a:solidFill>
+                          <a:effectLst/>
+                          <a:latin typeface="Calibri" panose="020F0502020204030204" pitchFamily="34" charset="0"/>
+                        </a:rPr>
+                        <a:t>0.000319</a:t>
+                      </a:r>
+                    </a:p>
+                  </a:txBody>
+                  <a:tcPr marL="7481" marR="7481" marT="7481" marB="0" anchor="b">
+                    <a:lnL>
+                      <a:noFill/>
+                    </a:lnL>
+                    <a:lnR>
+                      <a:noFill/>
+                    </a:lnR>
+                    <a:lnT>
+                      <a:noFill/>
+                    </a:lnT>
+                    <a:lnB>
+                      <a:noFill/>
+                    </a:lnB>
+                  </a:tcPr>
+                </a:tc>
+                <a:tc>
+                  <a:txBody>
+                    <a:bodyPr/>
+                    <a:lstStyle/>
+                    <a:p>
+                      <a:pPr algn="r" fontAlgn="b"/>
+                      <a:r>
+                        <a:rPr lang="en-US" sz="1100" b="0" i="0" u="none" strike="noStrike">
+                          <a:solidFill>
+                            <a:srgbClr val="000000"/>
+                          </a:solidFill>
+                          <a:effectLst/>
+                          <a:latin typeface="Calibri" panose="020F0502020204030204" pitchFamily="34" charset="0"/>
+                        </a:rPr>
+                        <a:t>0.002894</a:t>
+                      </a:r>
+                    </a:p>
+                  </a:txBody>
+                  <a:tcPr marL="7481" marR="7481" marT="7481" marB="0" anchor="b">
+                    <a:lnL>
+                      <a:noFill/>
+                    </a:lnL>
+                    <a:lnR>
+                      <a:noFill/>
+                    </a:lnR>
+                    <a:lnT>
+                      <a:noFill/>
+                    </a:lnT>
+                    <a:lnB>
+                      <a:noFill/>
+                    </a:lnB>
+                  </a:tcPr>
+                </a:tc>
+                <a:extLst>
+                  <a:ext uri="{0D108BD9-81ED-4DB2-BD59-A6C34878D82A}">
+                    <a16:rowId xmlns:a16="http://schemas.microsoft.com/office/drawing/2014/main" val="2772551878"/>
+                  </a:ext>
+                </a:extLst>
+              </a:tr>
+              <a:tr h="179555">
+                <a:tc>
+                  <a:txBody>
+                    <a:bodyPr/>
+                    <a:lstStyle/>
+                    <a:p>
+                      <a:pPr algn="l" fontAlgn="b"/>
+                      <a:r>
+                        <a:rPr lang="en-US" sz="1100" b="0" i="0" u="none" strike="noStrike" dirty="0" err="1">
+                          <a:solidFill>
+                            <a:srgbClr val="000000"/>
+                          </a:solidFill>
+                          <a:effectLst/>
+                          <a:latin typeface="Calibri" panose="020F0502020204030204" pitchFamily="34" charset="0"/>
+                        </a:rPr>
+                        <a:t>Lights_WattsPerSpaceFloorArea</a:t>
+                      </a:r>
+                      <a:endParaRPr lang="en-US" sz="1100" b="0" i="0" u="none" strike="noStrike" dirty="0">
+                        <a:solidFill>
+                          <a:srgbClr val="000000"/>
+                        </a:solidFill>
+                        <a:effectLst/>
+                        <a:latin typeface="Calibri" panose="020F0502020204030204" pitchFamily="34" charset="0"/>
+                      </a:endParaRPr>
+                    </a:p>
+                  </a:txBody>
+                  <a:tcPr marL="7481" marR="7481" marT="7481" marB="0" anchor="b">
+                    <a:lnL>
+                      <a:noFill/>
+                    </a:lnL>
+                    <a:lnR>
+                      <a:noFill/>
+                    </a:lnR>
+                    <a:lnT>
+                      <a:noFill/>
+                    </a:lnT>
+                    <a:lnB>
+                      <a:noFill/>
+                    </a:lnB>
+                  </a:tcPr>
+                </a:tc>
+                <a:tc>
+                  <a:txBody>
+                    <a:bodyPr/>
+                    <a:lstStyle/>
+                    <a:p>
+                      <a:pPr algn="l" fontAlgn="b"/>
+                      <a:r>
+                        <a:rPr lang="en-US" sz="1100" b="0" i="0" u="none" strike="noStrike">
+                          <a:solidFill>
+                            <a:srgbClr val="000000"/>
+                          </a:solidFill>
+                          <a:effectLst/>
+                          <a:latin typeface="Calibri" panose="020F0502020204030204" pitchFamily="34" charset="0"/>
+                        </a:rPr>
+                        <a:t>Office_Space_Type</a:t>
+                      </a:r>
+                    </a:p>
+                  </a:txBody>
+                  <a:tcPr marL="7481" marR="7481" marT="7481" marB="0" anchor="b">
+                    <a:lnL>
+                      <a:noFill/>
+                    </a:lnL>
+                    <a:lnR>
+                      <a:noFill/>
+                    </a:lnR>
+                    <a:lnT>
+                      <a:noFill/>
+                    </a:lnT>
+                    <a:lnB>
+                      <a:noFill/>
+                    </a:lnB>
+                  </a:tcPr>
+                </a:tc>
+                <a:tc>
+                  <a:txBody>
+                    <a:bodyPr/>
+                    <a:lstStyle/>
+                    <a:p>
+                      <a:pPr algn="r" fontAlgn="b"/>
+                      <a:r>
+                        <a:rPr lang="en-US" sz="1100" b="0" i="0" u="none" strike="noStrike" dirty="0">
+                          <a:solidFill>
+                            <a:srgbClr val="000000"/>
+                          </a:solidFill>
+                          <a:effectLst/>
+                          <a:latin typeface="Calibri" panose="020F0502020204030204" pitchFamily="34" charset="0"/>
+                        </a:rPr>
+                        <a:t>15.17433543</a:t>
+                      </a:r>
+                    </a:p>
+                  </a:txBody>
+                  <a:tcPr marL="7481" marR="7481" marT="7481" marB="0" anchor="b">
+                    <a:lnL>
+                      <a:noFill/>
+                    </a:lnL>
+                    <a:lnR>
+                      <a:noFill/>
+                    </a:lnR>
+                    <a:lnT>
+                      <a:noFill/>
+                    </a:lnT>
+                    <a:lnB>
+                      <a:noFill/>
+                    </a:lnB>
+                  </a:tcPr>
+                </a:tc>
+                <a:tc>
+                  <a:txBody>
+                    <a:bodyPr/>
+                    <a:lstStyle/>
+                    <a:p>
+                      <a:pPr algn="l" fontAlgn="b"/>
+                      <a:r>
+                        <a:rPr lang="en-US" sz="1100" b="0" i="0" u="none" strike="noStrike">
+                          <a:solidFill>
+                            <a:srgbClr val="000000"/>
+                          </a:solidFill>
+                          <a:effectLst/>
+                          <a:latin typeface="Calibri" panose="020F0502020204030204" pitchFamily="34" charset="0"/>
+                        </a:rPr>
+                        <a:t>Normal Relative</a:t>
+                      </a:r>
+                    </a:p>
+                  </a:txBody>
+                  <a:tcPr marL="7481" marR="7481" marT="7481" marB="0" anchor="b">
+                    <a:lnL>
+                      <a:noFill/>
+                    </a:lnL>
+                    <a:lnR>
+                      <a:noFill/>
+                    </a:lnR>
+                    <a:lnT>
+                      <a:noFill/>
+                    </a:lnT>
+                    <a:lnB>
+                      <a:noFill/>
+                    </a:lnB>
+                  </a:tcPr>
+                </a:tc>
+                <a:tc>
+                  <a:txBody>
+                    <a:bodyPr/>
+                    <a:lstStyle/>
+                    <a:p>
+                      <a:pPr algn="r" fontAlgn="b"/>
+                      <a:r>
+                        <a:rPr lang="en-US" sz="1100" b="0" i="0" u="none" strike="noStrike">
+                          <a:solidFill>
+                            <a:srgbClr val="000000"/>
+                          </a:solidFill>
+                          <a:effectLst/>
+                          <a:latin typeface="Calibri" panose="020F0502020204030204" pitchFamily="34" charset="0"/>
+                        </a:rPr>
+                        <a:t>1</a:t>
+                      </a:r>
+                    </a:p>
+                  </a:txBody>
+                  <a:tcPr marL="7481" marR="7481" marT="7481" marB="0" anchor="b">
+                    <a:lnL>
+                      <a:noFill/>
+                    </a:lnL>
+                    <a:lnR>
+                      <a:noFill/>
+                    </a:lnR>
+                    <a:lnT>
+                      <a:noFill/>
+                    </a:lnT>
+                    <a:lnB>
+                      <a:noFill/>
+                    </a:lnB>
+                  </a:tcPr>
+                </a:tc>
+                <a:tc>
+                  <a:txBody>
+                    <a:bodyPr/>
+                    <a:lstStyle/>
+                    <a:p>
+                      <a:pPr algn="r" fontAlgn="b"/>
+                      <a:r>
+                        <a:rPr lang="en-US" sz="1100" b="0" i="0" u="none" strike="noStrike">
+                          <a:solidFill>
+                            <a:srgbClr val="000000"/>
+                          </a:solidFill>
+                          <a:effectLst/>
+                          <a:latin typeface="Calibri" panose="020F0502020204030204" pitchFamily="34" charset="0"/>
+                        </a:rPr>
+                        <a:t>0.5</a:t>
+                      </a:r>
+                    </a:p>
+                  </a:txBody>
+                  <a:tcPr marL="7481" marR="7481" marT="7481" marB="0" anchor="b">
+                    <a:lnL>
+                      <a:noFill/>
+                    </a:lnL>
+                    <a:lnR>
+                      <a:noFill/>
+                    </a:lnR>
+                    <a:lnT>
+                      <a:noFill/>
+                    </a:lnT>
+                    <a:lnB>
+                      <a:noFill/>
+                    </a:lnB>
+                  </a:tcPr>
+                </a:tc>
+                <a:tc>
+                  <a:txBody>
+                    <a:bodyPr/>
+                    <a:lstStyle/>
+                    <a:p>
+                      <a:pPr algn="r" fontAlgn="b"/>
+                      <a:r>
+                        <a:rPr lang="en-US" sz="1100" b="0" i="0" u="none" strike="noStrike">
+                          <a:solidFill>
+                            <a:srgbClr val="000000"/>
+                          </a:solidFill>
+                          <a:effectLst/>
+                          <a:latin typeface="Calibri" panose="020F0502020204030204" pitchFamily="34" charset="0"/>
+                        </a:rPr>
+                        <a:t>0</a:t>
+                      </a:r>
+                    </a:p>
+                  </a:txBody>
+                  <a:tcPr marL="7481" marR="7481" marT="7481" marB="0" anchor="b">
+                    <a:lnL>
+                      <a:noFill/>
+                    </a:lnL>
+                    <a:lnR>
+                      <a:noFill/>
+                    </a:lnR>
+                    <a:lnT>
+                      <a:noFill/>
+                    </a:lnT>
+                    <a:lnB>
+                      <a:noFill/>
+                    </a:lnB>
+                  </a:tcPr>
+                </a:tc>
+                <a:tc>
+                  <a:txBody>
+                    <a:bodyPr/>
+                    <a:lstStyle/>
+                    <a:p>
+                      <a:pPr algn="r" fontAlgn="b"/>
+                      <a:r>
+                        <a:rPr lang="en-US" sz="1100" b="0" i="0" u="none" strike="noStrike">
+                          <a:solidFill>
+                            <a:srgbClr val="000000"/>
+                          </a:solidFill>
+                          <a:effectLst/>
+                          <a:latin typeface="Calibri" panose="020F0502020204030204" pitchFamily="34" charset="0"/>
+                        </a:rPr>
+                        <a:t>50</a:t>
+                      </a:r>
+                    </a:p>
+                  </a:txBody>
+                  <a:tcPr marL="7481" marR="7481" marT="7481" marB="0" anchor="b">
+                    <a:lnL>
+                      <a:noFill/>
+                    </a:lnL>
+                    <a:lnR>
+                      <a:noFill/>
+                    </a:lnR>
+                    <a:lnT>
+                      <a:noFill/>
+                    </a:lnT>
+                    <a:lnB>
+                      <a:noFill/>
+                    </a:lnB>
+                  </a:tcPr>
+                </a:tc>
+                <a:extLst>
+                  <a:ext uri="{0D108BD9-81ED-4DB2-BD59-A6C34878D82A}">
+                    <a16:rowId xmlns:a16="http://schemas.microsoft.com/office/drawing/2014/main" val="2766393121"/>
+                  </a:ext>
+                </a:extLst>
+              </a:tr>
+              <a:tr h="179555">
+                <a:tc>
+                  <a:txBody>
+                    <a:bodyPr/>
+                    <a:lstStyle/>
+                    <a:p>
+                      <a:pPr algn="l" fontAlgn="b"/>
+                      <a:r>
+                        <a:rPr lang="en-US" sz="1100" b="0" i="0" u="none" strike="noStrike">
+                          <a:solidFill>
+                            <a:srgbClr val="000000"/>
+                          </a:solidFill>
+                          <a:effectLst/>
+                          <a:latin typeface="Calibri" panose="020F0502020204030204" pitchFamily="34" charset="0"/>
+                        </a:rPr>
+                        <a:t>PlugLoad_WattsPerSpaceFloorArea</a:t>
+                      </a:r>
+                    </a:p>
+                  </a:txBody>
+                  <a:tcPr marL="7481" marR="7481" marT="7481" marB="0" anchor="b">
+                    <a:lnL>
+                      <a:noFill/>
+                    </a:lnL>
+                    <a:lnR>
+                      <a:noFill/>
+                    </a:lnR>
+                    <a:lnT>
+                      <a:noFill/>
+                    </a:lnT>
+                    <a:lnB>
+                      <a:noFill/>
+                    </a:lnB>
+                  </a:tcPr>
+                </a:tc>
+                <a:tc>
+                  <a:txBody>
+                    <a:bodyPr/>
+                    <a:lstStyle/>
+                    <a:p>
+                      <a:pPr algn="l" fontAlgn="b"/>
+                      <a:r>
+                        <a:rPr lang="en-US" sz="1100" b="0" i="0" u="none" strike="noStrike">
+                          <a:solidFill>
+                            <a:srgbClr val="000000"/>
+                          </a:solidFill>
+                          <a:effectLst/>
+                          <a:latin typeface="Calibri" panose="020F0502020204030204" pitchFamily="34" charset="0"/>
+                        </a:rPr>
+                        <a:t>Office_Space_Type</a:t>
+                      </a:r>
+                    </a:p>
+                  </a:txBody>
+                  <a:tcPr marL="7481" marR="7481" marT="7481" marB="0" anchor="b">
+                    <a:lnL>
+                      <a:noFill/>
+                    </a:lnL>
+                    <a:lnR>
+                      <a:noFill/>
+                    </a:lnR>
+                    <a:lnT>
+                      <a:noFill/>
+                    </a:lnT>
+                    <a:lnB>
+                      <a:noFill/>
+                    </a:lnB>
+                  </a:tcPr>
+                </a:tc>
+                <a:tc>
+                  <a:txBody>
+                    <a:bodyPr/>
+                    <a:lstStyle/>
+                    <a:p>
+                      <a:pPr algn="r" fontAlgn="b"/>
+                      <a:r>
+                        <a:rPr lang="en-US" sz="1100" b="0" i="0" u="none" strike="noStrike">
+                          <a:solidFill>
+                            <a:srgbClr val="000000"/>
+                          </a:solidFill>
+                          <a:effectLst/>
+                          <a:latin typeface="Calibri" panose="020F0502020204030204" pitchFamily="34" charset="0"/>
+                        </a:rPr>
+                        <a:t>8.072932813</a:t>
+                      </a:r>
+                    </a:p>
+                  </a:txBody>
+                  <a:tcPr marL="7481" marR="7481" marT="7481" marB="0" anchor="b">
+                    <a:lnL>
+                      <a:noFill/>
+                    </a:lnL>
+                    <a:lnR>
+                      <a:noFill/>
+                    </a:lnR>
+                    <a:lnT>
+                      <a:noFill/>
+                    </a:lnT>
+                    <a:lnB>
+                      <a:noFill/>
+                    </a:lnB>
+                  </a:tcPr>
+                </a:tc>
+                <a:tc>
+                  <a:txBody>
+                    <a:bodyPr/>
+                    <a:lstStyle/>
+                    <a:p>
+                      <a:pPr algn="l" fontAlgn="b"/>
+                      <a:r>
+                        <a:rPr lang="en-US" sz="1100" b="0" i="0" u="none" strike="noStrike">
+                          <a:solidFill>
+                            <a:srgbClr val="000000"/>
+                          </a:solidFill>
+                          <a:effectLst/>
+                          <a:latin typeface="Calibri" panose="020F0502020204030204" pitchFamily="34" charset="0"/>
+                        </a:rPr>
+                        <a:t>Normal Relative</a:t>
+                      </a:r>
+                    </a:p>
+                  </a:txBody>
+                  <a:tcPr marL="7481" marR="7481" marT="7481" marB="0" anchor="b">
+                    <a:lnL>
+                      <a:noFill/>
+                    </a:lnL>
+                    <a:lnR>
+                      <a:noFill/>
+                    </a:lnR>
+                    <a:lnT>
+                      <a:noFill/>
+                    </a:lnT>
+                    <a:lnB>
+                      <a:noFill/>
+                    </a:lnB>
+                  </a:tcPr>
+                </a:tc>
+                <a:tc>
+                  <a:txBody>
+                    <a:bodyPr/>
+                    <a:lstStyle/>
+                    <a:p>
+                      <a:pPr algn="r" fontAlgn="b"/>
+                      <a:r>
+                        <a:rPr lang="en-US" sz="1100" b="0" i="0" u="none" strike="noStrike">
+                          <a:solidFill>
+                            <a:srgbClr val="000000"/>
+                          </a:solidFill>
+                          <a:effectLst/>
+                          <a:latin typeface="Calibri" panose="020F0502020204030204" pitchFamily="34" charset="0"/>
+                        </a:rPr>
+                        <a:t>1</a:t>
+                      </a:r>
+                    </a:p>
+                  </a:txBody>
+                  <a:tcPr marL="7481" marR="7481" marT="7481" marB="0" anchor="b">
+                    <a:lnL>
+                      <a:noFill/>
+                    </a:lnL>
+                    <a:lnR>
+                      <a:noFill/>
+                    </a:lnR>
+                    <a:lnT>
+                      <a:noFill/>
+                    </a:lnT>
+                    <a:lnB>
+                      <a:noFill/>
+                    </a:lnB>
+                  </a:tcPr>
+                </a:tc>
+                <a:tc>
+                  <a:txBody>
+                    <a:bodyPr/>
+                    <a:lstStyle/>
+                    <a:p>
+                      <a:pPr algn="r" fontAlgn="b"/>
+                      <a:r>
+                        <a:rPr lang="en-US" sz="1100" b="0" i="0" u="none" strike="noStrike">
+                          <a:solidFill>
+                            <a:srgbClr val="000000"/>
+                          </a:solidFill>
+                          <a:effectLst/>
+                          <a:latin typeface="Calibri" panose="020F0502020204030204" pitchFamily="34" charset="0"/>
+                        </a:rPr>
+                        <a:t>0.5</a:t>
+                      </a:r>
+                    </a:p>
+                  </a:txBody>
+                  <a:tcPr marL="7481" marR="7481" marT="7481" marB="0" anchor="b">
+                    <a:lnL>
+                      <a:noFill/>
+                    </a:lnL>
+                    <a:lnR>
+                      <a:noFill/>
+                    </a:lnR>
+                    <a:lnT>
+                      <a:noFill/>
+                    </a:lnT>
+                    <a:lnB>
+                      <a:noFill/>
+                    </a:lnB>
+                  </a:tcPr>
+                </a:tc>
+                <a:tc>
+                  <a:txBody>
+                    <a:bodyPr/>
+                    <a:lstStyle/>
+                    <a:p>
+                      <a:pPr algn="r" fontAlgn="b"/>
+                      <a:r>
+                        <a:rPr lang="en-US" sz="1100" b="0" i="0" u="none" strike="noStrike">
+                          <a:solidFill>
+                            <a:srgbClr val="000000"/>
+                          </a:solidFill>
+                          <a:effectLst/>
+                          <a:latin typeface="Calibri" panose="020F0502020204030204" pitchFamily="34" charset="0"/>
+                        </a:rPr>
+                        <a:t>0</a:t>
+                      </a:r>
+                    </a:p>
+                  </a:txBody>
+                  <a:tcPr marL="7481" marR="7481" marT="7481" marB="0" anchor="b">
+                    <a:lnL>
+                      <a:noFill/>
+                    </a:lnL>
+                    <a:lnR>
+                      <a:noFill/>
+                    </a:lnR>
+                    <a:lnT>
+                      <a:noFill/>
+                    </a:lnT>
+                    <a:lnB>
+                      <a:noFill/>
+                    </a:lnB>
+                  </a:tcPr>
+                </a:tc>
+                <a:tc>
+                  <a:txBody>
+                    <a:bodyPr/>
+                    <a:lstStyle/>
+                    <a:p>
+                      <a:pPr algn="r" fontAlgn="b"/>
+                      <a:r>
+                        <a:rPr lang="en-US" sz="1100" b="0" i="0" u="none" strike="noStrike">
+                          <a:solidFill>
+                            <a:srgbClr val="000000"/>
+                          </a:solidFill>
+                          <a:effectLst/>
+                          <a:latin typeface="Calibri" panose="020F0502020204030204" pitchFamily="34" charset="0"/>
+                        </a:rPr>
+                        <a:t>50</a:t>
+                      </a:r>
+                    </a:p>
+                  </a:txBody>
+                  <a:tcPr marL="7481" marR="7481" marT="7481" marB="0" anchor="b">
+                    <a:lnL>
+                      <a:noFill/>
+                    </a:lnL>
+                    <a:lnR>
+                      <a:noFill/>
+                    </a:lnR>
+                    <a:lnT>
+                      <a:noFill/>
+                    </a:lnT>
+                    <a:lnB>
+                      <a:noFill/>
+                    </a:lnB>
+                  </a:tcPr>
+                </a:tc>
+                <a:extLst>
+                  <a:ext uri="{0D108BD9-81ED-4DB2-BD59-A6C34878D82A}">
+                    <a16:rowId xmlns:a16="http://schemas.microsoft.com/office/drawing/2014/main" val="3220892165"/>
+                  </a:ext>
+                </a:extLst>
+              </a:tr>
+              <a:tr h="179555">
+                <a:tc>
+                  <a:txBody>
+                    <a:bodyPr/>
+                    <a:lstStyle/>
+                    <a:p>
+                      <a:pPr algn="l" fontAlgn="b"/>
+                      <a:r>
+                        <a:rPr lang="en-US" sz="1100" b="0" i="0" u="none" strike="noStrike">
+                          <a:solidFill>
+                            <a:srgbClr val="000000"/>
+                          </a:solidFill>
+                          <a:effectLst/>
+                          <a:latin typeface="Calibri" panose="020F0502020204030204" pitchFamily="34" charset="0"/>
+                        </a:rPr>
+                        <a:t>People_SpaceFloorAreaPerPerson</a:t>
+                      </a:r>
+                    </a:p>
+                  </a:txBody>
+                  <a:tcPr marL="7481" marR="7481" marT="7481" marB="0" anchor="b">
+                    <a:lnL>
+                      <a:noFill/>
+                    </a:lnL>
+                    <a:lnR>
+                      <a:noFill/>
+                    </a:lnR>
+                    <a:lnT>
+                      <a:noFill/>
+                    </a:lnT>
+                    <a:lnB>
+                      <a:noFill/>
+                    </a:lnB>
+                  </a:tcPr>
+                </a:tc>
+                <a:tc>
+                  <a:txBody>
+                    <a:bodyPr/>
+                    <a:lstStyle/>
+                    <a:p>
+                      <a:pPr algn="l" fontAlgn="b"/>
+                      <a:r>
+                        <a:rPr lang="en-US" sz="1100" b="0" i="0" u="none" strike="noStrike">
+                          <a:solidFill>
+                            <a:srgbClr val="000000"/>
+                          </a:solidFill>
+                          <a:effectLst/>
+                          <a:latin typeface="Calibri" panose="020F0502020204030204" pitchFamily="34" charset="0"/>
+                        </a:rPr>
+                        <a:t>Office_Space_Type</a:t>
+                      </a:r>
+                    </a:p>
+                  </a:txBody>
+                  <a:tcPr marL="7481" marR="7481" marT="7481" marB="0" anchor="b">
+                    <a:lnL>
+                      <a:noFill/>
+                    </a:lnL>
+                    <a:lnR>
+                      <a:noFill/>
+                    </a:lnR>
+                    <a:lnT>
+                      <a:noFill/>
+                    </a:lnT>
+                    <a:lnB>
+                      <a:noFill/>
+                    </a:lnB>
+                  </a:tcPr>
+                </a:tc>
+                <a:tc>
+                  <a:txBody>
+                    <a:bodyPr/>
+                    <a:lstStyle/>
+                    <a:p>
+                      <a:pPr algn="r" fontAlgn="b"/>
+                      <a:r>
+                        <a:rPr lang="en-US" sz="1100" b="0" i="0" u="none" strike="noStrike">
+                          <a:solidFill>
+                            <a:srgbClr val="000000"/>
+                          </a:solidFill>
+                          <a:effectLst/>
+                          <a:latin typeface="Calibri" panose="020F0502020204030204" pitchFamily="34" charset="0"/>
+                        </a:rPr>
+                        <a:t>18.58060872</a:t>
+                      </a:r>
+                    </a:p>
+                  </a:txBody>
+                  <a:tcPr marL="7481" marR="7481" marT="7481" marB="0" anchor="b">
+                    <a:lnL>
+                      <a:noFill/>
+                    </a:lnL>
+                    <a:lnR>
+                      <a:noFill/>
+                    </a:lnR>
+                    <a:lnT>
+                      <a:noFill/>
+                    </a:lnT>
+                    <a:lnB>
+                      <a:noFill/>
+                    </a:lnB>
+                  </a:tcPr>
+                </a:tc>
+                <a:tc>
+                  <a:txBody>
+                    <a:bodyPr/>
+                    <a:lstStyle/>
+                    <a:p>
+                      <a:pPr algn="l" fontAlgn="b"/>
+                      <a:r>
+                        <a:rPr lang="en-US" sz="1100" b="0" i="0" u="none" strike="noStrike">
+                          <a:solidFill>
+                            <a:srgbClr val="000000"/>
+                          </a:solidFill>
+                          <a:effectLst/>
+                          <a:latin typeface="Calibri" panose="020F0502020204030204" pitchFamily="34" charset="0"/>
+                        </a:rPr>
+                        <a:t>Normal Relative</a:t>
+                      </a:r>
+                    </a:p>
+                  </a:txBody>
+                  <a:tcPr marL="7481" marR="7481" marT="7481" marB="0" anchor="b">
+                    <a:lnL>
+                      <a:noFill/>
+                    </a:lnL>
+                    <a:lnR>
+                      <a:noFill/>
+                    </a:lnR>
+                    <a:lnT>
+                      <a:noFill/>
+                    </a:lnT>
+                    <a:lnB>
+                      <a:noFill/>
+                    </a:lnB>
+                  </a:tcPr>
+                </a:tc>
+                <a:tc>
+                  <a:txBody>
+                    <a:bodyPr/>
+                    <a:lstStyle/>
+                    <a:p>
+                      <a:pPr algn="r" fontAlgn="b"/>
+                      <a:r>
+                        <a:rPr lang="en-US" sz="1100" b="0" i="0" u="none" strike="noStrike">
+                          <a:solidFill>
+                            <a:srgbClr val="000000"/>
+                          </a:solidFill>
+                          <a:effectLst/>
+                          <a:latin typeface="Calibri" panose="020F0502020204030204" pitchFamily="34" charset="0"/>
+                        </a:rPr>
+                        <a:t>1</a:t>
+                      </a:r>
+                    </a:p>
+                  </a:txBody>
+                  <a:tcPr marL="7481" marR="7481" marT="7481" marB="0" anchor="b">
+                    <a:lnL>
+                      <a:noFill/>
+                    </a:lnL>
+                    <a:lnR>
+                      <a:noFill/>
+                    </a:lnR>
+                    <a:lnT>
+                      <a:noFill/>
+                    </a:lnT>
+                    <a:lnB>
+                      <a:noFill/>
+                    </a:lnB>
+                  </a:tcPr>
+                </a:tc>
+                <a:tc>
+                  <a:txBody>
+                    <a:bodyPr/>
+                    <a:lstStyle/>
+                    <a:p>
+                      <a:pPr algn="r" fontAlgn="b"/>
+                      <a:r>
+                        <a:rPr lang="en-US" sz="1100" b="0" i="0" u="none" strike="noStrike">
+                          <a:solidFill>
+                            <a:srgbClr val="000000"/>
+                          </a:solidFill>
+                          <a:effectLst/>
+                          <a:latin typeface="Calibri" panose="020F0502020204030204" pitchFamily="34" charset="0"/>
+                        </a:rPr>
+                        <a:t>0.5</a:t>
+                      </a:r>
+                    </a:p>
+                  </a:txBody>
+                  <a:tcPr marL="7481" marR="7481" marT="7481" marB="0" anchor="b">
+                    <a:lnL>
+                      <a:noFill/>
+                    </a:lnL>
+                    <a:lnR>
+                      <a:noFill/>
+                    </a:lnR>
+                    <a:lnT>
+                      <a:noFill/>
+                    </a:lnT>
+                    <a:lnB>
+                      <a:noFill/>
+                    </a:lnB>
+                  </a:tcPr>
+                </a:tc>
+                <a:tc>
+                  <a:txBody>
+                    <a:bodyPr/>
+                    <a:lstStyle/>
+                    <a:p>
+                      <a:pPr algn="r" fontAlgn="b"/>
+                      <a:r>
+                        <a:rPr lang="en-US" sz="1100" b="0" i="0" u="none" strike="noStrike">
+                          <a:solidFill>
+                            <a:srgbClr val="000000"/>
+                          </a:solidFill>
+                          <a:effectLst/>
+                          <a:latin typeface="Calibri" panose="020F0502020204030204" pitchFamily="34" charset="0"/>
+                        </a:rPr>
+                        <a:t>0</a:t>
+                      </a:r>
+                    </a:p>
+                  </a:txBody>
+                  <a:tcPr marL="7481" marR="7481" marT="7481" marB="0" anchor="b">
+                    <a:lnL>
+                      <a:noFill/>
+                    </a:lnL>
+                    <a:lnR>
+                      <a:noFill/>
+                    </a:lnR>
+                    <a:lnT>
+                      <a:noFill/>
+                    </a:lnT>
+                    <a:lnB>
+                      <a:noFill/>
+                    </a:lnB>
+                  </a:tcPr>
+                </a:tc>
+                <a:tc>
+                  <a:txBody>
+                    <a:bodyPr/>
+                    <a:lstStyle/>
+                    <a:p>
+                      <a:pPr algn="r" fontAlgn="b"/>
+                      <a:r>
+                        <a:rPr lang="en-US" sz="1100" b="0" i="0" u="none" strike="noStrike" dirty="0">
+                          <a:solidFill>
+                            <a:srgbClr val="000000"/>
+                          </a:solidFill>
+                          <a:effectLst/>
+                          <a:latin typeface="Calibri" panose="020F0502020204030204" pitchFamily="34" charset="0"/>
+                        </a:rPr>
+                        <a:t>30</a:t>
+                      </a:r>
+                    </a:p>
+                  </a:txBody>
+                  <a:tcPr marL="7481" marR="7481" marT="7481" marB="0" anchor="b">
+                    <a:lnL>
+                      <a:noFill/>
+                    </a:lnL>
+                    <a:lnR>
+                      <a:noFill/>
+                    </a:lnR>
+                    <a:lnT>
+                      <a:noFill/>
+                    </a:lnT>
+                    <a:lnB>
+                      <a:noFill/>
+                    </a:lnB>
+                  </a:tcPr>
+                </a:tc>
+                <a:extLst>
+                  <a:ext uri="{0D108BD9-81ED-4DB2-BD59-A6C34878D82A}">
+                    <a16:rowId xmlns:a16="http://schemas.microsoft.com/office/drawing/2014/main" val="1910982281"/>
+                  </a:ext>
+                </a:extLst>
+              </a:tr>
+            </a:tbl>
+          </a:graphicData>
+        </a:graphic>
+      </p:graphicFrame>
     </p:spTree>
     <p:extLst>
       <p:ext uri="{BB962C8B-B14F-4D97-AF65-F5344CB8AC3E}">
@@ -11643,13 +12544,6 @@
   <p:clrMapOvr>
     <a:masterClrMapping/>
   </p:clrMapOvr>
-  <p:timing>
-    <p:tnLst>
-      <p:par>
-        <p:cTn id="1" dur="indefinite" restart="never" nodeType="tmRoot"/>
-      </p:par>
-    </p:tnLst>
-  </p:timing>
 </p:sld>
 </file>
 
@@ -11688,221 +12582,14 @@
             <a:pPr marL="0" indent="0"/>
             <a:r>
               <a:rPr lang="en-US" dirty="0"/>
-              <a:t>OSM </a:t>
-            </a:r>
-            <a:r>
-              <a:rPr lang="en-US" dirty="0" err="1"/>
-              <a:t>RunManager</a:t>
-            </a:r>
-            <a:endParaRPr lang="en-US" dirty="0"/>
-          </a:p>
-        </p:txBody>
-      </p:sp>
-      <p:sp>
-        <p:nvSpPr>
-          <p:cNvPr id="3" name="Content Placeholder 2"/>
-          <p:cNvSpPr>
-            <a:spLocks noGrp="1"/>
-          </p:cNvSpPr>
-          <p:nvPr>
-            <p:ph idx="1"/>
-          </p:nvPr>
-        </p:nvSpPr>
-        <p:spPr>
-          <a:xfrm>
-            <a:off x="381000" y="1066799"/>
-            <a:ext cx="8229600" cy="533401"/>
-          </a:xfrm>
-        </p:spPr>
-        <p:txBody>
-          <a:bodyPr/>
-          <a:lstStyle/>
-          <a:p>
-            <a:pPr marL="0" indent="0">
-              <a:buNone/>
-            </a:pPr>
-            <a:endParaRPr lang="en-US" sz="1600" dirty="0"/>
-          </a:p>
-          <a:p>
-            <a:pPr marL="0" indent="0">
-              <a:buNone/>
-            </a:pPr>
-            <a:r>
-              <a:rPr lang="en-US" sz="1600" dirty="0"/>
-              <a:t>The program will automatically start the OSM </a:t>
-            </a:r>
-            <a:r>
-              <a:rPr lang="en-US" sz="1600" dirty="0" err="1" smtClean="0"/>
-              <a:t>RunManager</a:t>
-            </a:r>
-            <a:r>
-              <a:rPr lang="en-US" sz="1600" dirty="0" smtClean="0"/>
-              <a:t> and </a:t>
-            </a:r>
-            <a:r>
-              <a:rPr lang="en-US" sz="1600" dirty="0"/>
-              <a:t>run generated .</a:t>
-            </a:r>
-            <a:r>
-              <a:rPr lang="en-US" sz="1600" dirty="0" err="1"/>
-              <a:t>osm</a:t>
-            </a:r>
-            <a:r>
-              <a:rPr lang="en-US" sz="1600" dirty="0"/>
-              <a:t> files. </a:t>
-            </a:r>
-          </a:p>
-          <a:p>
-            <a:pPr marL="0" indent="0">
-              <a:buNone/>
-            </a:pPr>
-            <a:r>
-              <a:rPr lang="en-US" sz="1600" dirty="0" smtClean="0"/>
-              <a:t>This process may take from minutes to hours depending on the total number of the simulation run and the complexity of the model. </a:t>
-            </a:r>
-          </a:p>
-          <a:p>
-            <a:pPr marL="0" indent="0">
-              <a:buNone/>
-            </a:pPr>
-            <a:endParaRPr lang="en-US" sz="1600" dirty="0"/>
-          </a:p>
-          <a:p>
-            <a:pPr marL="0" indent="0">
-              <a:buNone/>
-            </a:pPr>
-            <a:endParaRPr lang="en-US" sz="1600" dirty="0"/>
-          </a:p>
-        </p:txBody>
-      </p:sp>
-      <p:sp>
-        <p:nvSpPr>
-          <p:cNvPr id="7" name="Rectangle 6"/>
-          <p:cNvSpPr/>
-          <p:nvPr/>
-        </p:nvSpPr>
-        <p:spPr bwMode="auto">
-          <a:xfrm>
-            <a:off x="2057400" y="4038600"/>
-            <a:ext cx="1219200" cy="304800"/>
-          </a:xfrm>
-          <a:prstGeom prst="rect">
-            <a:avLst/>
-          </a:prstGeom>
-          <a:noFill/>
-          <a:ln w="9525" cap="flat" cmpd="sng" algn="ctr">
-            <a:noFill/>
-            <a:prstDash val="solid"/>
-            <a:round/>
-            <a:headEnd type="none" w="med" len="med"/>
-            <a:tailEnd type="none" w="med" len="med"/>
-          </a:ln>
-          <a:effectLst/>
-        </p:spPr>
-        <p:txBody>
-          <a:bodyPr vert="horz" wrap="square" lIns="91440" tIns="45720" rIns="91440" bIns="45720" numCol="1" rtlCol="0" anchor="t" anchorCtr="0" compatLnSpc="1">
-            <a:prstTxWarp prst="textNoShape">
-              <a:avLst/>
-            </a:prstTxWarp>
-          </a:bodyPr>
-          <a:lstStyle/>
-          <a:p>
-            <a:pPr marL="0" marR="0" indent="0" algn="l" defTabSz="914400" rtl="0" eaLnBrk="1" fontAlgn="base" latinLnBrk="0" hangingPunct="1">
-              <a:lnSpc>
-                <a:spcPct val="100000"/>
-              </a:lnSpc>
-              <a:spcBef>
-                <a:spcPct val="0"/>
-              </a:spcBef>
-              <a:spcAft>
-                <a:spcPct val="0"/>
-              </a:spcAft>
-              <a:buClrTx/>
-              <a:buSzTx/>
-              <a:buFontTx/>
-              <a:buNone/>
-              <a:tabLst/>
-            </a:pPr>
-            <a:endParaRPr kumimoji="0" lang="en-US" sz="1800" b="0" i="0" u="none" strike="noStrike" cap="none" normalizeH="0" baseline="0" smtClean="0">
-              <a:ln>
-                <a:noFill/>
-              </a:ln>
-              <a:solidFill>
-                <a:schemeClr val="tx1"/>
-              </a:solidFill>
-              <a:effectLst/>
-              <a:latin typeface="Calibri" pitchFamily="34" charset="0"/>
-            </a:endParaRPr>
-          </a:p>
-        </p:txBody>
-      </p:sp>
-      <p:pic>
-        <p:nvPicPr>
-          <p:cNvPr id="13315" name="Picture 3"/>
-          <p:cNvPicPr>
-            <a:picLocks noChangeAspect="1" noChangeArrowheads="1"/>
-          </p:cNvPicPr>
-          <p:nvPr/>
-        </p:nvPicPr>
-        <p:blipFill>
-          <a:blip r:embed="rId2">
-            <a:extLst>
-              <a:ext uri="{28A0092B-C50C-407E-A947-70E740481C1C}">
-                <a14:useLocalDpi xmlns:a14="http://schemas.microsoft.com/office/drawing/2010/main" val="0"/>
-              </a:ext>
-            </a:extLst>
-          </a:blip>
-          <a:srcRect/>
-          <a:stretch>
-            <a:fillRect/>
-          </a:stretch>
-        </p:blipFill>
-        <p:spPr bwMode="auto">
-          <a:xfrm>
-            <a:off x="1393824" y="2738437"/>
-            <a:ext cx="6335713" cy="2905125"/>
-          </a:xfrm>
-          <a:prstGeom prst="rect">
-            <a:avLst/>
-          </a:prstGeom>
-          <a:noFill/>
-          <a:ln>
-            <a:noFill/>
-          </a:ln>
-          <a:effectLst/>
-          <a:extLst>
-            <a:ext uri="{909E8E84-426E-40DD-AFC4-6F175D3DCCD1}">
-              <a14:hiddenFill xmlns:a14="http://schemas.microsoft.com/office/drawing/2010/main">
-                <a:solidFill>
-                  <a:schemeClr val="accent1"/>
-                </a:solidFill>
-              </a14:hiddenFill>
-            </a:ext>
-            <a:ext uri="{91240B29-F687-4F45-9708-019B960494DF}">
-              <a14:hiddenLine xmlns:a14="http://schemas.microsoft.com/office/drawing/2010/main" w="9525">
-                <a:solidFill>
-                  <a:schemeClr val="tx1"/>
-                </a:solidFill>
-                <a:miter lim="800000"/>
-                <a:headEnd/>
-                <a:tailEnd/>
-              </a14:hiddenLine>
-            </a:ext>
-            <a:ext uri="{AF507438-7753-43E0-B8FC-AC1667EBCBE1}">
-              <a14:hiddenEffects xmlns:a14="http://schemas.microsoft.com/office/drawing/2010/main">
-                <a:effectLst>
-                  <a:outerShdw dist="35921" dir="2700000" algn="ctr" rotWithShape="0">
-                    <a:schemeClr val="bg2"/>
-                  </a:outerShdw>
-                </a:effectLst>
-              </a14:hiddenEffects>
-            </a:ext>
-          </a:extLst>
-        </p:spPr>
-      </p:pic>
-      <p:sp>
-        <p:nvSpPr>
-          <p:cNvPr id="5" name="Slide Number Placeholder 4"/>
+              <a:t>Output Files</a:t>
+            </a:r>
+          </a:p>
+        </p:txBody>
+      </p:sp>
+      <p:sp>
+        <p:nvSpPr>
+          <p:cNvPr id="4" name="Slide Number Placeholder 3"/>
           <p:cNvSpPr>
             <a:spLocks noGrp="1"/>
           </p:cNvSpPr>
@@ -11924,95 +12611,6 @@
                 <a:defRPr/>
               </a:pPr>
               <a:t>14</a:t>
-            </a:fld>
-            <a:endParaRPr lang="en-US"/>
-          </a:p>
-        </p:txBody>
-      </p:sp>
-    </p:spTree>
-    <p:extLst>
-      <p:ext uri="{BB962C8B-B14F-4D97-AF65-F5344CB8AC3E}">
-        <p14:creationId xmlns:p14="http://schemas.microsoft.com/office/powerpoint/2010/main" val="84041882"/>
-      </p:ext>
-    </p:extLst>
-  </p:cSld>
-  <p:clrMapOvr>
-    <a:masterClrMapping/>
-  </p:clrMapOvr>
-  <p:timing>
-    <p:tnLst>
-      <p:par>
-        <p:cTn id="1" dur="indefinite" restart="never" nodeType="tmRoot"/>
-      </p:par>
-    </p:tnLst>
-  </p:timing>
-</p:sld>
-</file>
-
-<file path=ppt/slides/slide15.xml><?xml version="1.0" encoding="utf-8"?>
-<p:sld xmlns:a="http://schemas.openxmlformats.org/drawingml/2006/main" xmlns:r="http://schemas.openxmlformats.org/officeDocument/2006/relationships" xmlns:p="http://schemas.openxmlformats.org/presentationml/2006/main">
-  <p:cSld>
-    <p:spTree>
-      <p:nvGrpSpPr>
-        <p:cNvPr id="1" name=""/>
-        <p:cNvGrpSpPr/>
-        <p:nvPr/>
-      </p:nvGrpSpPr>
-      <p:grpSpPr>
-        <a:xfrm>
-          <a:off x="0" y="0"/>
-          <a:ext cx="0" cy="0"/>
-          <a:chOff x="0" y="0"/>
-          <a:chExt cx="0" cy="0"/>
-        </a:xfrm>
-      </p:grpSpPr>
-      <p:sp>
-        <p:nvSpPr>
-          <p:cNvPr id="2" name="Title 1"/>
-          <p:cNvSpPr>
-            <a:spLocks noGrp="1"/>
-          </p:cNvSpPr>
-          <p:nvPr>
-            <p:ph type="title"/>
-          </p:nvPr>
-        </p:nvSpPr>
-        <p:spPr/>
-        <p:txBody>
-          <a:bodyPr/>
-          <a:lstStyle/>
-          <a:p>
-            <a:pPr marL="0" indent="0"/>
-            <a:r>
-              <a:rPr lang="en-US" dirty="0"/>
-              <a:t>Output Files</a:t>
-            </a:r>
-          </a:p>
-        </p:txBody>
-      </p:sp>
-      <p:sp>
-        <p:nvSpPr>
-          <p:cNvPr id="4" name="Slide Number Placeholder 3"/>
-          <p:cNvSpPr>
-            <a:spLocks noGrp="1"/>
-          </p:cNvSpPr>
-          <p:nvPr>
-            <p:ph type="sldNum" sz="quarter" idx="13"/>
-          </p:nvPr>
-        </p:nvSpPr>
-        <p:spPr/>
-        <p:txBody>
-          <a:bodyPr/>
-          <a:lstStyle/>
-          <a:p>
-            <a:pPr>
-              <a:defRPr/>
-            </a:pPr>
-            <a:fld id="{8BA6C1E7-5034-4BC9-BC9C-BA01E1C9DAA7}" type="slidenum">
-              <a:rPr lang="en-US" smtClean="0"/>
-              <a:pPr>
-                <a:defRPr/>
-              </a:pPr>
-              <a:t>15</a:t>
             </a:fld>
             <a:endParaRPr lang="en-US" dirty="0"/>
           </a:p>
@@ -12238,19 +12836,11 @@
               <a:buNone/>
             </a:pPr>
             <a:r>
-              <a:rPr lang="en-US" sz="1600" kern="0" dirty="0" smtClean="0"/>
-              <a:t>If the run has completed successfully, output files of the uncertainty </a:t>
-            </a:r>
-            <a:r>
               <a:rPr lang="en-US" sz="1600" kern="0" dirty="0"/>
-              <a:t>a</a:t>
-            </a:r>
-            <a:r>
-              <a:rPr lang="en-US" sz="1600" kern="0" dirty="0" smtClean="0"/>
-              <a:t>nalysis are generated in .</a:t>
-            </a:r>
-            <a:r>
-              <a:rPr lang="en-US" sz="1600" kern="0" dirty="0" smtClean="0">
+              <a:t>If the run has completed successfully, output files of the uncertainty analysis are generated in .</a:t>
+            </a:r>
+            <a:r>
+              <a:rPr lang="en-US" sz="1600" kern="0" dirty="0">
                 <a:solidFill>
                   <a:srgbClr val="C00000"/>
                 </a:solidFill>
@@ -12258,7 +12848,7 @@
               <a:t>../</a:t>
             </a:r>
             <a:r>
-              <a:rPr lang="en-US" sz="1600" kern="0" dirty="0" err="1" smtClean="0">
+              <a:rPr lang="en-US" sz="1600" kern="0" dirty="0" err="1">
                 <a:solidFill>
                   <a:srgbClr val="C00000"/>
                 </a:solidFill>
@@ -12266,7 +12856,7 @@
               <a:t>UA_Output</a:t>
             </a:r>
             <a:r>
-              <a:rPr lang="en-US" sz="1600" kern="0" dirty="0" smtClean="0">
+              <a:rPr lang="en-US" sz="1600" kern="0" dirty="0">
                 <a:solidFill>
                   <a:srgbClr val="C00000"/>
                 </a:solidFill>
@@ -12274,11 +12864,11 @@
               <a:t> </a:t>
             </a:r>
             <a:r>
-              <a:rPr lang="en-US" sz="1600" kern="0" dirty="0" smtClean="0"/>
+              <a:rPr lang="en-US" sz="1600" kern="0" dirty="0"/>
               <a:t>and</a:t>
             </a:r>
             <a:r>
-              <a:rPr lang="en-US" sz="1600" kern="0" dirty="0" smtClean="0">
+              <a:rPr lang="en-US" sz="1600" kern="0" dirty="0">
                 <a:solidFill>
                   <a:srgbClr val="C00000"/>
                 </a:solidFill>
@@ -12286,7 +12876,7 @@
               <a:t> .../</a:t>
             </a:r>
             <a:r>
-              <a:rPr lang="en-US" sz="1600" kern="0" dirty="0" err="1" smtClean="0">
+              <a:rPr lang="en-US" sz="1600" kern="0" dirty="0" err="1">
                 <a:solidFill>
                   <a:srgbClr val="C00000"/>
                 </a:solidFill>
@@ -12294,7 +12884,7 @@
               <a:t>UA_Simulations</a:t>
             </a:r>
             <a:r>
-              <a:rPr lang="en-US" sz="1600" kern="0" dirty="0" smtClean="0">
+              <a:rPr lang="en-US" sz="1600" kern="0" dirty="0">
                 <a:solidFill>
                   <a:srgbClr val="C00000"/>
                 </a:solidFill>
@@ -12302,7 +12892,7 @@
               <a:t> </a:t>
             </a:r>
             <a:r>
-              <a:rPr lang="en-US" sz="1600" kern="0" dirty="0" smtClean="0"/>
+              <a:rPr lang="en-US" sz="1600" kern="0" dirty="0"/>
               <a:t>folder.</a:t>
             </a:r>
           </a:p>
@@ -12311,7 +12901,7 @@
               <a:buNone/>
             </a:pPr>
             <a:r>
-              <a:rPr lang="en-US" sz="1600" kern="0" dirty="0" smtClean="0"/>
+              <a:rPr lang="en-US" sz="1600" kern="0" dirty="0"/>
               <a:t>The </a:t>
             </a:r>
             <a:r>
@@ -12323,7 +12913,7 @@
               <a:t>UA_Output</a:t>
             </a:r>
             <a:r>
-              <a:rPr lang="en-US" sz="1600" kern="0" dirty="0" smtClean="0"/>
+              <a:rPr lang="en-US" sz="1600" kern="0" dirty="0"/>
               <a:t> folder contains the output of the uncertainty analysis. The </a:t>
             </a:r>
             <a:r>
@@ -12335,15 +12925,15 @@
               <a:t>UA_Simulations</a:t>
             </a:r>
             <a:r>
-              <a:rPr lang="en-US" sz="1600" kern="0" dirty="0" smtClean="0"/>
+              <a:rPr lang="en-US" sz="1600" kern="0" dirty="0"/>
               <a:t> folder contains the sample </a:t>
             </a:r>
             <a:r>
-              <a:rPr lang="en-US" sz="1600" kern="0" dirty="0" err="1" smtClean="0"/>
+              <a:rPr lang="en-US" sz="1600" kern="0" dirty="0" err="1"/>
               <a:t>os</a:t>
             </a:r>
             <a:r>
-              <a:rPr lang="en-US" sz="1600" kern="0" dirty="0" smtClean="0"/>
+              <a:rPr lang="en-US" sz="1600" kern="0" dirty="0"/>
               <a:t> models generated by the program. </a:t>
             </a:r>
           </a:p>
@@ -12352,7 +12942,7 @@
               <a:buFont typeface="Arial" pitchFamily="34" charset="0"/>
               <a:buNone/>
             </a:pPr>
-            <a:endParaRPr lang="en-US" sz="1600" kern="0" dirty="0" smtClean="0"/>
+            <a:endParaRPr lang="en-US" sz="1600" kern="0" dirty="0"/>
           </a:p>
           <a:p>
             <a:pPr marL="0" indent="0">
@@ -12363,134 +12953,6 @@
           </a:p>
         </p:txBody>
       </p:sp>
-      <p:pic>
-        <p:nvPicPr>
-          <p:cNvPr id="14339" name="Picture 3"/>
-          <p:cNvPicPr>
-            <a:picLocks noChangeAspect="1" noChangeArrowheads="1"/>
-          </p:cNvPicPr>
-          <p:nvPr/>
-        </p:nvPicPr>
-        <p:blipFill>
-          <a:blip r:embed="rId3">
-            <a:extLst>
-              <a:ext uri="{28A0092B-C50C-407E-A947-70E740481C1C}">
-                <a14:useLocalDpi xmlns:a14="http://schemas.microsoft.com/office/drawing/2010/main" val="0"/>
-              </a:ext>
-            </a:extLst>
-          </a:blip>
-          <a:srcRect/>
-          <a:stretch>
-            <a:fillRect/>
-          </a:stretch>
-        </p:blipFill>
-        <p:spPr bwMode="auto">
-          <a:xfrm>
-            <a:off x="3236913" y="4543425"/>
-            <a:ext cx="5907087" cy="1666875"/>
-          </a:xfrm>
-          <a:prstGeom prst="rect">
-            <a:avLst/>
-          </a:prstGeom>
-          <a:noFill/>
-          <a:ln>
-            <a:noFill/>
-          </a:ln>
-          <a:effectLst/>
-          <a:extLst>
-            <a:ext uri="{909E8E84-426E-40DD-AFC4-6F175D3DCCD1}">
-              <a14:hiddenFill xmlns:a14="http://schemas.microsoft.com/office/drawing/2010/main">
-                <a:solidFill>
-                  <a:schemeClr val="accent1"/>
-                </a:solidFill>
-              </a14:hiddenFill>
-            </a:ext>
-            <a:ext uri="{91240B29-F687-4F45-9708-019B960494DF}">
-              <a14:hiddenLine xmlns:a14="http://schemas.microsoft.com/office/drawing/2010/main" w="9525">
-                <a:solidFill>
-                  <a:schemeClr val="tx1"/>
-                </a:solidFill>
-                <a:miter lim="800000"/>
-                <a:headEnd/>
-                <a:tailEnd/>
-              </a14:hiddenLine>
-            </a:ext>
-            <a:ext uri="{AF507438-7753-43E0-B8FC-AC1667EBCBE1}">
-              <a14:hiddenEffects xmlns:a14="http://schemas.microsoft.com/office/drawing/2010/main">
-                <a:effectLst>
-                  <a:outerShdw dist="35921" dir="2700000" algn="ctr" rotWithShape="0">
-                    <a:schemeClr val="bg2"/>
-                  </a:outerShdw>
-                </a:effectLst>
-              </a14:hiddenEffects>
-            </a:ext>
-          </a:extLst>
-        </p:spPr>
-      </p:pic>
-      <p:pic>
-        <p:nvPicPr>
-          <p:cNvPr id="14340" name="Picture 4"/>
-          <p:cNvPicPr>
-            <a:picLocks noChangeAspect="1" noChangeArrowheads="1"/>
-          </p:cNvPicPr>
-          <p:nvPr/>
-        </p:nvPicPr>
-        <p:blipFill>
-          <a:blip r:embed="rId4">
-            <a:extLst>
-              <a:ext uri="{28A0092B-C50C-407E-A947-70E740481C1C}">
-                <a14:useLocalDpi xmlns:a14="http://schemas.microsoft.com/office/drawing/2010/main" val="0"/>
-              </a:ext>
-            </a:extLst>
-          </a:blip>
-          <a:srcRect/>
-          <a:stretch>
-            <a:fillRect/>
-          </a:stretch>
-        </p:blipFill>
-        <p:spPr bwMode="auto">
-          <a:xfrm>
-            <a:off x="685800" y="4572000"/>
-            <a:ext cx="2790825" cy="1419225"/>
-          </a:xfrm>
-          <a:prstGeom prst="rect">
-            <a:avLst/>
-          </a:prstGeom>
-          <a:noFill/>
-          <a:ln>
-            <a:noFill/>
-          </a:ln>
-          <a:effectLst/>
-          <a:extLst>
-            <a:ext uri="{909E8E84-426E-40DD-AFC4-6F175D3DCCD1}">
-              <a14:hiddenFill xmlns:a14="http://schemas.microsoft.com/office/drawing/2010/main">
-                <a:solidFill>
-                  <a:schemeClr val="accent1"/>
-                </a:solidFill>
-              </a14:hiddenFill>
-            </a:ext>
-            <a:ext uri="{91240B29-F687-4F45-9708-019B960494DF}">
-              <a14:hiddenLine xmlns:a14="http://schemas.microsoft.com/office/drawing/2010/main" w="9525">
-                <a:solidFill>
-                  <a:schemeClr val="tx1"/>
-                </a:solidFill>
-                <a:miter lim="800000"/>
-                <a:headEnd/>
-                <a:tailEnd/>
-              </a14:hiddenLine>
-            </a:ext>
-            <a:ext uri="{AF507438-7753-43E0-B8FC-AC1667EBCBE1}">
-              <a14:hiddenEffects xmlns:a14="http://schemas.microsoft.com/office/drawing/2010/main">
-                <a:effectLst>
-                  <a:outerShdw dist="35921" dir="2700000" algn="ctr" rotWithShape="0">
-                    <a:schemeClr val="bg2"/>
-                  </a:outerShdw>
-                </a:effectLst>
-              </a14:hiddenEffects>
-            </a:ext>
-          </a:extLst>
-        </p:spPr>
-      </p:pic>
       <p:pic>
         <p:nvPicPr>
           <p:cNvPr id="14341" name="Picture 5"/>
@@ -12500,7 +12962,7 @@
           <p:nvPr/>
         </p:nvPicPr>
         <p:blipFill>
-          <a:blip r:embed="rId5">
+          <a:blip r:embed="rId3">
             <a:extLst>
               <a:ext uri="{28A0092B-C50C-407E-A947-70E740481C1C}">
                 <a14:useLocalDpi xmlns:a14="http://schemas.microsoft.com/office/drawing/2010/main" val="0"/>
@@ -12564,7 +13026,7 @@
           <p:nvPr/>
         </p:nvPicPr>
         <p:blipFill>
-          <a:blip r:embed="rId6">
+          <a:blip r:embed="rId4">
             <a:extLst>
               <a:ext uri="{28A0092B-C50C-407E-A947-70E740481C1C}">
                 <a14:useLocalDpi xmlns:a14="http://schemas.microsoft.com/office/drawing/2010/main" val="0"/>
@@ -12677,6 +13139,117 @@
           <a:effectLst/>
         </p:spPr>
       </p:cxnSp>
+      <p:pic>
+        <p:nvPicPr>
+          <p:cNvPr id="3" name="Picture 2">
+            <a:extLst>
+              <a:ext uri="{FF2B5EF4-FFF2-40B4-BE49-F238E27FC236}">
+                <a16:creationId xmlns:a16="http://schemas.microsoft.com/office/drawing/2014/main" id="{7751EC7D-172F-4A99-B512-40CCAFE04BB2}"/>
+              </a:ext>
+            </a:extLst>
+          </p:cNvPr>
+          <p:cNvPicPr>
+            <a:picLocks noChangeAspect="1"/>
+          </p:cNvPicPr>
+          <p:nvPr/>
+        </p:nvPicPr>
+        <p:blipFill>
+          <a:blip r:embed="rId5"/>
+          <a:stretch>
+            <a:fillRect/>
+          </a:stretch>
+        </p:blipFill>
+        <p:spPr>
+          <a:xfrm>
+            <a:off x="513638" y="4543425"/>
+            <a:ext cx="2492553" cy="1304925"/>
+          </a:xfrm>
+          <a:prstGeom prst="rect">
+            <a:avLst/>
+          </a:prstGeom>
+        </p:spPr>
+      </p:pic>
+      <p:grpSp>
+        <p:nvGrpSpPr>
+          <p:cNvPr id="5" name="Group 4">
+            <a:extLst>
+              <a:ext uri="{FF2B5EF4-FFF2-40B4-BE49-F238E27FC236}">
+                <a16:creationId xmlns:a16="http://schemas.microsoft.com/office/drawing/2014/main" id="{6B425EAB-6BD9-44A0-8777-F63A03BA5D52}"/>
+              </a:ext>
+            </a:extLst>
+          </p:cNvPr>
+          <p:cNvGrpSpPr/>
+          <p:nvPr/>
+        </p:nvGrpSpPr>
+        <p:grpSpPr>
+          <a:xfrm>
+            <a:off x="4758531" y="4543424"/>
+            <a:ext cx="1974421" cy="1312046"/>
+            <a:chOff x="4758531" y="4543424"/>
+            <a:chExt cx="1974421" cy="1312046"/>
+          </a:xfrm>
+        </p:grpSpPr>
+        <p:pic>
+          <p:nvPicPr>
+            <p:cNvPr id="6" name="Picture 5">
+              <a:extLst>
+                <a:ext uri="{FF2B5EF4-FFF2-40B4-BE49-F238E27FC236}">
+                  <a16:creationId xmlns:a16="http://schemas.microsoft.com/office/drawing/2014/main" id="{4CE9723A-BD86-414E-8697-5E2E095454B4}"/>
+                </a:ext>
+              </a:extLst>
+            </p:cNvPr>
+            <p:cNvPicPr>
+              <a:picLocks noChangeAspect="1"/>
+            </p:cNvPicPr>
+            <p:nvPr/>
+          </p:nvPicPr>
+          <p:blipFill>
+            <a:blip r:embed="rId6"/>
+            <a:stretch>
+              <a:fillRect/>
+            </a:stretch>
+          </p:blipFill>
+          <p:spPr>
+            <a:xfrm>
+              <a:off x="4758531" y="4543424"/>
+              <a:ext cx="793639" cy="1304926"/>
+            </a:xfrm>
+            <a:prstGeom prst="rect">
+              <a:avLst/>
+            </a:prstGeom>
+          </p:spPr>
+        </p:pic>
+        <p:pic>
+          <p:nvPicPr>
+            <p:cNvPr id="7" name="Picture 6">
+              <a:extLst>
+                <a:ext uri="{FF2B5EF4-FFF2-40B4-BE49-F238E27FC236}">
+                  <a16:creationId xmlns:a16="http://schemas.microsoft.com/office/drawing/2014/main" id="{96812D70-8EBD-4A61-B350-C777A6AA798A}"/>
+                </a:ext>
+              </a:extLst>
+            </p:cNvPr>
+            <p:cNvPicPr>
+              <a:picLocks noChangeAspect="1"/>
+            </p:cNvPicPr>
+            <p:nvPr/>
+          </p:nvPicPr>
+          <p:blipFill>
+            <a:blip r:embed="rId7"/>
+            <a:stretch>
+              <a:fillRect/>
+            </a:stretch>
+          </p:blipFill>
+          <p:spPr>
+            <a:xfrm>
+              <a:off x="5709888" y="4582160"/>
+              <a:ext cx="1023064" cy="1273310"/>
+            </a:xfrm>
+            <a:prstGeom prst="rect">
+              <a:avLst/>
+            </a:prstGeom>
+          </p:spPr>
+        </p:pic>
+      </p:grpSp>
     </p:spTree>
     <p:extLst>
       <p:ext uri="{BB962C8B-B14F-4D97-AF65-F5344CB8AC3E}">
@@ -12690,7 +13263,7 @@
 </p:sld>
 </file>
 
-<file path=ppt/slides/slide16.xml><?xml version="1.0" encoding="utf-8"?>
+<file path=ppt/slides/slide15.xml><?xml version="1.0" encoding="utf-8"?>
 <p:sld xmlns:a="http://schemas.openxmlformats.org/drawingml/2006/main" xmlns:r="http://schemas.openxmlformats.org/officeDocument/2006/relationships" xmlns:p="http://schemas.openxmlformats.org/presentationml/2006/main">
   <p:cSld>
     <p:spTree>
@@ -12723,10 +13296,9 @@
           <a:lstStyle/>
           <a:p>
             <a:r>
-              <a:rPr lang="en-US" dirty="0" smtClean="0"/>
+              <a:rPr lang="en-US" dirty="0"/>
               <a:t>Trouble shooting	</a:t>
             </a:r>
-            <a:endParaRPr lang="en-US" dirty="0"/>
           </a:p>
         </p:txBody>
       </p:sp>
@@ -12753,7 +13325,7 @@
               <a:pPr>
                 <a:defRPr/>
               </a:pPr>
-              <a:t>16</a:t>
+              <a:t>15</a:t>
             </a:fld>
             <a:endParaRPr lang="en-US"/>
           </a:p>
@@ -12850,32 +13422,16 @@
               <a:buChar char="•"/>
             </a:pPr>
             <a:r>
-              <a:rPr lang="en-US" dirty="0" smtClean="0"/>
+              <a:rPr lang="en-US" dirty="0"/>
               <a:t>If error message says “in </a:t>
             </a:r>
             <a:r>
-              <a:rPr lang="en-US" dirty="0" err="1" smtClean="0"/>
-              <a:t>randomLHS</a:t>
-            </a:r>
-            <a:r>
-              <a:rPr lang="en-US" dirty="0" smtClean="0"/>
-              <a:t>: k must be a positive integer” , first check whether uncertain parameters have been turned on correctly in </a:t>
+              <a:rPr lang="en-US" dirty="0" err="1"/>
+              <a:t>randomLHD</a:t>
             </a:r>
             <a:r>
               <a:rPr lang="en-US" dirty="0"/>
-              <a:t>the </a:t>
-            </a:r>
-            <a:r>
-              <a:rPr lang="en-US" dirty="0" smtClean="0"/>
-              <a:t>Parameter </a:t>
-            </a:r>
-            <a:r>
-              <a:rPr lang="en-US" dirty="0"/>
-              <a:t>UQ Repository </a:t>
-            </a:r>
-            <a:r>
-              <a:rPr lang="en-US" dirty="0" smtClean="0"/>
-              <a:t>V1.0.xlsx file (step 2).  </a:t>
+              <a:t>: k must be a positive integer” , first check whether uncertain parameters have been turned on correctly in the Parameter_UQ_Repository_V1.0.xlsx file (step 2).  </a:t>
             </a:r>
           </a:p>
           <a:p>
@@ -12884,30 +13440,17 @@
               <a:buChar char="•"/>
             </a:pPr>
             <a:r>
-              <a:rPr lang="en-US" dirty="0" smtClean="0"/>
+              <a:rPr lang="en-US" dirty="0"/>
               <a:t>If all the uncertain parameters have been turned on correctly, check whether the </a:t>
             </a:r>
             <a:r>
-              <a:rPr lang="en-US" dirty="0" err="1" smtClean="0"/>
+              <a:rPr lang="en-US" dirty="0" err="1"/>
               <a:t>os</a:t>
             </a:r>
             <a:r>
-              <a:rPr lang="en-US" dirty="0" smtClean="0"/>
-              <a:t> model has corresponding uncertain </a:t>
-            </a:r>
-            <a:r>
-              <a:rPr lang="en-US" dirty="0" err="1" smtClean="0"/>
-              <a:t>paramters</a:t>
-            </a:r>
-            <a:r>
               <a:rPr lang="en-US" dirty="0"/>
-              <a:t> </a:t>
-            </a:r>
-            <a:r>
-              <a:rPr lang="en-US" dirty="0" smtClean="0"/>
-              <a:t>in the correct format that is supported by BCUS.  </a:t>
-            </a:r>
-            <a:endParaRPr lang="en-US" dirty="0"/>
+              <a:t> model has corresponding uncertain parameters in the correct format that is supported by BCUS.  </a:t>
+            </a:r>
           </a:p>
         </p:txBody>
       </p:sp>
@@ -12962,11 +13505,11 @@
           <a:lstStyle/>
           <a:p>
             <a:r>
-              <a:rPr lang="en-US" dirty="0" smtClean="0"/>
+              <a:rPr lang="en-US" dirty="0"/>
               <a:t>Read me </a:t>
             </a:r>
             <a:br>
-              <a:rPr lang="en-US" dirty="0" smtClean="0"/>
+              <a:rPr lang="en-US" dirty="0"/>
             </a:br>
             <a:endParaRPr lang="en-US" dirty="0"/>
           </a:p>
@@ -12985,7 +13528,7 @@
         <p:spPr>
           <a:xfrm>
             <a:off x="381000" y="1143000"/>
-            <a:ext cx="7772400" cy="3810000"/>
+            <a:ext cx="8153400" cy="3810000"/>
           </a:xfrm>
         </p:spPr>
         <p:txBody>
@@ -13000,7 +13543,7 @@
               <a:buChar char="•"/>
             </a:pPr>
             <a:r>
-              <a:rPr lang="en-US" dirty="0" smtClean="0"/>
+              <a:rPr lang="en-US" dirty="0"/>
               <a:t>Limited number of output variables:</a:t>
             </a:r>
           </a:p>
@@ -13010,14 +13553,10 @@
               <a:buChar char="§"/>
             </a:pPr>
             <a:r>
-              <a:rPr lang="en-US" dirty="0" smtClean="0"/>
-              <a:t> </a:t>
-            </a:r>
-            <a:r>
-              <a:rPr lang="en-US" dirty="0" err="1" smtClean="0"/>
+              <a:rPr lang="en-US" dirty="0" err="1"/>
               <a:t>Electricity:Facility</a:t>
             </a:r>
-            <a:endParaRPr lang="en-US" dirty="0" smtClean="0"/>
+            <a:endParaRPr lang="en-US" dirty="0"/>
           </a:p>
           <a:p>
             <a:pPr marL="742950" lvl="1" indent="-285750">
@@ -13025,10 +13564,10 @@
               <a:buChar char="§"/>
             </a:pPr>
             <a:r>
-              <a:rPr lang="en-US" dirty="0" err="1" smtClean="0"/>
+              <a:rPr lang="en-US" dirty="0" err="1"/>
               <a:t>Electricity:Building</a:t>
             </a:r>
-            <a:endParaRPr lang="en-US" dirty="0" smtClean="0"/>
+            <a:endParaRPr lang="en-US" dirty="0"/>
           </a:p>
           <a:p>
             <a:pPr marL="742950" lvl="1" indent="-285750">
@@ -13036,10 +13575,10 @@
               <a:buChar char="§"/>
             </a:pPr>
             <a:r>
-              <a:rPr lang="en-US" dirty="0" err="1" smtClean="0"/>
+              <a:rPr lang="en-US" dirty="0" err="1"/>
               <a:t>Gas:Facility</a:t>
             </a:r>
-            <a:endParaRPr lang="en-US" dirty="0" smtClean="0"/>
+            <a:endParaRPr lang="en-US" dirty="0"/>
           </a:p>
           <a:p>
             <a:pPr marL="742950" lvl="1" indent="-285750">
@@ -13047,10 +13586,10 @@
               <a:buChar char="§"/>
             </a:pPr>
             <a:r>
-              <a:rPr lang="en-US" dirty="0" err="1" smtClean="0"/>
+              <a:rPr lang="en-US" dirty="0" err="1"/>
               <a:t>Heating:Gas</a:t>
             </a:r>
-            <a:endParaRPr lang="en-US" dirty="0" smtClean="0"/>
+            <a:endParaRPr lang="en-US" dirty="0"/>
           </a:p>
           <a:p>
             <a:pPr marL="742950" lvl="1" indent="-285750">
@@ -13058,10 +13597,10 @@
               <a:buChar char="§"/>
             </a:pPr>
             <a:r>
-              <a:rPr lang="en-US" dirty="0" err="1" smtClean="0"/>
+              <a:rPr lang="en-US" dirty="0" err="1"/>
               <a:t>Heating:Electricity</a:t>
             </a:r>
-            <a:endParaRPr lang="en-US" dirty="0" smtClean="0"/>
+            <a:endParaRPr lang="en-US" dirty="0"/>
           </a:p>
           <a:p>
             <a:pPr marL="742950" lvl="1" indent="-285750">
@@ -13069,7 +13608,7 @@
               <a:buChar char="§"/>
             </a:pPr>
             <a:r>
-              <a:rPr lang="en-US" dirty="0" smtClean="0"/>
+              <a:rPr lang="en-US" dirty="0"/>
               <a:t>Cooling: Electricity</a:t>
             </a:r>
           </a:p>
@@ -13079,10 +13618,10 @@
               <a:buChar char="§"/>
             </a:pPr>
             <a:r>
-              <a:rPr lang="en-US" dirty="0" err="1" smtClean="0"/>
+              <a:rPr lang="en-US" dirty="0" err="1"/>
               <a:t>Electricity:HVAC</a:t>
             </a:r>
-            <a:endParaRPr lang="en-US" dirty="0" smtClean="0"/>
+            <a:endParaRPr lang="en-US" dirty="0"/>
           </a:p>
           <a:p>
             <a:pPr marL="285750" indent="-285750">
@@ -13090,7 +13629,7 @@
               <a:buChar char="•"/>
             </a:pPr>
             <a:r>
-              <a:rPr lang="en-US" dirty="0" smtClean="0"/>
+              <a:rPr lang="en-US" dirty="0"/>
               <a:t>Limited subset of uncertain parameters </a:t>
             </a:r>
           </a:p>
@@ -13100,42 +13639,25 @@
               <a:t>       Check the </a:t>
             </a:r>
             <a:r>
-              <a:rPr lang="en-US" i="1" dirty="0" smtClean="0"/>
+              <a:rPr lang="en-US" i="1" dirty="0"/>
               <a:t>“</a:t>
             </a:r>
             <a:r>
-              <a:rPr lang="en-US" i="1" dirty="0" smtClean="0">
+              <a:rPr lang="en-US" i="1" dirty="0">
                 <a:solidFill>
                   <a:srgbClr val="FF0000"/>
                 </a:solidFill>
               </a:rPr>
-              <a:t>Parameter </a:t>
-            </a:r>
-            <a:r>
-              <a:rPr lang="en-US" i="1" dirty="0">
-                <a:solidFill>
-                  <a:srgbClr val="FF0000"/>
-                </a:solidFill>
-              </a:rPr>
-              <a:t>UQ Repository </a:t>
-            </a:r>
-            <a:r>
-              <a:rPr lang="en-US" i="1" dirty="0" smtClean="0">
-                <a:solidFill>
-                  <a:srgbClr val="FF0000"/>
-                </a:solidFill>
-              </a:rPr>
-              <a:t>V1.0.xlsx</a:t>
-            </a:r>
-            <a:r>
-              <a:rPr lang="en-US" i="1" dirty="0" smtClean="0"/>
+              <a:t>Parameter_UQ_Repository_V1.0.xlsx</a:t>
+            </a:r>
+            <a:r>
+              <a:rPr lang="en-US" i="1" dirty="0"/>
               <a:t>” </a:t>
             </a:r>
             <a:r>
-              <a:rPr lang="en-US" dirty="0" smtClean="0"/>
+              <a:rPr lang="en-US" dirty="0"/>
               <a:t>for list of uncertain variables</a:t>
             </a:r>
-            <a:endParaRPr lang="en-US" dirty="0"/>
           </a:p>
           <a:p>
             <a:pPr marL="285750" indent="-285750">
@@ -13143,12 +13665,8 @@
               <a:buChar char="•"/>
             </a:pPr>
             <a:r>
-              <a:rPr lang="en-US" dirty="0" smtClean="0"/>
-              <a:t>Uncertainty analysis </a:t>
-            </a:r>
-            <a:r>
-              <a:rPr lang="en-US" dirty="0" smtClean="0"/>
-              <a:t>only do one year of simulation </a:t>
+              <a:rPr lang="en-US" dirty="0"/>
+              <a:t>Uncertainty analysis only do one year of simulation </a:t>
             </a:r>
           </a:p>
         </p:txBody>
@@ -13257,23 +13775,7 @@
             <a:pPr algn="just"/>
             <a:r>
               <a:rPr lang="en-US" sz="2000" dirty="0"/>
-              <a:t>This tutorial will lead you through the </a:t>
-            </a:r>
-            <a:r>
-              <a:rPr lang="en-US" sz="2000" dirty="0" smtClean="0"/>
-              <a:t>procedures </a:t>
-            </a:r>
-            <a:r>
-              <a:rPr lang="en-US" sz="2000" dirty="0"/>
-              <a:t>of </a:t>
-            </a:r>
-            <a:r>
-              <a:rPr lang="en-US" sz="2000" dirty="0" smtClean="0"/>
-              <a:t>applying BCUS </a:t>
-            </a:r>
-            <a:r>
-              <a:rPr lang="en-US" sz="2000" dirty="0"/>
-              <a:t>- </a:t>
+              <a:t>This tutorial will lead you through the procedures of applying BCUS - </a:t>
             </a:r>
             <a:r>
               <a:rPr lang="en-US" sz="2000" dirty="0">
@@ -13324,16 +13826,12 @@
               <a:t>ensitivity Analysis on </a:t>
             </a:r>
             <a:r>
-              <a:rPr lang="en-US" sz="2000" dirty="0" err="1" smtClean="0"/>
+              <a:rPr lang="en-US" sz="2000" dirty="0" err="1"/>
               <a:t>OpenStudio</a:t>
             </a:r>
             <a:r>
-              <a:rPr lang="en-US" sz="2000" dirty="0" smtClean="0"/>
-              <a:t> models</a:t>
-            </a:r>
-            <a:r>
               <a:rPr lang="en-US" sz="2000" dirty="0"/>
-              <a:t>.  </a:t>
+              <a:t> models.  </a:t>
             </a:r>
           </a:p>
           <a:p>
@@ -13343,7 +13841,7 @@
           <a:p>
             <a:pPr algn="just"/>
             <a:r>
-              <a:rPr lang="en-US" sz="2000" dirty="0" smtClean="0"/>
+              <a:rPr lang="en-US" sz="2000" dirty="0"/>
               <a:t>Before you start, a functioning </a:t>
             </a:r>
             <a:r>
@@ -13352,31 +13850,7 @@
             </a:r>
             <a:r>
               <a:rPr lang="en-US" sz="2000" dirty="0"/>
-              <a:t> model and </a:t>
-            </a:r>
-            <a:r>
-              <a:rPr lang="en-US" sz="2000" dirty="0" smtClean="0"/>
-              <a:t>an EPW </a:t>
-            </a:r>
-            <a:r>
-              <a:rPr lang="en-US" sz="2000" dirty="0"/>
-              <a:t>weather file are desired to illustrate the building and its surrounding environment being </a:t>
-            </a:r>
-            <a:r>
-              <a:rPr lang="en-US" sz="2000" dirty="0" smtClean="0"/>
-              <a:t>analyzed. Details </a:t>
-            </a:r>
-            <a:r>
-              <a:rPr lang="en-US" sz="2000" dirty="0"/>
-              <a:t>of how to build an OpenStudio building model can </a:t>
-            </a:r>
-            <a:r>
-              <a:rPr lang="en-US" sz="2000" dirty="0" smtClean="0"/>
-              <a:t>be found</a:t>
-            </a:r>
-            <a:r>
-              <a:rPr lang="en-US" sz="2000" dirty="0"/>
-              <a:t> </a:t>
+              <a:t> model and an EPW weather file are desired to illustrate the building and its surrounding environment being analyzed. Details of how to build an OpenStudio building model can be found </a:t>
             </a:r>
             <a:r>
               <a:rPr lang="en-US" sz="2000" dirty="0">
@@ -13386,15 +13860,7 @@
             </a:r>
             <a:r>
               <a:rPr lang="en-US" sz="2000" dirty="0"/>
-              <a:t>. </a:t>
-            </a:r>
-            <a:r>
-              <a:rPr lang="en-US" sz="2000" dirty="0" smtClean="0"/>
-              <a:t>Weather </a:t>
-            </a:r>
-            <a:r>
-              <a:rPr lang="en-US" sz="2000" dirty="0"/>
-              <a:t>files can be downloaded </a:t>
+              <a:t>. Weather files can be downloaded </a:t>
             </a:r>
             <a:r>
               <a:rPr lang="en-US" sz="2000" dirty="0">
@@ -13448,13 +13914,6 @@
   <p:clrMapOvr>
     <a:masterClrMapping/>
   </p:clrMapOvr>
-  <p:timing>
-    <p:tnLst>
-      <p:par>
-        <p:cTn id="1" dur="indefinite" restart="never" nodeType="tmRoot"/>
-      </p:par>
-    </p:tnLst>
-  </p:timing>
 </p:sld>
 </file>
 
@@ -13491,10 +13950,9 @@
           <a:lstStyle/>
           <a:p>
             <a:r>
-              <a:rPr lang="en-US" dirty="0" smtClean="0"/>
+              <a:rPr lang="en-US" dirty="0"/>
               <a:t>Get Started </a:t>
             </a:r>
-            <a:endParaRPr lang="en-US" dirty="0"/>
           </a:p>
         </p:txBody>
       </p:sp>
@@ -13587,7 +14045,7 @@
               <a:tabLst/>
             </a:pPr>
             <a:r>
-              <a:rPr kumimoji="0" lang="en-US" sz="1800" b="0" i="0" u="none" strike="noStrike" cap="none" normalizeH="0" baseline="0" dirty="0" smtClean="0">
+              <a:rPr kumimoji="0" lang="en-US" sz="1800" b="0" i="0" u="none" strike="noStrike" cap="none" normalizeH="0" baseline="0" dirty="0">
                 <a:ln>
                   <a:noFill/>
                 </a:ln>
@@ -13618,7 +14076,7 @@
               <a:tabLst/>
             </a:pPr>
             <a:r>
-              <a:rPr lang="en-US" dirty="0" smtClean="0">
+              <a:rPr lang="en-US" dirty="0">
                 <a:solidFill>
                   <a:srgbClr val="C00000"/>
                 </a:solidFill>
@@ -13673,31 +14131,13 @@
               <a:tabLst/>
             </a:pPr>
             <a:r>
-              <a:rPr lang="en-US" sz="1600" dirty="0" smtClean="0">
+              <a:rPr lang="en-US" sz="1600" dirty="0">
                 <a:solidFill>
                   <a:schemeClr val="tx1"/>
                 </a:solidFill>
                 <a:latin typeface="Calibri" pitchFamily="34" charset="0"/>
               </a:rPr>
-              <a:t>Executing BCUS typically requires the following tools</a:t>
-            </a:r>
-            <a:r>
-              <a:rPr lang="en-US" sz="1600" dirty="0">
-                <a:solidFill>
-                  <a:schemeClr val="tx1"/>
-                </a:solidFill>
-                <a:latin typeface="Calibri" pitchFamily="34" charset="0"/>
-              </a:rPr>
-              <a:t> </a:t>
-            </a:r>
-            <a:r>
-              <a:rPr lang="en-US" sz="1600" dirty="0" smtClean="0">
-                <a:solidFill>
-                  <a:schemeClr val="tx1"/>
-                </a:solidFill>
-                <a:latin typeface="Calibri" pitchFamily="34" charset="0"/>
-              </a:rPr>
-              <a:t>and packages: </a:t>
+              <a:t>Executing BCUS typically requires the following tools and packages: </a:t>
             </a:r>
           </a:p>
           <a:p>
@@ -13718,7 +14158,7 @@
               <a:tabLst/>
             </a:pPr>
             <a:r>
-              <a:rPr lang="en-US" sz="1600" dirty="0" smtClean="0">
+              <a:rPr lang="en-US" sz="1600" dirty="0">
                 <a:solidFill>
                   <a:schemeClr val="tx1"/>
                 </a:solidFill>
@@ -13745,7 +14185,7 @@
               <a:tabLst/>
             </a:pPr>
             <a:r>
-              <a:rPr kumimoji="0" lang="en-US" sz="1600" b="0" i="0" u="none" strike="noStrike" cap="none" normalizeH="0" baseline="0" dirty="0" err="1" smtClean="0">
+              <a:rPr kumimoji="0" lang="en-US" sz="1600" b="0" i="0" u="none" strike="noStrike" cap="none" normalizeH="0" baseline="0" dirty="0" err="1">
                 <a:ln>
                   <a:noFill/>
                 </a:ln>
@@ -13757,7 +14197,7 @@
               </a:rPr>
               <a:t>EnergyPlus</a:t>
             </a:r>
-            <a:endParaRPr kumimoji="0" lang="en-US" sz="1600" b="0" i="0" u="none" strike="noStrike" cap="none" normalizeH="0" baseline="0" dirty="0" smtClean="0">
+            <a:endParaRPr kumimoji="0" lang="en-US" sz="1600" b="0" i="0" u="none" strike="noStrike" cap="none" normalizeH="0" baseline="0" dirty="0">
               <a:ln>
                 <a:noFill/>
               </a:ln>
@@ -13786,7 +14226,7 @@
               <a:tabLst/>
             </a:pPr>
             <a:r>
-              <a:rPr lang="en-US" sz="1600" dirty="0" smtClean="0">
+              <a:rPr lang="en-US" sz="1600" dirty="0">
                 <a:solidFill>
                   <a:schemeClr val="tx1"/>
                 </a:solidFill>
@@ -13795,7 +14235,7 @@
               <a:t>Microsoft Office(Some functions will be eliminated if using </a:t>
             </a:r>
             <a:r>
-              <a:rPr lang="en-US" sz="1600" dirty="0" err="1" smtClean="0">
+              <a:rPr lang="en-US" sz="1600" dirty="0" err="1">
                 <a:solidFill>
                   <a:schemeClr val="tx1"/>
                 </a:solidFill>
@@ -13804,7 +14244,7 @@
               <a:t>Libre</a:t>
             </a:r>
             <a:r>
-              <a:rPr lang="en-US" sz="1600" dirty="0" smtClean="0">
+              <a:rPr lang="en-US" sz="1600" dirty="0">
                 <a:solidFill>
                   <a:schemeClr val="tx1"/>
                 </a:solidFill>
@@ -13831,7 +14271,7 @@
               <a:tabLst/>
             </a:pPr>
             <a:r>
-              <a:rPr kumimoji="0" lang="en-US" sz="1600" b="0" i="0" u="none" strike="noStrike" cap="none" normalizeH="0" baseline="0" dirty="0" smtClean="0">
+              <a:rPr kumimoji="0" lang="en-US" sz="1600" b="0" i="0" u="none" strike="noStrike" cap="none" normalizeH="0" baseline="0" dirty="0">
                 <a:ln>
                   <a:noFill/>
                 </a:ln>
@@ -13862,7 +14302,7 @@
               <a:tabLst/>
             </a:pPr>
             <a:r>
-              <a:rPr lang="en-US" sz="1600" dirty="0" smtClean="0">
+              <a:rPr lang="en-US" sz="1600" dirty="0">
                 <a:solidFill>
                   <a:schemeClr val="tx1"/>
                 </a:solidFill>
@@ -13870,7 +14310,7 @@
               </a:rPr>
               <a:t>R packages </a:t>
             </a:r>
-            <a:endParaRPr kumimoji="0" lang="en-US" sz="1600" b="0" i="0" u="none" strike="noStrike" cap="none" normalizeH="0" baseline="0" dirty="0" smtClean="0">
+            <a:endParaRPr kumimoji="0" lang="en-US" sz="1600" b="0" i="0" u="none" strike="noStrike" cap="none" normalizeH="0" baseline="0" dirty="0">
               <a:ln>
                 <a:noFill/>
               </a:ln>
@@ -13922,7 +14362,7 @@
               <a:buNone/>
               <a:tabLst/>
             </a:pPr>
-            <a:endParaRPr kumimoji="0" lang="en-US" sz="1800" b="0" i="0" u="none" strike="noStrike" cap="none" normalizeH="0" baseline="0" dirty="0" smtClean="0">
+            <a:endParaRPr kumimoji="0" lang="en-US" sz="1800" b="0" i="0" u="none" strike="noStrike" cap="none" normalizeH="0" baseline="0" dirty="0">
               <a:ln>
                 <a:noFill/>
               </a:ln>
@@ -13995,7 +14435,7 @@
               <a:tabLst/>
             </a:pPr>
             <a:r>
-              <a:rPr kumimoji="0" lang="en-US" sz="1800" b="0" i="0" u="none" strike="noStrike" cap="none" normalizeH="0" baseline="0" dirty="0" smtClean="0">
+              <a:rPr kumimoji="0" lang="en-US" sz="1800" b="0" i="0" u="none" strike="noStrike" cap="none" normalizeH="0" baseline="0" dirty="0">
                 <a:ln>
                   <a:noFill/>
                 </a:ln>
@@ -14008,7 +14448,7 @@
               <a:t>SET</a:t>
             </a:r>
             <a:r>
-              <a:rPr kumimoji="0" lang="en-US" sz="1800" b="0" i="0" u="none" strike="noStrike" cap="none" normalizeH="0" dirty="0" smtClean="0">
+              <a:rPr kumimoji="0" lang="en-US" sz="1800" b="0" i="0" u="none" strike="noStrike" cap="none" normalizeH="0" dirty="0">
                 <a:ln>
                   <a:noFill/>
                 </a:ln>
@@ -14047,28 +14487,8 @@
           </a:p>
           <a:p>
             <a:r>
-              <a:rPr lang="en-US" sz="1600" dirty="0" smtClean="0"/>
-              <a:t>Once the prerequisite tools are installed</a:t>
-            </a:r>
-            <a:r>
               <a:rPr lang="en-US" sz="1600" dirty="0"/>
-              <a:t>, set up </a:t>
-            </a:r>
-            <a:r>
-              <a:rPr lang="en-US" sz="1600" dirty="0" smtClean="0"/>
-              <a:t>the platform </a:t>
-            </a:r>
-            <a:r>
-              <a:rPr lang="en-US" sz="1600" dirty="0"/>
-              <a:t>variables to access executables, </a:t>
-            </a:r>
-            <a:r>
-              <a:rPr lang="en-US" sz="1600" dirty="0" smtClean="0"/>
-              <a:t>examples </a:t>
-            </a:r>
-            <a:r>
-              <a:rPr lang="en-US" sz="1600" dirty="0"/>
-              <a:t>and tests.</a:t>
+              <a:t>Once the prerequisite tools are installed, set up the platform variables to access executables, examples and tests.</a:t>
             </a:r>
           </a:p>
           <a:p>
@@ -14088,7 +14508,7 @@
               <a:buNone/>
               <a:tabLst/>
             </a:pPr>
-            <a:endParaRPr kumimoji="0" lang="en-US" sz="1800" b="0" i="0" u="none" strike="noStrike" cap="none" normalizeH="0" dirty="0" smtClean="0">
+            <a:endParaRPr kumimoji="0" lang="en-US" sz="1800" b="0" i="0" u="none" strike="noStrike" cap="none" normalizeH="0" dirty="0">
               <a:ln>
                 <a:noFill/>
               </a:ln>
@@ -14116,7 +14536,7 @@
               <a:buNone/>
               <a:tabLst/>
             </a:pPr>
-            <a:endParaRPr lang="en-US" baseline="0" dirty="0" smtClean="0">
+            <a:endParaRPr lang="en-US" baseline="0" dirty="0">
               <a:solidFill>
                 <a:srgbClr val="C00000"/>
               </a:solidFill>
@@ -14140,7 +14560,7 @@
               <a:buNone/>
               <a:tabLst/>
             </a:pPr>
-            <a:endParaRPr kumimoji="0" lang="en-US" sz="1800" b="0" i="0" u="none" strike="noStrike" cap="none" normalizeH="0" baseline="0" dirty="0" smtClean="0">
+            <a:endParaRPr kumimoji="0" lang="en-US" sz="1800" b="0" i="0" u="none" strike="noStrike" cap="none" normalizeH="0" baseline="0" dirty="0">
               <a:ln>
                 <a:noFill/>
               </a:ln>
@@ -14213,7 +14633,7 @@
               <a:tabLst/>
             </a:pPr>
             <a:r>
-              <a:rPr kumimoji="0" lang="en-US" sz="1800" b="0" i="0" u="none" strike="noStrike" cap="none" normalizeH="0" baseline="0" dirty="0" smtClean="0">
+              <a:rPr kumimoji="0" lang="en-US" sz="1800" b="0" i="0" u="none" strike="noStrike" cap="none" normalizeH="0" baseline="0" dirty="0">
                 <a:ln>
                   <a:noFill/>
                 </a:ln>
@@ -14252,16 +14672,8 @@
           </a:p>
           <a:p>
             <a:r>
-              <a:rPr lang="en-US" sz="1600" dirty="0" smtClean="0"/>
-              <a:t>To make </a:t>
-            </a:r>
-            <a:r>
               <a:rPr lang="en-US" sz="1600" dirty="0"/>
-              <a:t>sure </a:t>
-            </a:r>
-            <a:r>
-              <a:rPr lang="en-US" sz="1600" dirty="0" smtClean="0"/>
-              <a:t>BCUS runs correctly:</a:t>
+              <a:t>To make sure BCUS runs correctly:</a:t>
             </a:r>
           </a:p>
           <a:p>
@@ -14271,18 +14683,14 @@
             </a:pPr>
             <a:r>
               <a:rPr lang="en-US" sz="1600" dirty="0"/>
-              <a:t>T</a:t>
-            </a:r>
-            <a:r>
-              <a:rPr lang="en-US" sz="1600" dirty="0" smtClean="0"/>
-              <a:t>est the Ruby-</a:t>
-            </a:r>
-            <a:r>
-              <a:rPr lang="en-US" sz="1600" dirty="0" err="1" smtClean="0"/>
+              <a:t>Test the Ruby-</a:t>
+            </a:r>
+            <a:r>
+              <a:rPr lang="en-US" sz="1600" dirty="0" err="1"/>
               <a:t>OpenStudio</a:t>
             </a:r>
             <a:r>
-              <a:rPr lang="en-US" sz="1600" dirty="0" smtClean="0"/>
+              <a:rPr lang="en-US" sz="1600" dirty="0"/>
               <a:t> environment</a:t>
             </a:r>
           </a:p>
@@ -14292,7 +14700,7 @@
               <a:buChar char="•"/>
             </a:pPr>
             <a:r>
-              <a:rPr lang="en-US" sz="1600" dirty="0" smtClean="0">
+              <a:rPr lang="en-US" sz="1600" dirty="0">
                 <a:solidFill>
                   <a:schemeClr val="tx1"/>
                 </a:solidFill>
@@ -14300,7 +14708,7 @@
               </a:rPr>
               <a:t>Test installation by running a simple example</a:t>
             </a:r>
-            <a:endParaRPr kumimoji="0" lang="en-US" sz="1600" b="0" i="0" u="none" strike="noStrike" cap="none" normalizeH="0" baseline="0" dirty="0" smtClean="0">
+            <a:endParaRPr kumimoji="0" lang="en-US" sz="1600" b="0" i="0" u="none" strike="noStrike" cap="none" normalizeH="0" baseline="0" dirty="0">
               <a:ln>
                 <a:noFill/>
               </a:ln>
@@ -14373,7 +14781,7 @@
               <a:tabLst/>
             </a:pPr>
             <a:r>
-              <a:rPr kumimoji="0" lang="en-US" sz="1800" b="0" i="0" u="none" strike="noStrike" cap="none" normalizeH="0" baseline="0" dirty="0" smtClean="0">
+              <a:rPr kumimoji="0" lang="en-US" sz="1800" b="0" i="0" u="none" strike="noStrike" cap="none" normalizeH="0" baseline="0" dirty="0">
                 <a:ln>
                   <a:noFill/>
                 </a:ln>
@@ -14404,7 +14812,7 @@
               <a:tabLst/>
             </a:pPr>
             <a:r>
-              <a:rPr kumimoji="0" lang="en-US" sz="1800" b="0" i="0" u="none" strike="noStrike" cap="none" normalizeH="0" baseline="0" dirty="0" smtClean="0">
+              <a:rPr kumimoji="0" lang="en-US" sz="1800" b="0" i="0" u="none" strike="noStrike" cap="none" normalizeH="0" baseline="0" dirty="0">
                 <a:ln>
                   <a:noFill/>
                 </a:ln>
@@ -14444,29 +14852,9 @@
           <a:p>
             <a:r>
               <a:rPr lang="en-US" sz="1600" dirty="0"/>
-              <a:t>Step by step following the tutorial </a:t>
-            </a:r>
-            <a:r>
-              <a:rPr lang="en-US" sz="1600" dirty="0" smtClean="0"/>
-              <a:t>which demonstrate </a:t>
-            </a:r>
-            <a:r>
-              <a:rPr lang="en-US" sz="1600" dirty="0"/>
-              <a:t>the </a:t>
-            </a:r>
-            <a:r>
-              <a:rPr lang="en-US" sz="1600" dirty="0" smtClean="0"/>
-              <a:t>basic procedure </a:t>
-            </a:r>
-            <a:r>
-              <a:rPr lang="en-US" sz="1600" dirty="0"/>
-              <a:t>of </a:t>
-            </a:r>
-            <a:r>
-              <a:rPr lang="en-US" sz="1600" dirty="0" smtClean="0"/>
-              <a:t>running BCUS.</a:t>
-            </a:r>
-            <a:endParaRPr kumimoji="0" lang="en-US" sz="1600" b="0" i="0" u="none" strike="noStrike" cap="none" normalizeH="0" baseline="0" dirty="0" smtClean="0">
+              <a:t>Step by step following the tutorial which demonstrate the basic procedure of running BCUS.</a:t>
+            </a:r>
+            <a:endParaRPr kumimoji="0" lang="en-US" sz="1600" b="0" i="0" u="none" strike="noStrike" cap="none" normalizeH="0" baseline="0" dirty="0">
               <a:ln>
                 <a:noFill/>
               </a:ln>
@@ -14489,13 +14877,6 @@
   <p:clrMapOvr>
     <a:masterClrMapping/>
   </p:clrMapOvr>
-  <p:timing>
-    <p:tnLst>
-      <p:par>
-        <p:cTn id="1" dur="indefinite" restart="never" nodeType="tmRoot"/>
-      </p:par>
-    </p:tnLst>
-  </p:timing>
 </p:sld>
 </file>
 
@@ -14532,10 +14913,9 @@
           <a:lstStyle/>
           <a:p>
             <a:r>
-              <a:rPr lang="en-US" dirty="0" smtClean="0"/>
+              <a:rPr lang="en-US" dirty="0"/>
               <a:t>Example File</a:t>
             </a:r>
-            <a:endParaRPr lang="en-US" dirty="0"/>
           </a:p>
         </p:txBody>
       </p:sp>
@@ -14564,26 +14944,18 @@
             </a:pPr>
             <a:r>
               <a:rPr lang="en-US" dirty="0"/>
-              <a:t>Building D</a:t>
-            </a:r>
-            <a:r>
-              <a:rPr lang="en-US" dirty="0" smtClean="0"/>
-              <a:t>escription</a:t>
-            </a:r>
-            <a:r>
-              <a:rPr lang="en-US" dirty="0"/>
-              <a:t>  </a:t>
-            </a:r>
-            <a:endParaRPr lang="en-US" sz="1600" dirty="0" smtClean="0"/>
+              <a:t>Building Description  </a:t>
+            </a:r>
+            <a:endParaRPr lang="en-US" sz="1600" dirty="0"/>
           </a:p>
           <a:p>
             <a:pPr algn="just"/>
             <a:r>
-              <a:rPr lang="en-US" sz="1600" dirty="0" smtClean="0"/>
+              <a:rPr lang="en-US" sz="1600" dirty="0"/>
               <a:t>In the </a:t>
             </a:r>
             <a:r>
-              <a:rPr lang="en-US" sz="1600" dirty="0" smtClean="0">
+              <a:rPr lang="en-US" sz="1600" dirty="0">
                 <a:solidFill>
                   <a:srgbClr val="C00000"/>
                 </a:solidFill>
@@ -14591,15 +14963,15 @@
               <a:t>Example</a:t>
             </a:r>
             <a:r>
-              <a:rPr lang="en-US" sz="1600" dirty="0" smtClean="0"/>
+              <a:rPr lang="en-US" sz="1600" dirty="0"/>
               <a:t> folder, users can find the </a:t>
             </a:r>
             <a:r>
-              <a:rPr lang="en-US" sz="1600" dirty="0" err="1" smtClean="0"/>
+              <a:rPr lang="en-US" sz="1600" dirty="0" err="1"/>
               <a:t>ExampleBuilding.osm</a:t>
             </a:r>
             <a:r>
-              <a:rPr lang="en-US" sz="1600" dirty="0" smtClean="0"/>
+              <a:rPr lang="en-US" sz="1600" dirty="0"/>
               <a:t> model with required input files in order to run BCUS.</a:t>
             </a:r>
           </a:p>
@@ -14609,7 +14981,7 @@
           </a:p>
           <a:p>
             <a:pPr algn="just"/>
-            <a:endParaRPr lang="en-US" sz="1600" dirty="0" smtClean="0"/>
+            <a:endParaRPr lang="en-US" sz="1600" dirty="0"/>
           </a:p>
           <a:p>
             <a:pPr algn="just"/>
@@ -14619,25 +14991,13 @@
             <a:pPr marL="0" indent="0" algn="just">
               <a:buNone/>
             </a:pPr>
-            <a:endParaRPr lang="en-US" sz="1600" dirty="0" smtClean="0"/>
+            <a:endParaRPr lang="en-US" sz="1600" dirty="0"/>
           </a:p>
           <a:p>
             <a:pPr algn="just"/>
             <a:r>
-              <a:rPr lang="en-US" sz="1600" dirty="0" smtClean="0"/>
-              <a:t>The example building is </a:t>
-            </a:r>
-            <a:r>
               <a:rPr lang="en-US" sz="1600" dirty="0"/>
-              <a:t>a </a:t>
-            </a:r>
-            <a:r>
-              <a:rPr lang="en-US" sz="1600" dirty="0" smtClean="0"/>
-              <a:t>3-story</a:t>
-            </a:r>
-            <a:r>
-              <a:rPr lang="en-US" sz="1600" dirty="0"/>
-              <a:t>, 100,000 </a:t>
+              <a:t>The example building is a 3-story, 100,000 </a:t>
             </a:r>
             <a:r>
               <a:rPr lang="en-US" sz="1600" dirty="0" err="1"/>
@@ -14645,51 +15005,7 @@
             </a:r>
             <a:r>
               <a:rPr lang="en-US" sz="1600" dirty="0"/>
-              <a:t> </a:t>
-            </a:r>
-            <a:r>
-              <a:rPr lang="en-US" sz="1600" dirty="0" smtClean="0"/>
-              <a:t>office building located in PA. It has a </a:t>
-            </a:r>
-            <a:r>
-              <a:rPr lang="en-US" sz="1600" dirty="0"/>
-              <a:t>rectangular </a:t>
-            </a:r>
-            <a:r>
-              <a:rPr lang="en-US" sz="1600" dirty="0" smtClean="0"/>
-              <a:t>footprint and 50</a:t>
-            </a:r>
-            <a:r>
-              <a:rPr lang="en-US" sz="1600" dirty="0"/>
-              <a:t>% </a:t>
-            </a:r>
-            <a:r>
-              <a:rPr lang="en-US" sz="1600" dirty="0" smtClean="0"/>
-              <a:t>window-to-wall ratio. The heating, ventilation and air conditioning system in the building is VAV system with </a:t>
-            </a:r>
-            <a:r>
-              <a:rPr lang="en-US" sz="1600" dirty="0"/>
-              <a:t>DX cooling </a:t>
-            </a:r>
-            <a:r>
-              <a:rPr lang="en-US" sz="1600" dirty="0" smtClean="0"/>
-              <a:t>(COP =2.6). The electric </a:t>
-            </a:r>
-            <a:r>
-              <a:rPr lang="en-US" sz="1600" dirty="0"/>
-              <a:t>resistance </a:t>
-            </a:r>
-            <a:r>
-              <a:rPr lang="en-US" sz="1600" dirty="0" smtClean="0"/>
-              <a:t>serves the central heating </a:t>
-            </a:r>
-            <a:r>
-              <a:rPr lang="en-US" sz="1600" dirty="0"/>
-              <a:t>and </a:t>
-            </a:r>
-            <a:r>
-              <a:rPr lang="en-US" sz="1600" dirty="0" smtClean="0"/>
-              <a:t>reheat in the VAV system. </a:t>
+              <a:t> office building located in PA. It has a rectangular footprint and 50% window-to-wall ratio. The heating, ventilation and air conditioning system in the building is VAV system with DX cooling (COP =2.6). The electric resistance serves the central heating and reheat in the VAV system. </a:t>
             </a:r>
           </a:p>
           <a:p>
@@ -14698,7 +15014,7 @@
           </a:p>
           <a:p>
             <a:pPr algn="just"/>
-            <a:endParaRPr lang="en-US" sz="1600" dirty="0" smtClean="0"/>
+            <a:endParaRPr lang="en-US" sz="1600" dirty="0"/>
           </a:p>
           <a:p>
             <a:pPr algn="just"/>
@@ -14706,7 +15022,7 @@
           </a:p>
           <a:p>
             <a:pPr algn="just"/>
-            <a:endParaRPr lang="en-US" sz="1600" dirty="0" smtClean="0"/>
+            <a:endParaRPr lang="en-US" sz="1600" dirty="0"/>
           </a:p>
           <a:p>
             <a:pPr algn="just"/>
@@ -14714,11 +15030,11 @@
           </a:p>
           <a:p>
             <a:pPr algn="just"/>
-            <a:endParaRPr lang="en-US" sz="1600" dirty="0" smtClean="0"/>
+            <a:endParaRPr lang="en-US" sz="1600" dirty="0"/>
           </a:p>
           <a:p>
             <a:pPr algn="just"/>
-            <a:endParaRPr lang="en-US" sz="1600" dirty="0" smtClean="0"/>
+            <a:endParaRPr lang="en-US" sz="1600" dirty="0"/>
           </a:p>
           <a:p>
             <a:pPr marL="0" indent="0" algn="just">
@@ -14730,7 +15046,7 @@
             <a:pPr marL="0" indent="0" algn="just">
               <a:buNone/>
             </a:pPr>
-            <a:endParaRPr lang="en-US" sz="1600" dirty="0" smtClean="0"/>
+            <a:endParaRPr lang="en-US" sz="1600" dirty="0"/>
           </a:p>
           <a:p>
             <a:pPr marL="0" indent="0" algn="just">
@@ -14812,66 +15128,32 @@
       </p:sp>
       <p:pic>
         <p:nvPicPr>
-          <p:cNvPr id="1028" name="Picture 4"/>
+          <p:cNvPr id="7" name="Picture 6">
+            <a:extLst>
+              <a:ext uri="{FF2B5EF4-FFF2-40B4-BE49-F238E27FC236}">
+                <a16:creationId xmlns:a16="http://schemas.microsoft.com/office/drawing/2014/main" id="{ACE3B1A2-99AE-49C6-BC6A-1923D6611D3E}"/>
+              </a:ext>
+            </a:extLst>
+          </p:cNvPr>
           <p:cNvPicPr>
-            <a:picLocks noChangeAspect="1" noChangeArrowheads="1"/>
+            <a:picLocks noChangeAspect="1"/>
           </p:cNvPicPr>
           <p:nvPr/>
         </p:nvPicPr>
         <p:blipFill>
-          <a:blip r:embed="rId3">
-            <a:extLst>
-              <a:ext uri="{28A0092B-C50C-407E-A947-70E740481C1C}">
-                <a14:useLocalDpi xmlns:a14="http://schemas.microsoft.com/office/drawing/2010/main" val="0"/>
-              </a:ext>
-            </a:extLst>
-          </a:blip>
-          <a:srcRect/>
+          <a:blip r:embed="rId3"/>
           <a:stretch>
             <a:fillRect/>
           </a:stretch>
         </p:blipFill>
-        <p:spPr bwMode="auto">
+        <p:spPr>
           <a:xfrm>
-            <a:off x="990600" y="2133600"/>
-            <a:ext cx="7031038" cy="1140747"/>
+            <a:off x="1446646" y="2133600"/>
+            <a:ext cx="6250708" cy="1203732"/>
           </a:xfrm>
           <a:prstGeom prst="rect">
             <a:avLst/>
           </a:prstGeom>
-          <a:noFill/>
-          <a:ln>
-            <a:noFill/>
-          </a:ln>
-          <a:effectLst/>
-          <a:extLst>
-            <a:ext uri="{909E8E84-426E-40DD-AFC4-6F175D3DCCD1}">
-              <a14:hiddenFill xmlns:a14="http://schemas.microsoft.com/office/drawing/2010/main">
-                <a:solidFill>
-                  <a:schemeClr val="accent1"/>
-                </a:solidFill>
-              </a14:hiddenFill>
-            </a:ext>
-            <a:ext uri="{91240B29-F687-4F45-9708-019B960494DF}">
-              <a14:hiddenLine xmlns:a14="http://schemas.microsoft.com/office/drawing/2010/main" w="9525">
-                <a:solidFill>
-                  <a:schemeClr val="tx1"/>
-                </a:solidFill>
-                <a:miter lim="800000"/>
-                <a:headEnd/>
-                <a:tailEnd/>
-              </a14:hiddenLine>
-            </a:ext>
-            <a:ext uri="{AF507438-7753-43E0-B8FC-AC1667EBCBE1}">
-              <a14:hiddenEffects xmlns:a14="http://schemas.microsoft.com/office/drawing/2010/main">
-                <a:effectLst>
-                  <a:outerShdw dist="35921" dir="2700000" algn="ctr" rotWithShape="0">
-                    <a:schemeClr val="bg2"/>
-                  </a:outerShdw>
-                </a:effectLst>
-              </a14:hiddenEffects>
-            </a:ext>
-          </a:extLst>
         </p:spPr>
       </p:pic>
     </p:spTree>
@@ -14884,13 +15166,6 @@
   <p:clrMapOvr>
     <a:masterClrMapping/>
   </p:clrMapOvr>
-  <p:timing>
-    <p:tnLst>
-      <p:par>
-        <p:cTn id="1" dur="indefinite" restart="never" nodeType="tmRoot"/>
-      </p:par>
-    </p:tnLst>
-  </p:timing>
 </p:sld>
 </file>
 
@@ -14927,10 +15202,9 @@
           <a:lstStyle/>
           <a:p>
             <a:r>
-              <a:rPr lang="en-US" dirty="0" smtClean="0"/>
+              <a:rPr lang="en-US" dirty="0"/>
               <a:t>Examples</a:t>
             </a:r>
-            <a:endParaRPr lang="en-US" dirty="0"/>
           </a:p>
         </p:txBody>
       </p:sp>
@@ -14958,76 +15232,15 @@
               <a:buNone/>
             </a:pPr>
             <a:r>
-              <a:rPr lang="en-US" dirty="0" smtClean="0"/>
-              <a:t>Create a Project </a:t>
-            </a:r>
-            <a:r>
               <a:rPr lang="en-US" dirty="0"/>
-              <a:t>F</a:t>
-            </a:r>
-            <a:r>
-              <a:rPr lang="en-US" dirty="0" smtClean="0"/>
-              <a:t>older</a:t>
-            </a:r>
-            <a:r>
-              <a:rPr lang="en-US" dirty="0"/>
-              <a:t>  </a:t>
+              <a:t>Create a Project Folder  </a:t>
             </a:r>
           </a:p>
           <a:p>
             <a:r>
               <a:rPr lang="en-US" sz="1600" dirty="0"/>
-              <a:t>The </a:t>
-            </a:r>
-            <a:r>
-              <a:rPr lang="en-US" sz="1600" dirty="0" smtClean="0"/>
-              <a:t>BCUS </a:t>
-            </a:r>
-            <a:r>
-              <a:rPr lang="en-US" sz="1600" dirty="0"/>
-              <a:t>Package is distributed in the format of a zip folder </a:t>
-            </a:r>
-            <a:r>
-              <a:rPr lang="en-US" sz="1600" dirty="0" smtClean="0"/>
-              <a:t>named “BCUS.zip</a:t>
-            </a:r>
-            <a:r>
-              <a:rPr lang="en-US" sz="1600" dirty="0"/>
-              <a:t>", the first step is to extract the </a:t>
-            </a:r>
-            <a:r>
-              <a:rPr lang="en-US" sz="1600" dirty="0" smtClean="0"/>
-              <a:t>folder </a:t>
-            </a:r>
-            <a:r>
-              <a:rPr lang="en-US" sz="1600" dirty="0"/>
-              <a:t>to a local directory on your </a:t>
-            </a:r>
-            <a:r>
-              <a:rPr lang="en-US" sz="1600" dirty="0" smtClean="0"/>
-              <a:t>computer. The </a:t>
-            </a:r>
-            <a:r>
-              <a:rPr lang="en-US" sz="1600" dirty="0"/>
-              <a:t>main folder contains </a:t>
-            </a:r>
-            <a:r>
-              <a:rPr lang="en-US" sz="1600" dirty="0" smtClean="0"/>
-              <a:t>4 </a:t>
-            </a:r>
-            <a:r>
-              <a:rPr lang="en-US" sz="1600" dirty="0"/>
-              <a:t>subfolders </a:t>
-            </a:r>
-            <a:r>
-              <a:rPr lang="en-US" sz="1600" dirty="0" smtClean="0"/>
-              <a:t>as shown </a:t>
-            </a:r>
-            <a:r>
-              <a:rPr lang="en-US" sz="1600" dirty="0"/>
-              <a:t>below. </a:t>
-            </a:r>
-            <a:endParaRPr lang="en-US" sz="1600" dirty="0" smtClean="0"/>
+              <a:t>The BCUS Package is distributed in the format of a zip folder named “BCUS.zip", the first step is to extract the folder to a local directory on your computer. The main folder contains 4 subfolders as shown below. </a:t>
+            </a:r>
           </a:p>
           <a:p>
             <a:pPr marL="0" indent="0">
@@ -15039,7 +15252,7 @@
             <a:pPr marL="0" indent="0">
               <a:buNone/>
             </a:pPr>
-            <a:endParaRPr lang="en-US" sz="1600" dirty="0" smtClean="0"/>
+            <a:endParaRPr lang="en-US" sz="1600" dirty="0"/>
           </a:p>
           <a:p>
             <a:pPr marL="0" indent="0">
@@ -15447,7 +15660,7 @@
           <a:lstStyle/>
           <a:p>
             <a:r>
-              <a:rPr lang="en-US" sz="1200" dirty="0" err="1" smtClean="0">
+              <a:rPr lang="en-US" sz="1200" dirty="0" err="1">
                 <a:solidFill>
                   <a:schemeClr val="bg2">
                     <a:lumMod val="10000"/>
@@ -15457,7 +15670,7 @@
               <a:t>BCUSCode</a:t>
             </a:r>
             <a:r>
-              <a:rPr lang="en-US" sz="1200" dirty="0" smtClean="0">
+              <a:rPr lang="en-US" sz="1200" dirty="0">
                 <a:solidFill>
                   <a:schemeClr val="bg2">
                     <a:lumMod val="10000"/>
@@ -15469,7 +15682,7 @@
           </a:p>
           <a:p>
             <a:r>
-              <a:rPr lang="en-US" sz="1200" dirty="0" smtClean="0">
+              <a:rPr lang="en-US" sz="1200" dirty="0">
                 <a:solidFill>
                   <a:schemeClr val="bg2">
                     <a:lumMod val="10000"/>
@@ -15488,49 +15701,32 @@
                   </a:schemeClr>
                 </a:solidFill>
               </a:rPr>
-              <a:t> </a:t>
-            </a:r>
-            <a:r>
-              <a:rPr lang="en-US" sz="1200" dirty="0" smtClean="0">
+              <a:t>           the path and check the status of the installation</a:t>
+            </a:r>
+          </a:p>
+          <a:p>
+            <a:r>
+              <a:rPr lang="en-US" sz="1200" dirty="0">
                 <a:solidFill>
                   <a:schemeClr val="bg2">
                     <a:lumMod val="10000"/>
                   </a:schemeClr>
                 </a:solidFill>
               </a:rPr>
-              <a:t>          the path and check the status of the installation</a:t>
-            </a:r>
-          </a:p>
-          <a:p>
-            <a:r>
-              <a:rPr lang="en-US" sz="1200" dirty="0" smtClean="0">
+              <a:t>Example: The example building model and required inputs</a:t>
+            </a:r>
+          </a:p>
+          <a:p>
+            <a:r>
+              <a:rPr lang="en-US" sz="1200" dirty="0">
                 <a:solidFill>
                   <a:schemeClr val="bg2">
                     <a:lumMod val="10000"/>
                   </a:schemeClr>
                 </a:solidFill>
               </a:rPr>
-              <a:t>Example: The example building model and required inputs</a:t>
-            </a:r>
-          </a:p>
-          <a:p>
-            <a:r>
-              <a:rPr lang="en-US" sz="1200" dirty="0" smtClean="0">
-                <a:solidFill>
-                  <a:schemeClr val="bg2">
-                    <a:lumMod val="10000"/>
-                  </a:schemeClr>
-                </a:solidFill>
-              </a:rPr>
               <a:t>Tutorials: Tutorial document</a:t>
             </a:r>
-            <a:endParaRPr lang="en-US" sz="1200" dirty="0">
-              <a:solidFill>
-                <a:schemeClr val="bg2">
-                  <a:lumMod val="10000"/>
-                </a:schemeClr>
-              </a:solidFill>
-            </a:endParaRPr>
           </a:p>
         </p:txBody>
       </p:sp>
@@ -15573,13 +15769,6 @@
   <p:clrMapOvr>
     <a:masterClrMapping/>
   </p:clrMapOvr>
-  <p:timing>
-    <p:tnLst>
-      <p:par>
-        <p:cTn id="1" dur="indefinite" restart="never" nodeType="tmRoot"/>
-      </p:par>
-    </p:tnLst>
-  </p:timing>
 </p:sld>
 </file>
 
@@ -15616,10 +15805,9 @@
           <a:lstStyle/>
           <a:p>
             <a:r>
-              <a:rPr lang="en-US" dirty="0" smtClean="0"/>
+              <a:rPr lang="en-US" dirty="0"/>
               <a:t>Examples: Input Files Format</a:t>
             </a:r>
-            <a:endParaRPr lang="en-US" dirty="0"/>
           </a:p>
         </p:txBody>
       </p:sp>
@@ -15647,138 +15835,91 @@
               <a:buNone/>
             </a:pPr>
             <a:r>
-              <a:rPr lang="en-US" dirty="0" smtClean="0"/>
+              <a:rPr lang="en-US" dirty="0"/>
               <a:t>Input Files </a:t>
             </a:r>
-            <a:endParaRPr lang="en-US" dirty="0"/>
           </a:p>
           <a:p>
             <a:r>
               <a:rPr lang="en-US" sz="1600" dirty="0"/>
-              <a:t>C</a:t>
-            </a:r>
-            <a:r>
-              <a:rPr lang="en-US" sz="1600" dirty="0" smtClean="0"/>
-              <a:t>reate </a:t>
-            </a:r>
+              <a:t>Create a project folder inside the main folder</a:t>
+            </a:r>
+          </a:p>
+          <a:p>
             <a:r>
               <a:rPr lang="en-US" sz="1600" dirty="0"/>
-              <a:t>a project folder inside the main </a:t>
-            </a:r>
-            <a:r>
-              <a:rPr lang="en-US" sz="1600" dirty="0" smtClean="0"/>
-              <a:t>folder</a:t>
-            </a:r>
-          </a:p>
-          <a:p>
+              <a:t>Copy the following files from </a:t>
+            </a:r>
+            <a:r>
+              <a:rPr lang="en-US" sz="1600" dirty="0">
+                <a:solidFill>
+                  <a:srgbClr val="C00000"/>
+                </a:solidFill>
+              </a:rPr>
+              <a:t>”…\BCUS\Example” </a:t>
+            </a:r>
             <a:r>
               <a:rPr lang="en-US" sz="1600" dirty="0"/>
-              <a:t>Copy the </a:t>
-            </a:r>
-            <a:r>
-              <a:rPr lang="en-US" sz="1600" dirty="0" smtClean="0"/>
-              <a:t>following files from </a:t>
-            </a:r>
-            <a:r>
-              <a:rPr lang="en-US" sz="1600" dirty="0">
-                <a:solidFill>
-                  <a:srgbClr val="C00000"/>
-                </a:solidFill>
-              </a:rPr>
-              <a:t>”</a:t>
-            </a:r>
-            <a:r>
-              <a:rPr lang="en-US" sz="1600" dirty="0" smtClean="0">
-                <a:solidFill>
-                  <a:srgbClr val="C00000"/>
-                </a:solidFill>
-              </a:rPr>
-              <a:t>…\BCUS\Example” </a:t>
-            </a:r>
-            <a:r>
-              <a:rPr lang="en-US" sz="1600" dirty="0"/>
-              <a:t>and paste them to the project folder. Now you would see the </a:t>
-            </a:r>
-            <a:r>
-              <a:rPr lang="en-US" sz="1600" dirty="0" err="1"/>
-              <a:t>the</a:t>
-            </a:r>
-            <a:r>
-              <a:rPr lang="en-US" sz="1600" dirty="0"/>
-              <a:t> following files in your project folder</a:t>
-            </a:r>
-            <a:r>
-              <a:rPr lang="en-US" sz="1600" dirty="0" smtClean="0"/>
-              <a:t>.</a:t>
+              <a:t>and paste them to the project folder. Now you would see the following files in your project folder.</a:t>
             </a:r>
           </a:p>
           <a:p>
             <a:endParaRPr lang="en-US" sz="1600" dirty="0"/>
           </a:p>
           <a:p>
-            <a:endParaRPr lang="en-US" sz="1600" dirty="0" smtClean="0"/>
-          </a:p>
-          <a:p>
             <a:endParaRPr lang="en-US" sz="1600" dirty="0"/>
           </a:p>
           <a:p>
-            <a:endParaRPr lang="en-US" sz="1600" dirty="0" smtClean="0"/>
+            <a:endParaRPr lang="en-US" sz="1600" dirty="0"/>
+          </a:p>
+          <a:p>
+            <a:endParaRPr lang="en-US" sz="1600" dirty="0"/>
           </a:p>
           <a:p>
             <a:pPr marL="0" indent="0">
               <a:buNone/>
             </a:pPr>
-            <a:endParaRPr lang="en-US" sz="1600" dirty="0" smtClean="0"/>
-          </a:p>
-          <a:p>
-            <a:r>
-              <a:rPr lang="en-US" sz="1600" dirty="0" smtClean="0"/>
-              <a:t>After pasting the five required input files for uncertainty analysis, replace </a:t>
-            </a:r>
-            <a:r>
-              <a:rPr lang="en-US" sz="1600" dirty="0" smtClean="0"/>
-              <a:t>the </a:t>
-            </a:r>
-            <a:r>
-              <a:rPr lang="en-US" sz="1600" dirty="0" err="1" smtClean="0"/>
+            <a:endParaRPr lang="en-US" sz="1600" dirty="0"/>
+          </a:p>
+          <a:p>
+            <a:r>
+              <a:rPr lang="en-US" sz="1600" dirty="0"/>
+              <a:t>After pasting the five required input files for uncertainty analysis, replace the </a:t>
+            </a:r>
+            <a:r>
+              <a:rPr lang="en-US" sz="1600" dirty="0" err="1"/>
               <a:t>ExampleBuilding.osm</a:t>
             </a:r>
             <a:r>
-              <a:rPr lang="en-US" sz="1600" dirty="0" smtClean="0"/>
-              <a:t> with your building model; replace the  .</a:t>
-            </a:r>
-            <a:r>
-              <a:rPr lang="en-US" sz="1600" dirty="0" err="1" smtClean="0"/>
+              <a:rPr lang="en-US" sz="1600" dirty="0"/>
+              <a:t> with your building model; replace the .</a:t>
+            </a:r>
+            <a:r>
+              <a:rPr lang="en-US" sz="1600" dirty="0" err="1"/>
               <a:t>epw</a:t>
             </a:r>
             <a:r>
-              <a:rPr lang="en-US" sz="1600" dirty="0" smtClean="0"/>
-              <a:t> file with the weather file for your building’s </a:t>
-            </a:r>
-            <a:r>
-              <a:rPr lang="en-US" sz="1600" dirty="0" smtClean="0"/>
-              <a:t>location.</a:t>
-            </a:r>
-            <a:endParaRPr lang="en-US" sz="1600" dirty="0" smtClean="0"/>
-          </a:p>
-          <a:p>
-            <a:endParaRPr lang="en-US" sz="1600" dirty="0" smtClean="0"/>
+              <a:rPr lang="en-US" sz="1600" dirty="0"/>
+              <a:t> file with the weather file for your building’s location.</a:t>
+            </a:r>
+          </a:p>
+          <a:p>
+            <a:endParaRPr lang="en-US" sz="1600" dirty="0"/>
           </a:p>
           <a:p>
             <a:pPr marL="0" indent="0">
               <a:buNone/>
             </a:pPr>
             <a:r>
-              <a:rPr lang="en-US" sz="1600" dirty="0" smtClean="0"/>
+              <a:rPr lang="en-US" sz="1600" dirty="0"/>
               <a:t> </a:t>
             </a:r>
-            <a:endParaRPr lang="en-US" sz="1600" dirty="0"/>
           </a:p>
           <a:p>
             <a:pPr marL="0" indent="0">
               <a:buNone/>
             </a:pPr>
-            <a:endParaRPr lang="en-US" sz="1600" dirty="0" smtClean="0"/>
+            <a:endParaRPr lang="en-US" sz="1600" dirty="0"/>
           </a:p>
           <a:p>
             <a:pPr marL="0" indent="0">
@@ -15819,66 +15960,32 @@
       </p:sp>
       <p:pic>
         <p:nvPicPr>
-          <p:cNvPr id="1026" name="Picture 2"/>
+          <p:cNvPr id="6" name="Picture 5">
+            <a:extLst>
+              <a:ext uri="{FF2B5EF4-FFF2-40B4-BE49-F238E27FC236}">
+                <a16:creationId xmlns:a16="http://schemas.microsoft.com/office/drawing/2014/main" id="{C3E3BB3F-C5E6-4CBD-A7DA-95BAFD9ED1CA}"/>
+              </a:ext>
+            </a:extLst>
+          </p:cNvPr>
           <p:cNvPicPr>
-            <a:picLocks noChangeAspect="1" noChangeArrowheads="1"/>
+            <a:picLocks noChangeAspect="1"/>
           </p:cNvPicPr>
           <p:nvPr/>
         </p:nvPicPr>
         <p:blipFill>
-          <a:blip r:embed="rId2">
-            <a:extLst>
-              <a:ext uri="{28A0092B-C50C-407E-A947-70E740481C1C}">
-                <a14:useLocalDpi xmlns:a14="http://schemas.microsoft.com/office/drawing/2010/main" val="0"/>
-              </a:ext>
-            </a:extLst>
-          </a:blip>
-          <a:srcRect/>
+          <a:blip r:embed="rId2"/>
           <a:stretch>
             <a:fillRect/>
           </a:stretch>
         </p:blipFill>
-        <p:spPr bwMode="auto">
+        <p:spPr>
           <a:xfrm>
-            <a:off x="1447800" y="2533650"/>
-            <a:ext cx="3028950" cy="1076325"/>
+            <a:off x="1371600" y="2514600"/>
+            <a:ext cx="3667125" cy="1309047"/>
           </a:xfrm>
           <a:prstGeom prst="rect">
             <a:avLst/>
           </a:prstGeom>
-          <a:noFill/>
-          <a:ln>
-            <a:noFill/>
-          </a:ln>
-          <a:effectLst/>
-          <a:extLst>
-            <a:ext uri="{909E8E84-426E-40DD-AFC4-6F175D3DCCD1}">
-              <a14:hiddenFill xmlns:a14="http://schemas.microsoft.com/office/drawing/2010/main">
-                <a:solidFill>
-                  <a:schemeClr val="accent1"/>
-                </a:solidFill>
-              </a14:hiddenFill>
-            </a:ext>
-            <a:ext uri="{91240B29-F687-4F45-9708-019B960494DF}">
-              <a14:hiddenLine xmlns:a14="http://schemas.microsoft.com/office/drawing/2010/main" w="9525">
-                <a:solidFill>
-                  <a:schemeClr val="tx1"/>
-                </a:solidFill>
-                <a:miter lim="800000"/>
-                <a:headEnd/>
-                <a:tailEnd/>
-              </a14:hiddenLine>
-            </a:ext>
-            <a:ext uri="{AF507438-7753-43E0-B8FC-AC1667EBCBE1}">
-              <a14:hiddenEffects xmlns:a14="http://schemas.microsoft.com/office/drawing/2010/main">
-                <a:effectLst>
-                  <a:outerShdw dist="35921" dir="2700000" algn="ctr" rotWithShape="0">
-                    <a:schemeClr val="bg2"/>
-                  </a:outerShdw>
-                </a:effectLst>
-              </a14:hiddenEffects>
-            </a:ext>
-          </a:extLst>
         </p:spPr>
       </p:pic>
     </p:spTree>
@@ -15891,13 +15998,6 @@
   <p:clrMapOvr>
     <a:masterClrMapping/>
   </p:clrMapOvr>
-  <p:timing>
-    <p:tnLst>
-      <p:par>
-        <p:cTn id="1" dur="indefinite" restart="never" nodeType="tmRoot"/>
-      </p:par>
-    </p:tnLst>
-  </p:timing>
 </p:sld>
 </file>
 
@@ -15920,66 +16020,32 @@
       </p:grpSpPr>
       <p:pic>
         <p:nvPicPr>
-          <p:cNvPr id="12299" name="Picture 3"/>
+          <p:cNvPr id="5" name="Picture 4">
+            <a:extLst>
+              <a:ext uri="{FF2B5EF4-FFF2-40B4-BE49-F238E27FC236}">
+                <a16:creationId xmlns:a16="http://schemas.microsoft.com/office/drawing/2014/main" id="{F4E96435-D506-4030-9535-FB0450F7A719}"/>
+              </a:ext>
+            </a:extLst>
+          </p:cNvPr>
           <p:cNvPicPr>
-            <a:picLocks noChangeAspect="1" noChangeArrowheads="1"/>
+            <a:picLocks noChangeAspect="1"/>
           </p:cNvPicPr>
           <p:nvPr/>
         </p:nvPicPr>
         <p:blipFill>
-          <a:blip r:embed="rId2">
-            <a:extLst>
-              <a:ext uri="{28A0092B-C50C-407E-A947-70E740481C1C}">
-                <a14:useLocalDpi xmlns:a14="http://schemas.microsoft.com/office/drawing/2010/main" val="0"/>
-              </a:ext>
-            </a:extLst>
-          </a:blip>
-          <a:srcRect/>
+          <a:blip r:embed="rId2"/>
           <a:stretch>
             <a:fillRect/>
           </a:stretch>
         </p:blipFill>
-        <p:spPr bwMode="auto">
+        <p:spPr>
           <a:xfrm>
-            <a:off x="293687" y="3838797"/>
-            <a:ext cx="8869363" cy="1228725"/>
+            <a:off x="146844" y="3526566"/>
+            <a:ext cx="8850311" cy="803433"/>
           </a:xfrm>
           <a:prstGeom prst="rect">
             <a:avLst/>
           </a:prstGeom>
-          <a:noFill/>
-          <a:ln>
-            <a:noFill/>
-          </a:ln>
-          <a:effectLst/>
-          <a:extLst>
-            <a:ext uri="{909E8E84-426E-40DD-AFC4-6F175D3DCCD1}">
-              <a14:hiddenFill xmlns:a14="http://schemas.microsoft.com/office/drawing/2010/main">
-                <a:solidFill>
-                  <a:schemeClr val="accent1"/>
-                </a:solidFill>
-              </a14:hiddenFill>
-            </a:ext>
-            <a:ext uri="{91240B29-F687-4F45-9708-019B960494DF}">
-              <a14:hiddenLine xmlns:a14="http://schemas.microsoft.com/office/drawing/2010/main" w="9525">
-                <a:solidFill>
-                  <a:schemeClr val="tx1"/>
-                </a:solidFill>
-                <a:miter lim="800000"/>
-                <a:headEnd/>
-                <a:tailEnd/>
-              </a14:hiddenLine>
-            </a:ext>
-            <a:ext uri="{AF507438-7753-43E0-B8FC-AC1667EBCBE1}">
-              <a14:hiddenEffects xmlns:a14="http://schemas.microsoft.com/office/drawing/2010/main">
-                <a:effectLst>
-                  <a:outerShdw dist="35921" dir="2700000" algn="ctr" rotWithShape="0">
-                    <a:schemeClr val="bg2"/>
-                  </a:outerShdw>
-                </a:effectLst>
-              </a14:hiddenEffects>
-            </a:ext>
-          </a:extLst>
         </p:spPr>
       </p:pic>
       <p:sp>
@@ -15998,12 +16064,8 @@
           <a:lstStyle/>
           <a:p>
             <a:r>
-              <a:rPr lang="en-US" dirty="0" smtClean="0"/>
-              <a:t>Step 1</a:t>
-            </a:r>
-            <a:r>
               <a:rPr lang="en-US" dirty="0"/>
-              <a:t>: Edit Executable Bash/Batch Script</a:t>
+              <a:t>Step 1: Edit Executable Bash/Batch Script</a:t>
             </a:r>
           </a:p>
         </p:txBody>
@@ -16021,7 +16083,7 @@
         <p:spPr>
           <a:xfrm>
             <a:off x="426879" y="1219200"/>
-            <a:ext cx="8229600" cy="533401"/>
+            <a:ext cx="8229600" cy="1924987"/>
           </a:xfrm>
         </p:spPr>
         <p:txBody>
@@ -16032,11 +16094,11 @@
               <a:buNone/>
             </a:pPr>
             <a:r>
-              <a:rPr lang="en-US" sz="1600" dirty="0" smtClean="0"/>
+              <a:rPr lang="en-US" sz="1600" dirty="0"/>
               <a:t>Open </a:t>
             </a:r>
             <a:r>
-              <a:rPr lang="en-US" sz="1600" dirty="0" smtClean="0">
+              <a:rPr lang="en-US" sz="1600" dirty="0">
                 <a:solidFill>
                   <a:srgbClr val="C00000"/>
                 </a:solidFill>
@@ -16044,55 +16106,20 @@
               <a:t>Uncertainty_Analysis.bat</a:t>
             </a:r>
             <a:r>
-              <a:rPr lang="en-US" sz="1600" dirty="0" smtClean="0"/>
+              <a:rPr lang="en-US" sz="1600" dirty="0"/>
               <a:t> file using any available text editing software:</a:t>
             </a:r>
           </a:p>
           <a:p>
             <a:r>
-              <a:rPr lang="en-US" sz="1600" dirty="0" smtClean="0"/>
-              <a:t>Replace current directory with your “BCUS” directory, such that:  </a:t>
-            </a:r>
-          </a:p>
-          <a:p>
-            <a:pPr marL="0" indent="0">
-              <a:buNone/>
-            </a:pPr>
-            <a:r>
-              <a:rPr lang="en-US" sz="1600" dirty="0" smtClean="0"/>
-              <a:t>     export BCOS =</a:t>
-            </a:r>
-            <a:r>
-              <a:rPr lang="en-US" sz="1600" dirty="0" smtClean="0">
-                <a:solidFill>
-                  <a:srgbClr val="C00000"/>
-                </a:solidFill>
-              </a:rPr>
-              <a:t>“&lt;your main folder directory&gt;” </a:t>
-            </a:r>
-          </a:p>
-          <a:p>
-            <a:r>
-              <a:rPr lang="en-US" sz="1600" dirty="0" smtClean="0"/>
+              <a:rPr lang="en-US" sz="1600" dirty="0"/>
               <a:t>Replace current file names with your building model name and weather file name. </a:t>
             </a:r>
           </a:p>
           <a:p>
             <a:r>
-              <a:rPr lang="en-US" sz="1600" dirty="0" smtClean="0"/>
-              <a:t>You </a:t>
-            </a:r>
-            <a:r>
               <a:rPr lang="en-US" sz="1600" dirty="0"/>
-              <a:t>can save the modified bash script with a new name, such as </a:t>
-            </a:r>
-            <a:r>
-              <a:rPr lang="en-US" sz="1600" dirty="0" smtClean="0"/>
-              <a:t>Run_UA.bat </a:t>
-            </a:r>
-            <a:r>
-              <a:rPr lang="en-US" sz="1600" dirty="0"/>
-              <a:t>or just keep the old </a:t>
+              <a:t>You can save the modified bash script with a new name, such as Run_UA.bat or just keep the old </a:t>
             </a:r>
             <a:r>
               <a:rPr lang="en-US" sz="1600" dirty="0">
@@ -16114,7 +16141,7 @@
             <a:pPr marL="0" indent="0">
               <a:buNone/>
             </a:pPr>
-            <a:endParaRPr lang="en-US" sz="1600" dirty="0" smtClean="0"/>
+            <a:endParaRPr lang="en-US" sz="1600" dirty="0"/>
           </a:p>
         </p:txBody>
       </p:sp>
@@ -16126,8 +16153,8 @@
         </p:nvSpPr>
         <p:spPr bwMode="auto">
           <a:xfrm>
-            <a:off x="1752600" y="4844764"/>
-            <a:ext cx="1222217" cy="209550"/>
+            <a:off x="1349471" y="4146321"/>
+            <a:ext cx="1106552" cy="207003"/>
           </a:xfrm>
           <a:prstGeom prst="rect">
             <a:avLst/>
@@ -16179,8 +16206,8 @@
         </p:nvSpPr>
         <p:spPr bwMode="auto">
           <a:xfrm>
-            <a:off x="3327240" y="4847034"/>
-            <a:ext cx="3378359" cy="209551"/>
+            <a:off x="2719887" y="4146322"/>
+            <a:ext cx="3071313" cy="180860"/>
           </a:xfrm>
           <a:prstGeom prst="rect">
             <a:avLst/>
@@ -16232,7 +16259,7 @@
         </p:nvSpPr>
         <p:spPr>
           <a:xfrm>
-            <a:off x="1586778" y="5267323"/>
+            <a:off x="1125816" y="4671536"/>
             <a:ext cx="1553862" cy="738664"/>
           </a:xfrm>
           <a:prstGeom prst="rect">
@@ -16297,7 +16324,7 @@
         </p:nvSpPr>
         <p:spPr>
           <a:xfrm>
-            <a:off x="3894822" y="5384571"/>
+            <a:off x="3133946" y="4677183"/>
             <a:ext cx="2243195" cy="523220"/>
           </a:xfrm>
           <a:prstGeom prst="rect">
@@ -16333,107 +16360,11 @@
           </a:p>
         </p:txBody>
       </p:sp>
-      <p:sp>
-        <p:nvSpPr>
-          <p:cNvPr id="22" name="Rectangle 21"/>
-          <p:cNvSpPr/>
-          <p:nvPr/>
-        </p:nvSpPr>
-        <p:spPr bwMode="auto">
-          <a:xfrm>
-            <a:off x="1552576" y="4453160"/>
-            <a:ext cx="1524000" cy="228600"/>
-          </a:xfrm>
-          <a:prstGeom prst="rect">
-            <a:avLst/>
-          </a:prstGeom>
-          <a:noFill/>
-          <a:ln w="38100" cap="flat" cmpd="sng" algn="ctr">
-            <a:solidFill>
-              <a:schemeClr val="accent4">
-                <a:lumMod val="60000"/>
-                <a:lumOff val="40000"/>
-              </a:schemeClr>
-            </a:solidFill>
-            <a:prstDash val="solid"/>
-            <a:round/>
-            <a:headEnd type="none" w="med" len="med"/>
-            <a:tailEnd type="none" w="med" len="med"/>
-          </a:ln>
-          <a:effectLst/>
-        </p:spPr>
-        <p:txBody>
-          <a:bodyPr vert="horz" wrap="square" lIns="91440" tIns="45720" rIns="91440" bIns="45720" numCol="1" rtlCol="0" anchor="t" anchorCtr="0" compatLnSpc="1">
-            <a:prstTxWarp prst="textNoShape">
-              <a:avLst/>
-            </a:prstTxWarp>
-          </a:bodyPr>
-          <a:lstStyle/>
-          <a:p>
-            <a:pPr fontAlgn="base">
-              <a:spcBef>
-                <a:spcPct val="0"/>
-              </a:spcBef>
-              <a:spcAft>
-                <a:spcPct val="0"/>
-              </a:spcAft>
-            </a:pPr>
-            <a:endParaRPr lang="en-US">
-              <a:solidFill>
-                <a:srgbClr val="616161"/>
-              </a:solidFill>
-            </a:endParaRPr>
-          </a:p>
-        </p:txBody>
-      </p:sp>
-      <p:sp>
-        <p:nvSpPr>
-          <p:cNvPr id="23" name="TextBox 22"/>
-          <p:cNvSpPr txBox="1"/>
-          <p:nvPr/>
-        </p:nvSpPr>
-        <p:spPr>
-          <a:xfrm>
-            <a:off x="426879" y="3421582"/>
-            <a:ext cx="3775393" cy="307777"/>
-          </a:xfrm>
-          <a:prstGeom prst="rect">
-            <a:avLst/>
-          </a:prstGeom>
-          <a:noFill/>
-        </p:spPr>
-        <p:txBody>
-          <a:bodyPr wrap="none" rtlCol="0">
-            <a:spAutoFit/>
-          </a:bodyPr>
-          <a:lstStyle/>
-          <a:p>
-            <a:pPr fontAlgn="base">
-              <a:spcBef>
-                <a:spcPct val="0"/>
-              </a:spcBef>
-              <a:spcAft>
-                <a:spcPct val="0"/>
-              </a:spcAft>
-            </a:pPr>
-            <a:r>
-              <a:rPr lang="en-US" sz="1400" dirty="0">
-                <a:solidFill>
-                  <a:srgbClr val="D2D2D2">
-                    <a:lumMod val="10000"/>
-                  </a:srgbClr>
-                </a:solidFill>
-                <a:latin typeface="Arial" pitchFamily="34" charset="0"/>
-              </a:rPr>
-              <a:t>Replace with the directory of your main folder</a:t>
-            </a:r>
-          </a:p>
-        </p:txBody>
-      </p:sp>
       <p:cxnSp>
         <p:nvCxnSpPr>
           <p:cNvPr id="24" name="Straight Arrow Connector 23"/>
           <p:cNvCxnSpPr>
+            <a:cxnSpLocks/>
             <a:stCxn id="19" idx="0"/>
             <a:endCxn id="15" idx="2"/>
           </p:cNvCxnSpPr>
@@ -16441,8 +16372,8 @@
         </p:nvCxnSpPr>
         <p:spPr bwMode="auto">
           <a:xfrm flipV="1">
-            <a:off x="2363709" y="5054314"/>
-            <a:ext cx="0" cy="213009"/>
+            <a:off x="1902747" y="4353324"/>
+            <a:ext cx="0" cy="318212"/>
           </a:xfrm>
           <a:prstGeom prst="straightConnector1">
             <a:avLst/>
@@ -16466,6 +16397,7 @@
         <p:nvCxnSpPr>
           <p:cNvPr id="25" name="Straight Arrow Connector 24"/>
           <p:cNvCxnSpPr>
+            <a:cxnSpLocks/>
             <a:stCxn id="21" idx="0"/>
             <a:endCxn id="17" idx="2"/>
           </p:cNvCxnSpPr>
@@ -16473,8 +16405,8 @@
         </p:nvCxnSpPr>
         <p:spPr bwMode="auto">
           <a:xfrm flipV="1">
-            <a:off x="5016420" y="5056585"/>
-            <a:ext cx="0" cy="327986"/>
+            <a:off x="4255544" y="4327182"/>
+            <a:ext cx="0" cy="350001"/>
           </a:xfrm>
           <a:prstGeom prst="straightConnector1">
             <a:avLst/>
@@ -16502,8 +16434,8 @@
         </p:nvSpPr>
         <p:spPr bwMode="auto">
           <a:xfrm>
-            <a:off x="2222342" y="4203829"/>
-            <a:ext cx="6540658" cy="114300"/>
+            <a:off x="1676400" y="3889568"/>
+            <a:ext cx="7318377" cy="180860"/>
           </a:xfrm>
           <a:prstGeom prst="rect">
             <a:avLst/>
@@ -16549,17 +16481,18 @@
       </p:sp>
       <p:cxnSp>
         <p:nvCxnSpPr>
-          <p:cNvPr id="27" name="Straight Arrow Connector 26"/>
+          <p:cNvPr id="28" name="Straight Arrow Connector 27"/>
           <p:cNvCxnSpPr>
-            <a:stCxn id="23" idx="2"/>
-            <a:endCxn id="22" idx="0"/>
+            <a:cxnSpLocks/>
+            <a:stCxn id="29" idx="2"/>
+            <a:endCxn id="26" idx="0"/>
           </p:cNvCxnSpPr>
           <p:nvPr/>
         </p:nvCxnSpPr>
         <p:spPr bwMode="auto">
           <a:xfrm>
-            <a:off x="2314576" y="3729359"/>
-            <a:ext cx="0" cy="723801"/>
+            <a:off x="5335588" y="3264956"/>
+            <a:ext cx="1" cy="624612"/>
           </a:xfrm>
           <a:prstGeom prst="straightConnector1">
             <a:avLst/>
@@ -16579,35 +16512,6 @@
           <a:effectLst/>
         </p:spPr>
       </p:cxnSp>
-      <p:cxnSp>
-        <p:nvCxnSpPr>
-          <p:cNvPr id="28" name="Straight Arrow Connector 27"/>
-          <p:cNvCxnSpPr/>
-          <p:nvPr/>
-        </p:nvCxnSpPr>
-        <p:spPr bwMode="auto">
-          <a:xfrm>
-            <a:off x="6400800" y="3882851"/>
-            <a:ext cx="1" cy="320978"/>
-          </a:xfrm>
-          <a:prstGeom prst="straightConnector1">
-            <a:avLst/>
-          </a:prstGeom>
-          <a:noFill/>
-          <a:ln w="9525" cap="flat" cmpd="sng" algn="ctr">
-            <a:solidFill>
-              <a:schemeClr val="bg2">
-                <a:lumMod val="10000"/>
-              </a:schemeClr>
-            </a:solidFill>
-            <a:prstDash val="solid"/>
-            <a:round/>
-            <a:headEnd type="none" w="med" len="med"/>
-            <a:tailEnd type="triangle"/>
-          </a:ln>
-          <a:effectLst/>
-        </p:spPr>
-      </p:cxnSp>
       <p:sp>
         <p:nvSpPr>
           <p:cNvPr id="29" name="TextBox 28"/>
@@ -16616,7 +16520,7 @@
         </p:nvSpPr>
         <p:spPr>
           <a:xfrm>
-            <a:off x="4648200" y="3421582"/>
+            <a:off x="3387907" y="2741736"/>
             <a:ext cx="3895362" cy="523220"/>
           </a:xfrm>
           <a:prstGeom prst="rect">
@@ -16712,13 +16616,6 @@
   <p:clrMapOvr>
     <a:masterClrMapping/>
   </p:clrMapOvr>
-  <p:timing>
-    <p:tnLst>
-      <p:par>
-        <p:cTn id="1" dur="indefinite" restart="never" nodeType="tmRoot"/>
-      </p:par>
-    </p:tnLst>
-  </p:timing>
 </p:sld>
 </file>
 
@@ -16770,7 +16667,7 @@
         <p:spPr>
           <a:xfrm>
             <a:off x="381000" y="1219200"/>
-            <a:ext cx="8229600" cy="2246769"/>
+            <a:ext cx="8229600" cy="3930371"/>
           </a:xfrm>
           <a:prstGeom prst="rect">
             <a:avLst/>
@@ -16783,6 +16680,9 @@
           <a:lstStyle/>
           <a:p>
             <a:pPr marL="0" indent="0">
+              <a:lnSpc>
+                <a:spcPct val="150000"/>
+              </a:lnSpc>
               <a:buNone/>
             </a:pPr>
             <a:r>
@@ -16794,15 +16694,15 @@
               <a:t>--</a:t>
             </a:r>
             <a:r>
-              <a:rPr lang="en-US" sz="1400" dirty="0" err="1" smtClean="0">
+              <a:rPr lang="en-US" sz="1400" dirty="0" err="1">
                 <a:solidFill>
                   <a:srgbClr val="000000"/>
                 </a:solidFill>
               </a:rPr>
-              <a:t>osmName</a:t>
-            </a:r>
-            <a:r>
-              <a:rPr lang="en-US" sz="1400" dirty="0" smtClean="0">
+              <a:t>osm</a:t>
+            </a:r>
+            <a:r>
+              <a:rPr lang="en-US" sz="1400" dirty="0">
                 <a:solidFill>
                   <a:srgbClr val="000000"/>
                 </a:solidFill>
@@ -16810,7 +16710,7 @@
               <a:t>: The name of the </a:t>
             </a:r>
             <a:r>
-              <a:rPr lang="en-US" sz="1400" dirty="0" err="1" smtClean="0">
+              <a:rPr lang="en-US" sz="1400" dirty="0" err="1">
                 <a:solidFill>
                   <a:srgbClr val="000000"/>
                 </a:solidFill>
@@ -16818,7 +16718,7 @@
               <a:t>OpenStudio</a:t>
             </a:r>
             <a:r>
-              <a:rPr lang="en-US" sz="1400" dirty="0" smtClean="0">
+              <a:rPr lang="en-US" sz="1400" dirty="0">
                 <a:solidFill>
                   <a:srgbClr val="000000"/>
                 </a:solidFill>
@@ -16826,7 +16726,7 @@
               <a:t> model (.</a:t>
             </a:r>
             <a:r>
-              <a:rPr lang="en-US" sz="1400" dirty="0" err="1" smtClean="0">
+              <a:rPr lang="en-US" sz="1400" dirty="0" err="1">
                 <a:solidFill>
                   <a:srgbClr val="000000"/>
                 </a:solidFill>
@@ -16834,7 +16734,7 @@
               <a:t>osm</a:t>
             </a:r>
             <a:r>
-              <a:rPr lang="en-US" sz="1400" dirty="0" smtClean="0">
+              <a:rPr lang="en-US" sz="1400" dirty="0">
                 <a:solidFill>
                   <a:srgbClr val="000000"/>
                 </a:solidFill>
@@ -16844,6 +16744,9 @@
           </a:p>
           <a:p>
             <a:pPr marL="0" indent="0">
+              <a:lnSpc>
+                <a:spcPct val="150000"/>
+              </a:lnSpc>
               <a:buNone/>
             </a:pPr>
             <a:r>
@@ -16855,15 +16758,15 @@
               <a:t>--</a:t>
             </a:r>
             <a:r>
-              <a:rPr lang="en-US" sz="1400" dirty="0" err="1" smtClean="0">
+              <a:rPr lang="en-US" sz="1400" dirty="0" err="1">
                 <a:solidFill>
                   <a:srgbClr val="000000"/>
                 </a:solidFill>
               </a:rPr>
-              <a:t>epwName</a:t>
-            </a:r>
-            <a:r>
-              <a:rPr lang="en-US" sz="1400" dirty="0" smtClean="0">
+              <a:t>epw</a:t>
+            </a:r>
+            <a:r>
+              <a:rPr lang="en-US" sz="1400" dirty="0">
                 <a:solidFill>
                   <a:srgbClr val="000000"/>
                 </a:solidFill>
@@ -16871,7 +16774,7 @@
               <a:t>: The name of the weather file(.</a:t>
             </a:r>
             <a:r>
-              <a:rPr lang="en-US" sz="1400" dirty="0" err="1" smtClean="0">
+              <a:rPr lang="en-US" sz="1400" dirty="0" err="1">
                 <a:solidFill>
                   <a:srgbClr val="000000"/>
                 </a:solidFill>
@@ -16879,25 +16782,261 @@
               <a:t>epw</a:t>
             </a:r>
             <a:r>
-              <a:rPr lang="en-US" sz="1400" dirty="0" smtClean="0">
+              <a:rPr lang="en-US" sz="1400" dirty="0">
                 <a:solidFill>
                   <a:srgbClr val="000000"/>
                 </a:solidFill>
               </a:rPr>
               <a:t>)</a:t>
             </a:r>
-            <a:endParaRPr lang="en-US" sz="1400" dirty="0">
-              <a:solidFill>
-                <a:srgbClr val="000000"/>
-              </a:solidFill>
-            </a:endParaRPr>
           </a:p>
           <a:p>
             <a:pPr marL="0" indent="0">
+              <a:lnSpc>
+                <a:spcPct val="150000"/>
+              </a:lnSpc>
               <a:buNone/>
             </a:pPr>
             <a:r>
-              <a:rPr lang="en-US" sz="1400" dirty="0" smtClean="0">
+              <a:rPr lang="en-US" sz="1400" dirty="0">
+                <a:solidFill>
+                  <a:srgbClr val="000000"/>
+                </a:solidFill>
+              </a:rPr>
+              <a:t>--</a:t>
+            </a:r>
+            <a:r>
+              <a:rPr lang="en-US" sz="1400" dirty="0" err="1">
+                <a:solidFill>
+                  <a:srgbClr val="000000"/>
+                </a:solidFill>
+              </a:rPr>
+              <a:t>uqRepo</a:t>
+            </a:r>
+            <a:r>
+              <a:rPr lang="en-US" sz="1400" dirty="0">
+                <a:solidFill>
+                  <a:srgbClr val="000000"/>
+                </a:solidFill>
+              </a:rPr>
+              <a:t>: The name of the UQ parameter repository in the directory</a:t>
+            </a:r>
+          </a:p>
+          <a:p>
+            <a:pPr marL="0" indent="0">
+              <a:lnSpc>
+                <a:spcPct val="150000"/>
+              </a:lnSpc>
+              <a:buNone/>
+            </a:pPr>
+            <a:r>
+              <a:rPr lang="en-US" sz="1400" dirty="0">
+                <a:solidFill>
+                  <a:srgbClr val="000000"/>
+                </a:solidFill>
+              </a:rPr>
+              <a:t>--</a:t>
+            </a:r>
+            <a:r>
+              <a:rPr lang="en-US" sz="1400" dirty="0" err="1">
+                <a:solidFill>
+                  <a:srgbClr val="000000"/>
+                </a:solidFill>
+              </a:rPr>
+              <a:t>outFile</a:t>
+            </a:r>
+            <a:r>
+              <a:rPr lang="en-US" sz="1400" dirty="0">
+                <a:solidFill>
+                  <a:srgbClr val="000000"/>
+                </a:solidFill>
+              </a:rPr>
+              <a:t>: The name of the simulation output setting file (.csv)</a:t>
+            </a:r>
+          </a:p>
+          <a:p>
+            <a:pPr marL="0" indent="0">
+              <a:lnSpc>
+                <a:spcPct val="150000"/>
+              </a:lnSpc>
+              <a:buNone/>
+            </a:pPr>
+            <a:r>
+              <a:rPr lang="en-US" sz="1400" dirty="0">
+                <a:solidFill>
+                  <a:srgbClr val="000000"/>
+                </a:solidFill>
+              </a:rPr>
+              <a:t>--</a:t>
+            </a:r>
+            <a:r>
+              <a:rPr lang="en-US" sz="1400" dirty="0" err="1">
+                <a:solidFill>
+                  <a:srgbClr val="000000"/>
+                </a:solidFill>
+              </a:rPr>
+              <a:t>numLHD</a:t>
+            </a:r>
+            <a:r>
+              <a:rPr lang="en-US" sz="1400" dirty="0">
+                <a:solidFill>
+                  <a:srgbClr val="000000"/>
+                </a:solidFill>
+              </a:rPr>
+              <a:t>: The number of sample points of Monte Carlo simulation with Latin Hypercube Design</a:t>
+            </a:r>
+          </a:p>
+          <a:p>
+            <a:pPr>
+              <a:lnSpc>
+                <a:spcPct val="150000"/>
+              </a:lnSpc>
+            </a:pPr>
+            <a:r>
+              <a:rPr lang="en-US" sz="1400" dirty="0">
+                <a:solidFill>
+                  <a:srgbClr val="000000"/>
+                </a:solidFill>
+              </a:rPr>
+              <a:t>--seed: Need to be an integer. If same, the sequence of the samples will be the same</a:t>
+            </a:r>
+          </a:p>
+          <a:p>
+            <a:pPr marL="0" indent="0">
+              <a:lnSpc>
+                <a:spcPct val="150000"/>
+              </a:lnSpc>
+              <a:buNone/>
+            </a:pPr>
+            <a:r>
+              <a:rPr lang="en-US" sz="1400" dirty="0">
+                <a:solidFill>
+                  <a:srgbClr val="000000"/>
+                </a:solidFill>
+              </a:rPr>
+              <a:t>--</a:t>
+            </a:r>
+            <a:r>
+              <a:rPr lang="en-US" sz="1400" dirty="0" err="1">
+                <a:solidFill>
+                  <a:srgbClr val="000000"/>
+                </a:solidFill>
+              </a:rPr>
+              <a:t>numProcesses</a:t>
+            </a:r>
+            <a:r>
+              <a:rPr lang="en-US" sz="1400" dirty="0">
+                <a:solidFill>
+                  <a:srgbClr val="000000"/>
+                </a:solidFill>
+              </a:rPr>
+              <a:t>: The number of parallel processes for running </a:t>
+            </a:r>
+            <a:r>
+              <a:rPr lang="en-US" sz="1400" dirty="0" err="1">
+                <a:solidFill>
+                  <a:srgbClr val="000000"/>
+                </a:solidFill>
+              </a:rPr>
+              <a:t>EnergyPlus</a:t>
+            </a:r>
+            <a:r>
+              <a:rPr lang="en-US" sz="1400" dirty="0">
+                <a:solidFill>
+                  <a:srgbClr val="000000"/>
+                </a:solidFill>
+              </a:rPr>
+              <a:t> simulations</a:t>
+            </a:r>
+          </a:p>
+          <a:p>
+            <a:pPr marL="0" indent="0">
+              <a:lnSpc>
+                <a:spcPct val="150000"/>
+              </a:lnSpc>
+              <a:buNone/>
+            </a:pPr>
+            <a:r>
+              <a:rPr lang="en-US" sz="1400" dirty="0">
+                <a:solidFill>
+                  <a:srgbClr val="000000"/>
+                </a:solidFill>
+              </a:rPr>
+              <a:t>--</a:t>
+            </a:r>
+            <a:r>
+              <a:rPr lang="en-US" sz="1400" dirty="0" err="1">
+                <a:solidFill>
+                  <a:srgbClr val="000000"/>
+                </a:solidFill>
+              </a:rPr>
+              <a:t>noEP</a:t>
+            </a:r>
+            <a:r>
+              <a:rPr lang="en-US" sz="1400" dirty="0">
+                <a:solidFill>
+                  <a:srgbClr val="000000"/>
+                </a:solidFill>
+              </a:rPr>
+              <a:t>: If true, no </a:t>
+            </a:r>
+            <a:r>
+              <a:rPr lang="en-US" sz="1400" dirty="0" err="1">
+                <a:solidFill>
+                  <a:srgbClr val="000000"/>
+                </a:solidFill>
+              </a:rPr>
+              <a:t>EnergyPlus</a:t>
+            </a:r>
+            <a:r>
+              <a:rPr lang="en-US" sz="1400" dirty="0">
+                <a:solidFill>
+                  <a:srgbClr val="000000"/>
+                </a:solidFill>
+              </a:rPr>
+              <a:t> simulation will be performed</a:t>
+            </a:r>
+          </a:p>
+          <a:p>
+            <a:pPr marL="0" indent="0">
+              <a:lnSpc>
+                <a:spcPct val="150000"/>
+              </a:lnSpc>
+              <a:buNone/>
+            </a:pPr>
+            <a:r>
+              <a:rPr lang="en-US" sz="1400" dirty="0">
+                <a:solidFill>
+                  <a:srgbClr val="000000"/>
+                </a:solidFill>
+              </a:rPr>
+              <a:t>--</a:t>
+            </a:r>
+            <a:r>
+              <a:rPr lang="en-US" sz="1400" dirty="0" err="1">
+                <a:solidFill>
+                  <a:srgbClr val="000000"/>
+                </a:solidFill>
+              </a:rPr>
+              <a:t>noCleanup</a:t>
+            </a:r>
+            <a:r>
+              <a:rPr lang="en-US" sz="1400" dirty="0">
+                <a:solidFill>
+                  <a:srgbClr val="000000"/>
+                </a:solidFill>
+              </a:rPr>
+              <a:t>: If true, intermediate files will be kept</a:t>
+            </a:r>
+          </a:p>
+          <a:p>
+            <a:pPr>
+              <a:lnSpc>
+                <a:spcPct val="150000"/>
+              </a:lnSpc>
+            </a:pPr>
+            <a:r>
+              <a:rPr lang="en-US" sz="1400" dirty="0">
                 <a:solidFill>
                   <a:srgbClr val="000000"/>
                 </a:solidFill>
@@ -16907,213 +17046,29 @@
           </a:p>
           <a:p>
             <a:pPr marL="0" indent="0">
+              <a:lnSpc>
+                <a:spcPct val="150000"/>
+              </a:lnSpc>
               <a:buNone/>
             </a:pPr>
             <a:r>
-              <a:rPr lang="en-US" sz="1400" dirty="0" smtClean="0">
+              <a:rPr lang="en-US" sz="1400" dirty="0">
                 <a:solidFill>
                   <a:srgbClr val="000000"/>
                 </a:solidFill>
               </a:rPr>
-              <a:t>--</a:t>
-            </a:r>
-            <a:r>
-              <a:rPr lang="en-US" sz="1400" dirty="0" err="1" smtClean="0">
-                <a:solidFill>
-                  <a:srgbClr val="000000"/>
-                </a:solidFill>
-              </a:rPr>
-              <a:t>noCleanup</a:t>
-            </a:r>
-            <a:r>
-              <a:rPr lang="en-US" sz="1400" dirty="0" smtClean="0">
-                <a:solidFill>
-                  <a:srgbClr val="000000"/>
-                </a:solidFill>
-              </a:rPr>
-              <a:t>: If true, intermediate files will be kept</a:t>
+              <a:t>--verbose: If true, run in verbose mode with more output info printed</a:t>
             </a:r>
           </a:p>
           <a:p>
             <a:pPr marL="0" indent="0">
+              <a:lnSpc>
+                <a:spcPct val="150000"/>
+              </a:lnSpc>
               <a:buNone/>
             </a:pPr>
             <a:r>
-              <a:rPr lang="en-US" sz="1400" dirty="0" smtClean="0">
-                <a:solidFill>
-                  <a:srgbClr val="000000"/>
-                </a:solidFill>
-              </a:rPr>
-              <a:t>--</a:t>
-            </a:r>
-            <a:r>
-              <a:rPr lang="en-US" sz="1400" dirty="0" err="1" smtClean="0">
-                <a:solidFill>
-                  <a:srgbClr val="000000"/>
-                </a:solidFill>
-              </a:rPr>
-              <a:t>uqRepo</a:t>
-            </a:r>
-            <a:r>
-              <a:rPr lang="en-US" sz="1400" dirty="0" smtClean="0">
-                <a:solidFill>
-                  <a:srgbClr val="000000"/>
-                </a:solidFill>
-              </a:rPr>
-              <a:t>: The name of the UQ parameter repository in the directory</a:t>
-            </a:r>
-          </a:p>
-          <a:p>
-            <a:pPr marL="0" indent="0">
-              <a:buNone/>
-            </a:pPr>
-            <a:r>
               <a:rPr lang="en-US" sz="1400" dirty="0">
-                <a:solidFill>
-                  <a:srgbClr val="000000"/>
-                </a:solidFill>
-              </a:rPr>
-              <a:t>--</a:t>
-            </a:r>
-            <a:r>
-              <a:rPr lang="en-US" sz="1400" dirty="0" err="1" smtClean="0">
-                <a:solidFill>
-                  <a:srgbClr val="000000"/>
-                </a:solidFill>
-              </a:rPr>
-              <a:t>outfile</a:t>
-            </a:r>
-            <a:r>
-              <a:rPr lang="en-US" sz="1400" dirty="0" smtClean="0">
-                <a:solidFill>
-                  <a:srgbClr val="000000"/>
-                </a:solidFill>
-              </a:rPr>
-              <a:t>: The name of the simulation output setting file (.csv)</a:t>
-            </a:r>
-            <a:endParaRPr lang="en-US" sz="1400" dirty="0">
-              <a:solidFill>
-                <a:srgbClr val="000000"/>
-              </a:solidFill>
-            </a:endParaRPr>
-          </a:p>
-          <a:p>
-            <a:pPr marL="0" indent="0">
-              <a:buNone/>
-            </a:pPr>
-            <a:r>
-              <a:rPr lang="en-US" sz="1400" dirty="0" smtClean="0">
-                <a:solidFill>
-                  <a:srgbClr val="000000"/>
-                </a:solidFill>
-              </a:rPr>
-              <a:t>--</a:t>
-            </a:r>
-            <a:r>
-              <a:rPr lang="en-US" sz="1400" dirty="0" err="1" smtClean="0">
-                <a:solidFill>
-                  <a:srgbClr val="000000"/>
-                </a:solidFill>
-              </a:rPr>
-              <a:t>numLHS</a:t>
-            </a:r>
-            <a:r>
-              <a:rPr lang="en-US" sz="1400" dirty="0">
-                <a:solidFill>
-                  <a:srgbClr val="000000"/>
-                </a:solidFill>
-              </a:rPr>
-              <a:t>: </a:t>
-            </a:r>
-            <a:r>
-              <a:rPr lang="en-US" sz="1400" dirty="0" smtClean="0">
-                <a:solidFill>
-                  <a:srgbClr val="000000"/>
-                </a:solidFill>
-              </a:rPr>
-              <a:t>The </a:t>
-            </a:r>
-            <a:r>
-              <a:rPr lang="en-US" sz="1400" dirty="0">
-                <a:solidFill>
-                  <a:srgbClr val="000000"/>
-                </a:solidFill>
-              </a:rPr>
-              <a:t>number of sample points of Monte Carlo simulation with Latin Hypercube </a:t>
-            </a:r>
-            <a:r>
-              <a:rPr lang="en-US" sz="1400" dirty="0" smtClean="0">
-                <a:solidFill>
-                  <a:srgbClr val="000000"/>
-                </a:solidFill>
-              </a:rPr>
-              <a:t>Design</a:t>
-            </a:r>
-          </a:p>
-          <a:p>
-            <a:pPr marL="0" indent="0">
-              <a:buNone/>
-            </a:pPr>
-            <a:r>
-              <a:rPr lang="en-US" sz="1400" dirty="0" smtClean="0">
-                <a:solidFill>
-                  <a:srgbClr val="000000"/>
-                </a:solidFill>
-              </a:rPr>
-              <a:t>--seed: Need to be an integer. If same, the sequence of the samples will be the same</a:t>
-            </a:r>
-          </a:p>
-          <a:p>
-            <a:pPr marL="0" indent="0">
-              <a:buNone/>
-            </a:pPr>
-            <a:r>
-              <a:rPr lang="en-US" sz="1400" dirty="0" smtClean="0">
-                <a:solidFill>
-                  <a:srgbClr val="000000"/>
-                </a:solidFill>
-              </a:rPr>
-              <a:t>--verbose: If true</a:t>
-            </a:r>
-            <a:r>
-              <a:rPr lang="en-US" sz="1400" dirty="0">
-                <a:solidFill>
-                  <a:srgbClr val="000000"/>
-                </a:solidFill>
-              </a:rPr>
-              <a:t>, </a:t>
-            </a:r>
-            <a:r>
-              <a:rPr lang="en-US" sz="1400" dirty="0" smtClean="0">
-                <a:solidFill>
-                  <a:srgbClr val="000000"/>
-                </a:solidFill>
-              </a:rPr>
-              <a:t>run </a:t>
-            </a:r>
-            <a:r>
-              <a:rPr lang="en-US" sz="1400" dirty="0">
-                <a:solidFill>
-                  <a:srgbClr val="000000"/>
-                </a:solidFill>
-              </a:rPr>
-              <a:t>in verbose mode with more output info </a:t>
-            </a:r>
-            <a:r>
-              <a:rPr lang="en-US" sz="1400" dirty="0" smtClean="0">
-                <a:solidFill>
-                  <a:srgbClr val="000000"/>
-                </a:solidFill>
-              </a:rPr>
-              <a:t>printed</a:t>
-            </a:r>
-          </a:p>
-          <a:p>
-            <a:pPr marL="0" indent="0">
-              <a:buNone/>
-            </a:pPr>
-            <a:r>
-              <a:rPr lang="en-US" sz="1400" dirty="0" smtClean="0">
                 <a:solidFill>
                   <a:srgbClr val="000000"/>
                 </a:solidFill>
@@ -17162,13 +17117,6 @@
   <p:clrMapOvr>
     <a:masterClrMapping/>
   </p:clrMapOvr>
-  <p:timing>
-    <p:tnLst>
-      <p:par>
-        <p:cTn id="1" dur="indefinite" restart="never" nodeType="tmRoot"/>
-      </p:par>
-    </p:tnLst>
-  </p:timing>
 </p:sld>
 </file>
 
@@ -17877,7 +17825,7 @@
         <a:sysClr val="windowText" lastClr="000000"/>
       </a:dk1>
       <a:lt1>
-        <a:sysClr val="window" lastClr="C7EDCC"/>
+        <a:sysClr val="window" lastClr="FFFFFF"/>
       </a:lt1>
       <a:dk2>
         <a:srgbClr val="1F497D"/>
@@ -18195,7 +18143,7 @@
         <a:srgbClr val="616161"/>
       </a:dk1>
       <a:lt1>
-        <a:sysClr val="window" lastClr="C7EDCC"/>
+        <a:sysClr val="window" lastClr="FFFFFF"/>
       </a:lt1>
       <a:dk2>
         <a:srgbClr val="1F497D"/>

--- a/tutorials/Uncertainty Analysis.pptx
+++ b/tutorials/Uncertainty Analysis.pptx
@@ -432,7 +432,7 @@
               <a:pPr>
                 <a:defRPr/>
               </a:pPr>
-              <a:t>9/10/2019</a:t>
+              <a:t>9/16/2019</a:t>
             </a:fld>
             <a:endParaRPr lang="en-US"/>
           </a:p>
@@ -668,7 +668,7 @@
               <a:pPr>
                 <a:defRPr/>
               </a:pPr>
-              <a:t>9/10/2019</a:t>
+              <a:t>9/16/2019</a:t>
             </a:fld>
             <a:endParaRPr lang="en-US"/>
           </a:p>
@@ -1961,7 +1961,7 @@
               <a:pPr>
                 <a:defRPr/>
               </a:pPr>
-              <a:t>9/10/2019</a:t>
+              <a:t>9/16/2019</a:t>
             </a:fld>
             <a:endParaRPr lang="en-US"/>
           </a:p>
@@ -3334,7 +3334,7 @@
               <a:pPr>
                 <a:defRPr/>
               </a:pPr>
-              <a:t>9/10/2019</a:t>
+              <a:t>9/16/2019</a:t>
             </a:fld>
             <a:endParaRPr lang="en-US"/>
           </a:p>
@@ -3817,7 +3817,7 @@
               <a:pPr>
                 <a:defRPr/>
               </a:pPr>
-              <a:t>9/10/2019</a:t>
+              <a:t>9/16/2019</a:t>
             </a:fld>
             <a:endParaRPr lang="en-US"/>
           </a:p>
@@ -4123,7 +4123,7 @@
               <a:pPr>
                 <a:defRPr/>
               </a:pPr>
-              <a:t>9/10/2019</a:t>
+              <a:t>9/16/2019</a:t>
             </a:fld>
             <a:endParaRPr lang="en-US"/>
           </a:p>
@@ -4461,7 +4461,7 @@
               <a:pPr>
                 <a:defRPr/>
               </a:pPr>
-              <a:t>9/10/2019</a:t>
+              <a:t>9/16/2019</a:t>
             </a:fld>
             <a:endParaRPr lang="en-US"/>
           </a:p>
@@ -4966,7 +4966,7 @@
               <a:pPr>
                 <a:defRPr/>
               </a:pPr>
-              <a:t>9/10/2019</a:t>
+              <a:t>9/16/2019</a:t>
             </a:fld>
             <a:endParaRPr lang="en-US"/>
           </a:p>
@@ -5221,7 +5221,7 @@
               <a:pPr>
                 <a:defRPr/>
               </a:pPr>
-              <a:t>9/10/2019</a:t>
+              <a:t>9/16/2019</a:t>
             </a:fld>
             <a:endParaRPr lang="en-US"/>
           </a:p>
@@ -6042,7 +6042,7 @@
               <a:pPr>
                 <a:defRPr/>
               </a:pPr>
-              <a:t>9/10/2019</a:t>
+              <a:t>9/16/2019</a:t>
             </a:fld>
             <a:endParaRPr lang="en-US"/>
           </a:p>
@@ -6521,7 +6521,7 @@
               <a:pPr>
                 <a:defRPr/>
               </a:pPr>
-              <a:t>9/10/2019</a:t>
+              <a:t>9/16/2019</a:t>
             </a:fld>
             <a:endParaRPr lang="en-US"/>
           </a:p>
@@ -6819,7 +6819,7 @@
               <a:pPr>
                 <a:defRPr/>
               </a:pPr>
-              <a:t>9/10/2019</a:t>
+              <a:t>9/16/2019</a:t>
             </a:fld>
             <a:endParaRPr lang="en-US"/>
           </a:p>
@@ -7153,7 +7153,7 @@
               <a:pPr>
                 <a:defRPr/>
               </a:pPr>
-              <a:t>9/10/2019</a:t>
+              <a:t>9/16/2019</a:t>
             </a:fld>
             <a:endParaRPr lang="en-US"/>
           </a:p>
@@ -7468,7 +7468,7 @@
               <a:pPr>
                 <a:defRPr/>
               </a:pPr>
-              <a:t>9/10/2019</a:t>
+              <a:t>9/16/2019</a:t>
             </a:fld>
             <a:endParaRPr lang="en-US"/>
           </a:p>
@@ -11090,10 +11090,10 @@
       </p:sp>
       <p:graphicFrame>
         <p:nvGraphicFramePr>
-          <p:cNvPr id="4" name="Table 3">
+          <p:cNvPr id="8" name="Table 7">
             <a:extLst>
               <a:ext uri="{FF2B5EF4-FFF2-40B4-BE49-F238E27FC236}">
-                <a16:creationId xmlns:a16="http://schemas.microsoft.com/office/drawing/2014/main" id="{46A261BC-7F5A-40FE-ACE7-023B515BF616}"/>
+                <a16:creationId xmlns:a16="http://schemas.microsoft.com/office/drawing/2014/main" id="{434E42C0-90F0-41F2-9B58-BA60FF942A1D}"/>
               </a:ext>
             </a:extLst>
           </p:cNvPr>
@@ -11103,78 +11103,78 @@
           <p:nvPr>
             <p:extLst>
               <p:ext uri="{D42A27DB-BD31-4B8C-83A1-F6EECF244321}">
-                <p14:modId xmlns:p14="http://schemas.microsoft.com/office/powerpoint/2010/main" val="1032659684"/>
+                <p14:modId xmlns:p14="http://schemas.microsoft.com/office/powerpoint/2010/main" val="1187455909"/>
               </p:ext>
             </p:extLst>
           </p:nvPr>
         </p:nvGraphicFramePr>
         <p:xfrm>
-          <a:off x="381002" y="3634163"/>
-          <a:ext cx="8229598" cy="897775"/>
+          <a:off x="457200" y="3664500"/>
+          <a:ext cx="8229599" cy="990300"/>
         </p:xfrm>
         <a:graphic>
           <a:graphicData uri="http://schemas.openxmlformats.org/drawingml/2006/table">
             <a:tbl>
               <a:tblPr/>
               <a:tblGrid>
-                <a:gridCol w="2032462">
+                <a:gridCol w="2533066">
                   <a:extLst>
                     <a:ext uri="{9D8B030D-6E8A-4147-A177-3AD203B41FA5}">
-                      <a16:colId xmlns:a16="http://schemas.microsoft.com/office/drawing/2014/main" val="589979763"/>
+                      <a16:colId xmlns:a16="http://schemas.microsoft.com/office/drawing/2014/main" val="1594655470"/>
                     </a:ext>
                   </a:extLst>
                 </a:gridCol>
-                <a:gridCol w="1209502">
+                <a:gridCol w="1111798">
                   <a:extLst>
                     <a:ext uri="{9D8B030D-6E8A-4147-A177-3AD203B41FA5}">
-                      <a16:colId xmlns:a16="http://schemas.microsoft.com/office/drawing/2014/main" val="704971353"/>
+                      <a16:colId xmlns:a16="http://schemas.microsoft.com/office/drawing/2014/main" val="3175602916"/>
                     </a:ext>
                   </a:extLst>
                 </a:gridCol>
-                <a:gridCol w="1284316">
+                <a:gridCol w="1180569">
                   <a:extLst>
                     <a:ext uri="{9D8B030D-6E8A-4147-A177-3AD203B41FA5}">
-                      <a16:colId xmlns:a16="http://schemas.microsoft.com/office/drawing/2014/main" val="2029312889"/>
+                      <a16:colId xmlns:a16="http://schemas.microsoft.com/office/drawing/2014/main" val="1875164654"/>
                     </a:ext>
                   </a:extLst>
                 </a:gridCol>
-                <a:gridCol w="1022465">
+                <a:gridCol w="939871">
                   <a:extLst>
                     <a:ext uri="{9D8B030D-6E8A-4147-A177-3AD203B41FA5}">
-                      <a16:colId xmlns:a16="http://schemas.microsoft.com/office/drawing/2014/main" val="1698700376"/>
+                      <a16:colId xmlns:a16="http://schemas.microsoft.com/office/drawing/2014/main" val="1040717010"/>
                     </a:ext>
                   </a:extLst>
                 </a:gridCol>
-                <a:gridCol w="885305">
+                <a:gridCol w="813791">
                   <a:extLst>
                     <a:ext uri="{9D8B030D-6E8A-4147-A177-3AD203B41FA5}">
-                      <a16:colId xmlns:a16="http://schemas.microsoft.com/office/drawing/2014/main" val="1112760599"/>
+                      <a16:colId xmlns:a16="http://schemas.microsoft.com/office/drawing/2014/main" val="1961329927"/>
                     </a:ext>
                   </a:extLst>
                 </a:gridCol>
-                <a:gridCol w="598516">
+                <a:gridCol w="550168">
                   <a:extLst>
                     <a:ext uri="{9D8B030D-6E8A-4147-A177-3AD203B41FA5}">
-                      <a16:colId xmlns:a16="http://schemas.microsoft.com/office/drawing/2014/main" val="720349455"/>
+                      <a16:colId xmlns:a16="http://schemas.microsoft.com/office/drawing/2014/main" val="1796319276"/>
                     </a:ext>
                   </a:extLst>
                 </a:gridCol>
-                <a:gridCol w="598516">
+                <a:gridCol w="550168">
                   <a:extLst>
                     <a:ext uri="{9D8B030D-6E8A-4147-A177-3AD203B41FA5}">
-                      <a16:colId xmlns:a16="http://schemas.microsoft.com/office/drawing/2014/main" val="2846955000"/>
+                      <a16:colId xmlns:a16="http://schemas.microsoft.com/office/drawing/2014/main" val="1881563303"/>
                     </a:ext>
                   </a:extLst>
                 </a:gridCol>
-                <a:gridCol w="598516">
+                <a:gridCol w="550168">
                   <a:extLst>
                     <a:ext uri="{9D8B030D-6E8A-4147-A177-3AD203B41FA5}">
-                      <a16:colId xmlns:a16="http://schemas.microsoft.com/office/drawing/2014/main" val="227816765"/>
+                      <a16:colId xmlns:a16="http://schemas.microsoft.com/office/drawing/2014/main" val="38392976"/>
                     </a:ext>
                   </a:extLst>
                 </a:gridCol>
               </a:tblGrid>
-              <a:tr h="179555">
+              <a:tr h="165050">
                 <a:tc>
                   <a:txBody>
                     <a:bodyPr/>
@@ -11182,7 +11182,7 @@
                     <a:p>
                       <a:pPr algn="l" fontAlgn="b"/>
                       <a:r>
-                        <a:rPr lang="en-US" sz="1100" b="0" i="0" u="none" strike="noStrike">
+                        <a:rPr lang="en-US" sz="1000" b="0" i="0" u="none" strike="noStrike">
                           <a:solidFill>
                             <a:srgbClr val="000000"/>
                           </a:solidFill>
@@ -11193,7 +11193,7 @@
                       </a:r>
                     </a:p>
                   </a:txBody>
-                  <a:tcPr marL="7481" marR="7481" marT="7481" marB="0" anchor="b">
+                  <a:tcPr marL="6877" marR="6877" marT="6877" marB="0" anchor="b">
                     <a:lnL>
                       <a:noFill/>
                     </a:lnL>
@@ -11215,7 +11215,7 @@
                     <a:p>
                       <a:pPr algn="l" fontAlgn="b"/>
                       <a:r>
-                        <a:rPr lang="en-US" sz="1100" b="0" i="0" u="none" strike="noStrike">
+                        <a:rPr lang="en-US" sz="1000" b="0" i="0" u="none" strike="noStrike">
                           <a:solidFill>
                             <a:srgbClr val="000000"/>
                           </a:solidFill>
@@ -11226,7 +11226,7 @@
                       </a:r>
                     </a:p>
                   </a:txBody>
-                  <a:tcPr marL="7481" marR="7481" marT="7481" marB="0" anchor="b">
+                  <a:tcPr marL="6877" marR="6877" marT="6877" marB="0" anchor="b">
                     <a:lnL>
                       <a:noFill/>
                     </a:lnL>
@@ -11248,7 +11248,7 @@
                     <a:p>
                       <a:pPr algn="l" fontAlgn="b"/>
                       <a:r>
-                        <a:rPr lang="en-US" sz="1100" b="0" i="0" u="none" strike="noStrike">
+                        <a:rPr lang="en-US" sz="1000" b="0" i="0" u="none" strike="noStrike">
                           <a:solidFill>
                             <a:srgbClr val="000000"/>
                           </a:solidFill>
@@ -11259,7 +11259,7 @@
                       </a:r>
                     </a:p>
                   </a:txBody>
-                  <a:tcPr marL="7481" marR="7481" marT="7481" marB="0" anchor="b">
+                  <a:tcPr marL="6877" marR="6877" marT="6877" marB="0" anchor="b">
                     <a:lnL>
                       <a:noFill/>
                     </a:lnL>
@@ -11281,7 +11281,7 @@
                     <a:p>
                       <a:pPr algn="l" fontAlgn="b"/>
                       <a:r>
-                        <a:rPr lang="en-US" sz="1100" b="0" i="0" u="none" strike="noStrike">
+                        <a:rPr lang="en-US" sz="1000" b="0" i="0" u="none" strike="noStrike">
                           <a:solidFill>
                             <a:srgbClr val="000000"/>
                           </a:solidFill>
@@ -11292,7 +11292,7 @@
                       </a:r>
                     </a:p>
                   </a:txBody>
-                  <a:tcPr marL="7481" marR="7481" marT="7481" marB="0" anchor="b">
+                  <a:tcPr marL="6877" marR="6877" marT="6877" marB="0" anchor="b">
                     <a:lnL>
                       <a:noFill/>
                     </a:lnL>
@@ -11314,7 +11314,7 @@
                     <a:p>
                       <a:pPr algn="l" fontAlgn="b"/>
                       <a:r>
-                        <a:rPr lang="en-US" sz="1100" b="0" i="0" u="none" strike="noStrike">
+                        <a:rPr lang="en-US" sz="1000" b="0" i="0" u="none" strike="noStrike">
                           <a:solidFill>
                             <a:srgbClr val="000000"/>
                           </a:solidFill>
@@ -11325,7 +11325,7 @@
                       </a:r>
                     </a:p>
                   </a:txBody>
-                  <a:tcPr marL="7481" marR="7481" marT="7481" marB="0" anchor="b">
+                  <a:tcPr marL="6877" marR="6877" marT="6877" marB="0" anchor="b">
                     <a:lnL>
                       <a:noFill/>
                     </a:lnL>
@@ -11347,7 +11347,7 @@
                     <a:p>
                       <a:pPr algn="l" fontAlgn="b"/>
                       <a:r>
-                        <a:rPr lang="en-US" sz="1100" b="0" i="0" u="none" strike="noStrike">
+                        <a:rPr lang="en-US" sz="1000" b="0" i="0" u="none" strike="noStrike">
                           <a:solidFill>
                             <a:srgbClr val="000000"/>
                           </a:solidFill>
@@ -11358,7 +11358,7 @@
                       </a:r>
                     </a:p>
                   </a:txBody>
-                  <a:tcPr marL="7481" marR="7481" marT="7481" marB="0" anchor="b">
+                  <a:tcPr marL="6877" marR="6877" marT="6877" marB="0" anchor="b">
                     <a:lnL>
                       <a:noFill/>
                     </a:lnL>
@@ -11380,7 +11380,7 @@
                     <a:p>
                       <a:pPr algn="l" fontAlgn="b"/>
                       <a:r>
-                        <a:rPr lang="en-US" sz="1100" b="0" i="0" u="none" strike="noStrike">
+                        <a:rPr lang="en-US" sz="1000" b="0" i="0" u="none" strike="noStrike">
                           <a:solidFill>
                             <a:srgbClr val="000000"/>
                           </a:solidFill>
@@ -11391,7 +11391,7 @@
                       </a:r>
                     </a:p>
                   </a:txBody>
-                  <a:tcPr marL="7481" marR="7481" marT="7481" marB="0" anchor="b">
+                  <a:tcPr marL="6877" marR="6877" marT="6877" marB="0" anchor="b">
                     <a:lnL>
                       <a:noFill/>
                     </a:lnL>
@@ -11413,7 +11413,7 @@
                     <a:p>
                       <a:pPr algn="l" fontAlgn="b"/>
                       <a:r>
-                        <a:rPr lang="en-US" sz="1100" b="0" i="0" u="none" strike="noStrike">
+                        <a:rPr lang="en-US" sz="1000" b="0" i="0" u="none" strike="noStrike">
                           <a:solidFill>
                             <a:srgbClr val="000000"/>
                           </a:solidFill>
@@ -11424,7 +11424,7 @@
                       </a:r>
                     </a:p>
                   </a:txBody>
-                  <a:tcPr marL="7481" marR="7481" marT="7481" marB="0" anchor="b">
+                  <a:tcPr marL="6877" marR="6877" marT="6877" marB="0" anchor="b">
                     <a:lnL>
                       <a:noFill/>
                     </a:lnL>
@@ -11441,11 +11441,11 @@
                 </a:tc>
                 <a:extLst>
                   <a:ext uri="{0D108BD9-81ED-4DB2-BD59-A6C34878D82A}">
-                    <a16:rowId xmlns:a16="http://schemas.microsoft.com/office/drawing/2014/main" val="282545367"/>
+                    <a16:rowId xmlns:a16="http://schemas.microsoft.com/office/drawing/2014/main" val="1467340810"/>
                   </a:ext>
                 </a:extLst>
               </a:tr>
-              <a:tr h="179555">
+              <a:tr h="165050">
                 <a:tc>
                   <a:txBody>
                     <a:bodyPr/>
@@ -11453,7 +11453,7 @@
                     <a:p>
                       <a:pPr algn="l" fontAlgn="b"/>
                       <a:r>
-                        <a:rPr lang="en-US" sz="1100" b="0" i="0" u="none" strike="noStrike">
+                        <a:rPr lang="en-US" sz="1000" b="0" i="0" u="none" strike="noStrike" dirty="0">
                           <a:solidFill>
                             <a:srgbClr val="000000"/>
                           </a:solidFill>
@@ -11464,7 +11464,7 @@
                       </a:r>
                     </a:p>
                   </a:txBody>
-                  <a:tcPr marL="7481" marR="7481" marT="7481" marB="0" anchor="b">
+                  <a:tcPr marL="6877" marR="6877" marT="6877" marB="0" anchor="b">
                     <a:lnL>
                       <a:noFill/>
                     </a:lnL>
@@ -11486,7 +11486,7 @@
                     <a:p>
                       <a:pPr algn="l" fontAlgn="b"/>
                       <a:r>
-                        <a:rPr lang="en-US" sz="1100" b="0" i="0" u="none" strike="noStrike">
+                        <a:rPr lang="en-US" sz="1000" b="0" i="0" u="none" strike="noStrike">
                           <a:solidFill>
                             <a:srgbClr val="000000"/>
                           </a:solidFill>
@@ -11497,7 +11497,7 @@
                       </a:r>
                     </a:p>
                   </a:txBody>
-                  <a:tcPr marL="7481" marR="7481" marT="7481" marB="0" anchor="b">
+                  <a:tcPr marL="6877" marR="6877" marT="6877" marB="0" anchor="b">
                     <a:lnL>
                       <a:noFill/>
                     </a:lnL>
@@ -11518,7 +11518,7 @@
                     <a:lstStyle/>
                     <a:p>
                       <a:pPr algn="l" fontAlgn="b"/>
-                      <a:endParaRPr lang="en-US" sz="1100" b="0" i="0" u="none" strike="noStrike">
+                      <a:endParaRPr lang="en-US" sz="1000" b="0" i="0" u="none" strike="noStrike">
                         <a:solidFill>
                           <a:srgbClr val="000000"/>
                         </a:solidFill>
@@ -11527,7 +11527,7 @@
                       </a:endParaRPr>
                     </a:p>
                   </a:txBody>
-                  <a:tcPr marL="7481" marR="7481" marT="7481" marB="0" anchor="b">
+                  <a:tcPr marL="6877" marR="6877" marT="6877" marB="0" anchor="b">
                     <a:lnL>
                       <a:noFill/>
                     </a:lnL>
@@ -11549,7 +11549,7 @@
                     <a:p>
                       <a:pPr algn="l" fontAlgn="b"/>
                       <a:r>
-                        <a:rPr lang="en-US" sz="1100" b="0" i="0" u="none" strike="noStrike">
+                        <a:rPr lang="en-US" sz="1000" b="0" i="0" u="none" strike="noStrike">
                           <a:solidFill>
                             <a:srgbClr val="000000"/>
                           </a:solidFill>
@@ -11560,7 +11560,7 @@
                       </a:r>
                     </a:p>
                   </a:txBody>
-                  <a:tcPr marL="7481" marR="7481" marT="7481" marB="0" anchor="b">
+                  <a:tcPr marL="6877" marR="6877" marT="6877" marB="0" anchor="b">
                     <a:lnL>
                       <a:noFill/>
                     </a:lnL>
@@ -11582,7 +11582,7 @@
                     <a:p>
                       <a:pPr algn="r" fontAlgn="b"/>
                       <a:r>
-                        <a:rPr lang="en-US" sz="1100" b="0" i="0" u="none" strike="noStrike">
+                        <a:rPr lang="en-US" sz="1000" b="0" i="0" u="none" strike="noStrike">
                           <a:solidFill>
                             <a:srgbClr val="000000"/>
                           </a:solidFill>
@@ -11593,7 +11593,7 @@
                       </a:r>
                     </a:p>
                   </a:txBody>
-                  <a:tcPr marL="7481" marR="7481" marT="7481" marB="0" anchor="b">
+                  <a:tcPr marL="6877" marR="6877" marT="6877" marB="0" anchor="b">
                     <a:lnL>
                       <a:noFill/>
                     </a:lnL>
@@ -11614,7 +11614,7 @@
                     <a:lstStyle/>
                     <a:p>
                       <a:pPr algn="l" fontAlgn="b"/>
-                      <a:endParaRPr lang="en-US" sz="1100" b="0" i="0" u="none" strike="noStrike">
+                      <a:endParaRPr lang="en-US" sz="1000" b="0" i="0" u="none" strike="noStrike">
                         <a:solidFill>
                           <a:srgbClr val="000000"/>
                         </a:solidFill>
@@ -11623,7 +11623,7 @@
                       </a:endParaRPr>
                     </a:p>
                   </a:txBody>
-                  <a:tcPr marL="7481" marR="7481" marT="7481" marB="0" anchor="b">
+                  <a:tcPr marL="6877" marR="6877" marT="6877" marB="0" anchor="b">
                     <a:lnL>
                       <a:noFill/>
                     </a:lnL>
@@ -11645,7 +11645,7 @@
                     <a:p>
                       <a:pPr algn="r" fontAlgn="b"/>
                       <a:r>
-                        <a:rPr lang="en-US" sz="1100" b="0" i="0" u="none" strike="noStrike">
+                        <a:rPr lang="en-US" sz="1000" b="0" i="0" u="none" strike="noStrike">
                           <a:solidFill>
                             <a:srgbClr val="000000"/>
                           </a:solidFill>
@@ -11656,7 +11656,7 @@
                       </a:r>
                     </a:p>
                   </a:txBody>
-                  <a:tcPr marL="7481" marR="7481" marT="7481" marB="0" anchor="b">
+                  <a:tcPr marL="6877" marR="6877" marT="6877" marB="0" anchor="b">
                     <a:lnL>
                       <a:noFill/>
                     </a:lnL>
@@ -11678,7 +11678,7 @@
                     <a:p>
                       <a:pPr algn="r" fontAlgn="b"/>
                       <a:r>
-                        <a:rPr lang="en-US" sz="1100" b="0" i="0" u="none" strike="noStrike">
+                        <a:rPr lang="en-US" sz="1000" b="0" i="0" u="none" strike="noStrike">
                           <a:solidFill>
                             <a:srgbClr val="000000"/>
                           </a:solidFill>
@@ -11689,7 +11689,7 @@
                       </a:r>
                     </a:p>
                   </a:txBody>
-                  <a:tcPr marL="7481" marR="7481" marT="7481" marB="0" anchor="b">
+                  <a:tcPr marL="6877" marR="6877" marT="6877" marB="0" anchor="b">
                     <a:lnL>
                       <a:noFill/>
                     </a:lnL>
@@ -11706,11 +11706,11 @@
                 </a:tc>
                 <a:extLst>
                   <a:ext uri="{0D108BD9-81ED-4DB2-BD59-A6C34878D82A}">
-                    <a16:rowId xmlns:a16="http://schemas.microsoft.com/office/drawing/2014/main" val="2772551878"/>
+                    <a16:rowId xmlns:a16="http://schemas.microsoft.com/office/drawing/2014/main" val="4218968848"/>
                   </a:ext>
                 </a:extLst>
               </a:tr>
-              <a:tr h="179555">
+              <a:tr h="165050">
                 <a:tc>
                   <a:txBody>
                     <a:bodyPr/>
@@ -11718,7 +11718,7 @@
                     <a:p>
                       <a:pPr algn="l" fontAlgn="b"/>
                       <a:r>
-                        <a:rPr lang="en-US" sz="1100" b="0" i="0" u="none" strike="noStrike" dirty="0" err="1">
+                        <a:rPr lang="en-US" sz="1000" b="0" i="0" u="none" strike="noStrike">
                           <a:solidFill>
                             <a:srgbClr val="000000"/>
                           </a:solidFill>
@@ -11727,16 +11727,9 @@
                         </a:rPr>
                         <a:t>Lights_WattsPerSpaceFloorArea</a:t>
                       </a:r>
-                      <a:endParaRPr lang="en-US" sz="1100" b="0" i="0" u="none" strike="noStrike" dirty="0">
-                        <a:solidFill>
-                          <a:srgbClr val="000000"/>
-                        </a:solidFill>
-                        <a:effectLst/>
-                        <a:latin typeface="Calibri" panose="020F0502020204030204" pitchFamily="34" charset="0"/>
-                      </a:endParaRPr>
                     </a:p>
                   </a:txBody>
-                  <a:tcPr marL="7481" marR="7481" marT="7481" marB="0" anchor="b">
+                  <a:tcPr marL="6877" marR="6877" marT="6877" marB="0" anchor="b">
                     <a:lnL>
                       <a:noFill/>
                     </a:lnL>
@@ -11758,7 +11751,7 @@
                     <a:p>
                       <a:pPr algn="l" fontAlgn="b"/>
                       <a:r>
-                        <a:rPr lang="en-US" sz="1100" b="0" i="0" u="none" strike="noStrike">
+                        <a:rPr lang="en-US" sz="1000" b="0" i="0" u="none" strike="noStrike">
                           <a:solidFill>
                             <a:srgbClr val="000000"/>
                           </a:solidFill>
@@ -11769,7 +11762,7 @@
                       </a:r>
                     </a:p>
                   </a:txBody>
-                  <a:tcPr marL="7481" marR="7481" marT="7481" marB="0" anchor="b">
+                  <a:tcPr marL="6877" marR="6877" marT="6877" marB="0" anchor="b">
                     <a:lnL>
                       <a:noFill/>
                     </a:lnL>
@@ -11791,7 +11784,7 @@
                     <a:p>
                       <a:pPr algn="r" fontAlgn="b"/>
                       <a:r>
-                        <a:rPr lang="en-US" sz="1100" b="0" i="0" u="none" strike="noStrike" dirty="0">
+                        <a:rPr lang="en-US" sz="1000" b="0" i="0" u="none" strike="noStrike">
                           <a:solidFill>
                             <a:srgbClr val="000000"/>
                           </a:solidFill>
@@ -11802,7 +11795,7 @@
                       </a:r>
                     </a:p>
                   </a:txBody>
-                  <a:tcPr marL="7481" marR="7481" marT="7481" marB="0" anchor="b">
+                  <a:tcPr marL="6877" marR="6877" marT="6877" marB="0" anchor="b">
                     <a:lnL>
                       <a:noFill/>
                     </a:lnL>
@@ -11824,7 +11817,7 @@
                     <a:p>
                       <a:pPr algn="l" fontAlgn="b"/>
                       <a:r>
-                        <a:rPr lang="en-US" sz="1100" b="0" i="0" u="none" strike="noStrike">
+                        <a:rPr lang="en-US" sz="1000" b="0" i="0" u="none" strike="noStrike">
                           <a:solidFill>
                             <a:srgbClr val="000000"/>
                           </a:solidFill>
@@ -11835,7 +11828,7 @@
                       </a:r>
                     </a:p>
                   </a:txBody>
-                  <a:tcPr marL="7481" marR="7481" marT="7481" marB="0" anchor="b">
+                  <a:tcPr marL="6877" marR="6877" marT="6877" marB="0" anchor="b">
                     <a:lnL>
                       <a:noFill/>
                     </a:lnL>
@@ -11857,7 +11850,7 @@
                     <a:p>
                       <a:pPr algn="r" fontAlgn="b"/>
                       <a:r>
-                        <a:rPr lang="en-US" sz="1100" b="0" i="0" u="none" strike="noStrike">
+                        <a:rPr lang="en-US" sz="1000" b="0" i="0" u="none" strike="noStrike">
                           <a:solidFill>
                             <a:srgbClr val="000000"/>
                           </a:solidFill>
@@ -11868,7 +11861,7 @@
                       </a:r>
                     </a:p>
                   </a:txBody>
-                  <a:tcPr marL="7481" marR="7481" marT="7481" marB="0" anchor="b">
+                  <a:tcPr marL="6877" marR="6877" marT="6877" marB="0" anchor="b">
                     <a:lnL>
                       <a:noFill/>
                     </a:lnL>
@@ -11890,7 +11883,7 @@
                     <a:p>
                       <a:pPr algn="r" fontAlgn="b"/>
                       <a:r>
-                        <a:rPr lang="en-US" sz="1100" b="0" i="0" u="none" strike="noStrike">
+                        <a:rPr lang="en-US" sz="1000" b="0" i="0" u="none" strike="noStrike">
                           <a:solidFill>
                             <a:srgbClr val="000000"/>
                           </a:solidFill>
@@ -11901,7 +11894,7 @@
                       </a:r>
                     </a:p>
                   </a:txBody>
-                  <a:tcPr marL="7481" marR="7481" marT="7481" marB="0" anchor="b">
+                  <a:tcPr marL="6877" marR="6877" marT="6877" marB="0" anchor="b">
                     <a:lnL>
                       <a:noFill/>
                     </a:lnL>
@@ -11923,7 +11916,7 @@
                     <a:p>
                       <a:pPr algn="r" fontAlgn="b"/>
                       <a:r>
-                        <a:rPr lang="en-US" sz="1100" b="0" i="0" u="none" strike="noStrike">
+                        <a:rPr lang="en-US" sz="1000" b="0" i="0" u="none" strike="noStrike">
                           <a:solidFill>
                             <a:srgbClr val="000000"/>
                           </a:solidFill>
@@ -11934,7 +11927,7 @@
                       </a:r>
                     </a:p>
                   </a:txBody>
-                  <a:tcPr marL="7481" marR="7481" marT="7481" marB="0" anchor="b">
+                  <a:tcPr marL="6877" marR="6877" marT="6877" marB="0" anchor="b">
                     <a:lnL>
                       <a:noFill/>
                     </a:lnL>
@@ -11956,7 +11949,7 @@
                     <a:p>
                       <a:pPr algn="r" fontAlgn="b"/>
                       <a:r>
-                        <a:rPr lang="en-US" sz="1100" b="0" i="0" u="none" strike="noStrike">
+                        <a:rPr lang="en-US" sz="1000" b="0" i="0" u="none" strike="noStrike">
                           <a:solidFill>
                             <a:srgbClr val="000000"/>
                           </a:solidFill>
@@ -11967,7 +11960,7 @@
                       </a:r>
                     </a:p>
                   </a:txBody>
-                  <a:tcPr marL="7481" marR="7481" marT="7481" marB="0" anchor="b">
+                  <a:tcPr marL="6877" marR="6877" marT="6877" marB="0" anchor="b">
                     <a:lnL>
                       <a:noFill/>
                     </a:lnL>
@@ -11984,11 +11977,11 @@
                 </a:tc>
                 <a:extLst>
                   <a:ext uri="{0D108BD9-81ED-4DB2-BD59-A6C34878D82A}">
-                    <a16:rowId xmlns:a16="http://schemas.microsoft.com/office/drawing/2014/main" val="2766393121"/>
+                    <a16:rowId xmlns:a16="http://schemas.microsoft.com/office/drawing/2014/main" val="3336877815"/>
                   </a:ext>
                 </a:extLst>
               </a:tr>
-              <a:tr h="179555">
+              <a:tr h="165050">
                 <a:tc>
                   <a:txBody>
                     <a:bodyPr/>
@@ -11996,7 +11989,7 @@
                     <a:p>
                       <a:pPr algn="l" fontAlgn="b"/>
                       <a:r>
-                        <a:rPr lang="en-US" sz="1100" b="0" i="0" u="none" strike="noStrike">
+                        <a:rPr lang="en-US" sz="1000" b="0" i="0" u="none" strike="noStrike">
                           <a:solidFill>
                             <a:srgbClr val="000000"/>
                           </a:solidFill>
@@ -12007,7 +12000,7 @@
                       </a:r>
                     </a:p>
                   </a:txBody>
-                  <a:tcPr marL="7481" marR="7481" marT="7481" marB="0" anchor="b">
+                  <a:tcPr marL="6877" marR="6877" marT="6877" marB="0" anchor="b">
                     <a:lnL>
                       <a:noFill/>
                     </a:lnL>
@@ -12029,7 +12022,7 @@
                     <a:p>
                       <a:pPr algn="l" fontAlgn="b"/>
                       <a:r>
-                        <a:rPr lang="en-US" sz="1100" b="0" i="0" u="none" strike="noStrike">
+                        <a:rPr lang="en-US" sz="1000" b="0" i="0" u="none" strike="noStrike">
                           <a:solidFill>
                             <a:srgbClr val="000000"/>
                           </a:solidFill>
@@ -12040,7 +12033,7 @@
                       </a:r>
                     </a:p>
                   </a:txBody>
-                  <a:tcPr marL="7481" marR="7481" marT="7481" marB="0" anchor="b">
+                  <a:tcPr marL="6877" marR="6877" marT="6877" marB="0" anchor="b">
                     <a:lnL>
                       <a:noFill/>
                     </a:lnL>
@@ -12062,7 +12055,7 @@
                     <a:p>
                       <a:pPr algn="r" fontAlgn="b"/>
                       <a:r>
-                        <a:rPr lang="en-US" sz="1100" b="0" i="0" u="none" strike="noStrike">
+                        <a:rPr lang="en-US" sz="1000" b="0" i="0" u="none" strike="noStrike">
                           <a:solidFill>
                             <a:srgbClr val="000000"/>
                           </a:solidFill>
@@ -12073,7 +12066,7 @@
                       </a:r>
                     </a:p>
                   </a:txBody>
-                  <a:tcPr marL="7481" marR="7481" marT="7481" marB="0" anchor="b">
+                  <a:tcPr marL="6877" marR="6877" marT="6877" marB="0" anchor="b">
                     <a:lnL>
                       <a:noFill/>
                     </a:lnL>
@@ -12095,7 +12088,7 @@
                     <a:p>
                       <a:pPr algn="l" fontAlgn="b"/>
                       <a:r>
-                        <a:rPr lang="en-US" sz="1100" b="0" i="0" u="none" strike="noStrike">
+                        <a:rPr lang="en-US" sz="1000" b="0" i="0" u="none" strike="noStrike">
                           <a:solidFill>
                             <a:srgbClr val="000000"/>
                           </a:solidFill>
@@ -12106,7 +12099,7 @@
                       </a:r>
                     </a:p>
                   </a:txBody>
-                  <a:tcPr marL="7481" marR="7481" marT="7481" marB="0" anchor="b">
+                  <a:tcPr marL="6877" marR="6877" marT="6877" marB="0" anchor="b">
                     <a:lnL>
                       <a:noFill/>
                     </a:lnL>
@@ -12128,7 +12121,7 @@
                     <a:p>
                       <a:pPr algn="r" fontAlgn="b"/>
                       <a:r>
-                        <a:rPr lang="en-US" sz="1100" b="0" i="0" u="none" strike="noStrike">
+                        <a:rPr lang="en-US" sz="1000" b="0" i="0" u="none" strike="noStrike">
                           <a:solidFill>
                             <a:srgbClr val="000000"/>
                           </a:solidFill>
@@ -12139,7 +12132,7 @@
                       </a:r>
                     </a:p>
                   </a:txBody>
-                  <a:tcPr marL="7481" marR="7481" marT="7481" marB="0" anchor="b">
+                  <a:tcPr marL="6877" marR="6877" marT="6877" marB="0" anchor="b">
                     <a:lnL>
                       <a:noFill/>
                     </a:lnL>
@@ -12161,7 +12154,7 @@
                     <a:p>
                       <a:pPr algn="r" fontAlgn="b"/>
                       <a:r>
-                        <a:rPr lang="en-US" sz="1100" b="0" i="0" u="none" strike="noStrike">
+                        <a:rPr lang="en-US" sz="1000" b="0" i="0" u="none" strike="noStrike">
                           <a:solidFill>
                             <a:srgbClr val="000000"/>
                           </a:solidFill>
@@ -12172,7 +12165,7 @@
                       </a:r>
                     </a:p>
                   </a:txBody>
-                  <a:tcPr marL="7481" marR="7481" marT="7481" marB="0" anchor="b">
+                  <a:tcPr marL="6877" marR="6877" marT="6877" marB="0" anchor="b">
                     <a:lnL>
                       <a:noFill/>
                     </a:lnL>
@@ -12194,7 +12187,7 @@
                     <a:p>
                       <a:pPr algn="r" fontAlgn="b"/>
                       <a:r>
-                        <a:rPr lang="en-US" sz="1100" b="0" i="0" u="none" strike="noStrike">
+                        <a:rPr lang="en-US" sz="1000" b="0" i="0" u="none" strike="noStrike">
                           <a:solidFill>
                             <a:srgbClr val="000000"/>
                           </a:solidFill>
@@ -12205,7 +12198,7 @@
                       </a:r>
                     </a:p>
                   </a:txBody>
-                  <a:tcPr marL="7481" marR="7481" marT="7481" marB="0" anchor="b">
+                  <a:tcPr marL="6877" marR="6877" marT="6877" marB="0" anchor="b">
                     <a:lnL>
                       <a:noFill/>
                     </a:lnL>
@@ -12227,7 +12220,7 @@
                     <a:p>
                       <a:pPr algn="r" fontAlgn="b"/>
                       <a:r>
-                        <a:rPr lang="en-US" sz="1100" b="0" i="0" u="none" strike="noStrike">
+                        <a:rPr lang="en-US" sz="1000" b="0" i="0" u="none" strike="noStrike">
                           <a:solidFill>
                             <a:srgbClr val="000000"/>
                           </a:solidFill>
@@ -12238,7 +12231,7 @@
                       </a:r>
                     </a:p>
                   </a:txBody>
-                  <a:tcPr marL="7481" marR="7481" marT="7481" marB="0" anchor="b">
+                  <a:tcPr marL="6877" marR="6877" marT="6877" marB="0" anchor="b">
                     <a:lnL>
                       <a:noFill/>
                     </a:lnL>
@@ -12255,11 +12248,11 @@
                 </a:tc>
                 <a:extLst>
                   <a:ext uri="{0D108BD9-81ED-4DB2-BD59-A6C34878D82A}">
-                    <a16:rowId xmlns:a16="http://schemas.microsoft.com/office/drawing/2014/main" val="3220892165"/>
+                    <a16:rowId xmlns:a16="http://schemas.microsoft.com/office/drawing/2014/main" val="2243944014"/>
                   </a:ext>
                 </a:extLst>
               </a:tr>
-              <a:tr h="179555">
+              <a:tr h="165050">
                 <a:tc>
                   <a:txBody>
                     <a:bodyPr/>
@@ -12267,7 +12260,7 @@
                     <a:p>
                       <a:pPr algn="l" fontAlgn="b"/>
                       <a:r>
-                        <a:rPr lang="en-US" sz="1100" b="0" i="0" u="none" strike="noStrike">
+                        <a:rPr lang="en-US" sz="1000" b="0" i="0" u="none" strike="noStrike">
                           <a:solidFill>
                             <a:srgbClr val="000000"/>
                           </a:solidFill>
@@ -12278,7 +12271,7 @@
                       </a:r>
                     </a:p>
                   </a:txBody>
-                  <a:tcPr marL="7481" marR="7481" marT="7481" marB="0" anchor="b">
+                  <a:tcPr marL="6877" marR="6877" marT="6877" marB="0" anchor="b">
                     <a:lnL>
                       <a:noFill/>
                     </a:lnL>
@@ -12300,7 +12293,7 @@
                     <a:p>
                       <a:pPr algn="l" fontAlgn="b"/>
                       <a:r>
-                        <a:rPr lang="en-US" sz="1100" b="0" i="0" u="none" strike="noStrike">
+                        <a:rPr lang="en-US" sz="1000" b="0" i="0" u="none" strike="noStrike">
                           <a:solidFill>
                             <a:srgbClr val="000000"/>
                           </a:solidFill>
@@ -12311,7 +12304,7 @@
                       </a:r>
                     </a:p>
                   </a:txBody>
-                  <a:tcPr marL="7481" marR="7481" marT="7481" marB="0" anchor="b">
+                  <a:tcPr marL="6877" marR="6877" marT="6877" marB="0" anchor="b">
                     <a:lnL>
                       <a:noFill/>
                     </a:lnL>
@@ -12333,7 +12326,7 @@
                     <a:p>
                       <a:pPr algn="r" fontAlgn="b"/>
                       <a:r>
-                        <a:rPr lang="en-US" sz="1100" b="0" i="0" u="none" strike="noStrike">
+                        <a:rPr lang="en-US" sz="1000" b="0" i="0" u="none" strike="noStrike">
                           <a:solidFill>
                             <a:srgbClr val="000000"/>
                           </a:solidFill>
@@ -12344,7 +12337,7 @@
                       </a:r>
                     </a:p>
                   </a:txBody>
-                  <a:tcPr marL="7481" marR="7481" marT="7481" marB="0" anchor="b">
+                  <a:tcPr marL="6877" marR="6877" marT="6877" marB="0" anchor="b">
                     <a:lnL>
                       <a:noFill/>
                     </a:lnL>
@@ -12366,7 +12359,7 @@
                     <a:p>
                       <a:pPr algn="l" fontAlgn="b"/>
                       <a:r>
-                        <a:rPr lang="en-US" sz="1100" b="0" i="0" u="none" strike="noStrike">
+                        <a:rPr lang="en-US" sz="1000" b="0" i="0" u="none" strike="noStrike">
                           <a:solidFill>
                             <a:srgbClr val="000000"/>
                           </a:solidFill>
@@ -12377,7 +12370,7 @@
                       </a:r>
                     </a:p>
                   </a:txBody>
-                  <a:tcPr marL="7481" marR="7481" marT="7481" marB="0" anchor="b">
+                  <a:tcPr marL="6877" marR="6877" marT="6877" marB="0" anchor="b">
                     <a:lnL>
                       <a:noFill/>
                     </a:lnL>
@@ -12399,7 +12392,7 @@
                     <a:p>
                       <a:pPr algn="r" fontAlgn="b"/>
                       <a:r>
-                        <a:rPr lang="en-US" sz="1100" b="0" i="0" u="none" strike="noStrike">
+                        <a:rPr lang="en-US" sz="1000" b="0" i="0" u="none" strike="noStrike">
                           <a:solidFill>
                             <a:srgbClr val="000000"/>
                           </a:solidFill>
@@ -12410,7 +12403,7 @@
                       </a:r>
                     </a:p>
                   </a:txBody>
-                  <a:tcPr marL="7481" marR="7481" marT="7481" marB="0" anchor="b">
+                  <a:tcPr marL="6877" marR="6877" marT="6877" marB="0" anchor="b">
                     <a:lnL>
                       <a:noFill/>
                     </a:lnL>
@@ -12432,7 +12425,7 @@
                     <a:p>
                       <a:pPr algn="r" fontAlgn="b"/>
                       <a:r>
-                        <a:rPr lang="en-US" sz="1100" b="0" i="0" u="none" strike="noStrike">
+                        <a:rPr lang="en-US" sz="1000" b="0" i="0" u="none" strike="noStrike">
                           <a:solidFill>
                             <a:srgbClr val="000000"/>
                           </a:solidFill>
@@ -12443,7 +12436,7 @@
                       </a:r>
                     </a:p>
                   </a:txBody>
-                  <a:tcPr marL="7481" marR="7481" marT="7481" marB="0" anchor="b">
+                  <a:tcPr marL="6877" marR="6877" marT="6877" marB="0" anchor="b">
                     <a:lnL>
                       <a:noFill/>
                     </a:lnL>
@@ -12465,7 +12458,7 @@
                     <a:p>
                       <a:pPr algn="r" fontAlgn="b"/>
                       <a:r>
-                        <a:rPr lang="en-US" sz="1100" b="0" i="0" u="none" strike="noStrike">
+                        <a:rPr lang="en-US" sz="1000" b="0" i="0" u="none" strike="noStrike">
                           <a:solidFill>
                             <a:srgbClr val="000000"/>
                           </a:solidFill>
@@ -12476,7 +12469,7 @@
                       </a:r>
                     </a:p>
                   </a:txBody>
-                  <a:tcPr marL="7481" marR="7481" marT="7481" marB="0" anchor="b">
+                  <a:tcPr marL="6877" marR="6877" marT="6877" marB="0" anchor="b">
                     <a:lnL>
                       <a:noFill/>
                     </a:lnL>
@@ -12498,7 +12491,7 @@
                     <a:p>
                       <a:pPr algn="r" fontAlgn="b"/>
                       <a:r>
-                        <a:rPr lang="en-US" sz="1100" b="0" i="0" u="none" strike="noStrike" dirty="0">
+                        <a:rPr lang="en-US" sz="1000" b="0" i="0" u="none" strike="noStrike">
                           <a:solidFill>
                             <a:srgbClr val="000000"/>
                           </a:solidFill>
@@ -12509,7 +12502,7 @@
                       </a:r>
                     </a:p>
                   </a:txBody>
-                  <a:tcPr marL="7481" marR="7481" marT="7481" marB="0" anchor="b">
+                  <a:tcPr marL="6877" marR="6877" marT="6877" marB="0" anchor="b">
                     <a:lnL>
                       <a:noFill/>
                     </a:lnL>
@@ -12526,7 +12519,278 @@
                 </a:tc>
                 <a:extLst>
                   <a:ext uri="{0D108BD9-81ED-4DB2-BD59-A6C34878D82A}">
-                    <a16:rowId xmlns:a16="http://schemas.microsoft.com/office/drawing/2014/main" val="1910982281"/>
+                    <a16:rowId xmlns:a16="http://schemas.microsoft.com/office/drawing/2014/main" val="3469428031"/>
+                  </a:ext>
+                </a:extLst>
+              </a:tr>
+              <a:tr h="165050">
+                <a:tc>
+                  <a:txBody>
+                    <a:bodyPr/>
+                    <a:lstStyle/>
+                    <a:p>
+                      <a:pPr algn="l" fontAlgn="b"/>
+                      <a:r>
+                        <a:rPr lang="en-US" sz="1000" b="0" i="0" u="none" strike="noStrike">
+                          <a:solidFill>
+                            <a:srgbClr val="000000"/>
+                          </a:solidFill>
+                          <a:effectLst/>
+                          <a:latin typeface="Calibri" panose="020F0502020204030204" pitchFamily="34" charset="0"/>
+                        </a:rPr>
+                        <a:t>DesignSpecificOutdoorAirFlowPerZoneFloorArea</a:t>
+                      </a:r>
+                    </a:p>
+                  </a:txBody>
+                  <a:tcPr marL="6877" marR="6877" marT="6877" marB="0" anchor="b">
+                    <a:lnL>
+                      <a:noFill/>
+                    </a:lnL>
+                    <a:lnR>
+                      <a:noFill/>
+                    </a:lnR>
+                    <a:lnT>
+                      <a:noFill/>
+                    </a:lnT>
+                    <a:lnB>
+                      <a:noFill/>
+                    </a:lnB>
+                  </a:tcPr>
+                </a:tc>
+                <a:tc>
+                  <a:txBody>
+                    <a:bodyPr/>
+                    <a:lstStyle/>
+                    <a:p>
+                      <a:pPr algn="l" fontAlgn="b"/>
+                      <a:r>
+                        <a:rPr lang="en-US" sz="1000" b="0" i="0" u="none" strike="noStrike">
+                          <a:solidFill>
+                            <a:srgbClr val="000000"/>
+                          </a:solidFill>
+                          <a:effectLst/>
+                          <a:latin typeface="Calibri" panose="020F0502020204030204" pitchFamily="34" charset="0"/>
+                        </a:rPr>
+                        <a:t>Office_Outdoor_Air</a:t>
+                      </a:r>
+                    </a:p>
+                  </a:txBody>
+                  <a:tcPr marL="6877" marR="6877" marT="6877" marB="0" anchor="b">
+                    <a:lnL>
+                      <a:noFill/>
+                    </a:lnL>
+                    <a:lnR>
+                      <a:noFill/>
+                    </a:lnR>
+                    <a:lnT>
+                      <a:noFill/>
+                    </a:lnT>
+                    <a:lnB>
+                      <a:noFill/>
+                    </a:lnB>
+                  </a:tcPr>
+                </a:tc>
+                <a:tc>
+                  <a:txBody>
+                    <a:bodyPr/>
+                    <a:lstStyle/>
+                    <a:p>
+                      <a:pPr algn="r" fontAlgn="b"/>
+                      <a:r>
+                        <a:rPr lang="en-US" sz="1000" b="0" i="0" u="none" strike="noStrike">
+                          <a:solidFill>
+                            <a:srgbClr val="000000"/>
+                          </a:solidFill>
+                          <a:effectLst/>
+                          <a:latin typeface="Calibri" panose="020F0502020204030204" pitchFamily="34" charset="0"/>
+                        </a:rPr>
+                        <a:t>0.0004318</a:t>
+                      </a:r>
+                    </a:p>
+                  </a:txBody>
+                  <a:tcPr marL="6877" marR="6877" marT="6877" marB="0" anchor="b">
+                    <a:lnL>
+                      <a:noFill/>
+                    </a:lnL>
+                    <a:lnR>
+                      <a:noFill/>
+                    </a:lnR>
+                    <a:lnT>
+                      <a:noFill/>
+                    </a:lnT>
+                    <a:lnB>
+                      <a:noFill/>
+                    </a:lnB>
+                  </a:tcPr>
+                </a:tc>
+                <a:tc>
+                  <a:txBody>
+                    <a:bodyPr/>
+                    <a:lstStyle/>
+                    <a:p>
+                      <a:pPr algn="l" fontAlgn="b"/>
+                      <a:r>
+                        <a:rPr lang="en-US" sz="1000" b="0" i="0" u="none" strike="noStrike">
+                          <a:solidFill>
+                            <a:srgbClr val="000000"/>
+                          </a:solidFill>
+                          <a:effectLst/>
+                          <a:latin typeface="Calibri" panose="020F0502020204030204" pitchFamily="34" charset="0"/>
+                        </a:rPr>
+                        <a:t>Normal Relative</a:t>
+                      </a:r>
+                    </a:p>
+                  </a:txBody>
+                  <a:tcPr marL="6877" marR="6877" marT="6877" marB="0" anchor="b">
+                    <a:lnL>
+                      <a:noFill/>
+                    </a:lnL>
+                    <a:lnR>
+                      <a:noFill/>
+                    </a:lnR>
+                    <a:lnT>
+                      <a:noFill/>
+                    </a:lnT>
+                    <a:lnB>
+                      <a:noFill/>
+                    </a:lnB>
+                  </a:tcPr>
+                </a:tc>
+                <a:tc>
+                  <a:txBody>
+                    <a:bodyPr/>
+                    <a:lstStyle/>
+                    <a:p>
+                      <a:pPr algn="r" fontAlgn="b"/>
+                      <a:r>
+                        <a:rPr lang="en-US" sz="1000" b="0" i="0" u="none" strike="noStrike">
+                          <a:solidFill>
+                            <a:srgbClr val="000000"/>
+                          </a:solidFill>
+                          <a:effectLst/>
+                          <a:latin typeface="Calibri" panose="020F0502020204030204" pitchFamily="34" charset="0"/>
+                        </a:rPr>
+                        <a:t>1</a:t>
+                      </a:r>
+                    </a:p>
+                  </a:txBody>
+                  <a:tcPr marL="6877" marR="6877" marT="6877" marB="0" anchor="b">
+                    <a:lnL>
+                      <a:noFill/>
+                    </a:lnL>
+                    <a:lnR>
+                      <a:noFill/>
+                    </a:lnR>
+                    <a:lnT>
+                      <a:noFill/>
+                    </a:lnT>
+                    <a:lnB>
+                      <a:noFill/>
+                    </a:lnB>
+                  </a:tcPr>
+                </a:tc>
+                <a:tc>
+                  <a:txBody>
+                    <a:bodyPr/>
+                    <a:lstStyle/>
+                    <a:p>
+                      <a:pPr algn="r" fontAlgn="b"/>
+                      <a:r>
+                        <a:rPr lang="en-US" sz="1000" b="0" i="0" u="none" strike="noStrike">
+                          <a:solidFill>
+                            <a:srgbClr val="000000"/>
+                          </a:solidFill>
+                          <a:effectLst/>
+                          <a:latin typeface="Calibri" panose="020F0502020204030204" pitchFamily="34" charset="0"/>
+                        </a:rPr>
+                        <a:t>0.01</a:t>
+                      </a:r>
+                    </a:p>
+                  </a:txBody>
+                  <a:tcPr marL="6877" marR="6877" marT="6877" marB="0" anchor="b">
+                    <a:lnL>
+                      <a:noFill/>
+                    </a:lnL>
+                    <a:lnR>
+                      <a:noFill/>
+                    </a:lnR>
+                    <a:lnT>
+                      <a:noFill/>
+                    </a:lnT>
+                    <a:lnB>
+                      <a:noFill/>
+                    </a:lnB>
+                  </a:tcPr>
+                </a:tc>
+                <a:tc>
+                  <a:txBody>
+                    <a:bodyPr/>
+                    <a:lstStyle/>
+                    <a:p>
+                      <a:pPr algn="r" fontAlgn="b"/>
+                      <a:r>
+                        <a:rPr lang="en-US" sz="1000" b="0" i="0" u="none" strike="noStrike">
+                          <a:solidFill>
+                            <a:srgbClr val="000000"/>
+                          </a:solidFill>
+                          <a:effectLst/>
+                          <a:latin typeface="Calibri" panose="020F0502020204030204" pitchFamily="34" charset="0"/>
+                        </a:rPr>
+                        <a:t>0</a:t>
+                      </a:r>
+                    </a:p>
+                  </a:txBody>
+                  <a:tcPr marL="6877" marR="6877" marT="6877" marB="0" anchor="b">
+                    <a:lnL>
+                      <a:noFill/>
+                    </a:lnL>
+                    <a:lnR>
+                      <a:noFill/>
+                    </a:lnR>
+                    <a:lnT>
+                      <a:noFill/>
+                    </a:lnT>
+                    <a:lnB>
+                      <a:noFill/>
+                    </a:lnB>
+                  </a:tcPr>
+                </a:tc>
+                <a:tc>
+                  <a:txBody>
+                    <a:bodyPr/>
+                    <a:lstStyle/>
+                    <a:p>
+                      <a:pPr algn="r" fontAlgn="b"/>
+                      <a:r>
+                        <a:rPr lang="en-US" sz="1000" b="0" i="0" u="none" strike="noStrike" dirty="0">
+                          <a:solidFill>
+                            <a:srgbClr val="000000"/>
+                          </a:solidFill>
+                          <a:effectLst/>
+                          <a:latin typeface="Calibri" panose="020F0502020204030204" pitchFamily="34" charset="0"/>
+                        </a:rPr>
+                        <a:t>NA</a:t>
+                      </a:r>
+                    </a:p>
+                  </a:txBody>
+                  <a:tcPr marL="6877" marR="6877" marT="6877" marB="0" anchor="b">
+                    <a:lnL>
+                      <a:noFill/>
+                    </a:lnL>
+                    <a:lnR>
+                      <a:noFill/>
+                    </a:lnR>
+                    <a:lnT>
+                      <a:noFill/>
+                    </a:lnT>
+                    <a:lnB>
+                      <a:noFill/>
+                    </a:lnB>
+                  </a:tcPr>
+                </a:tc>
+                <a:extLst>
+                  <a:ext uri="{0D108BD9-81ED-4DB2-BD59-A6C34878D82A}">
+                    <a16:rowId xmlns:a16="http://schemas.microsoft.com/office/drawing/2014/main" val="2294512254"/>
                   </a:ext>
                 </a:extLst>
               </a:tr>
